--- a/doc/網路程式設計報告.pptx
+++ b/doc/網路程式設計報告.pptx
@@ -8,12 +8,19 @@
     <p:sldId id="256" r:id="rId2"/>
     <p:sldId id="257" r:id="rId3"/>
     <p:sldId id="258" r:id="rId4"/>
-    <p:sldId id="260" r:id="rId5"/>
-    <p:sldId id="259" r:id="rId6"/>
-    <p:sldId id="261" r:id="rId7"/>
-    <p:sldId id="262" r:id="rId8"/>
-    <p:sldId id="263" r:id="rId9"/>
-    <p:sldId id="264" r:id="rId10"/>
+    <p:sldId id="265" r:id="rId5"/>
+    <p:sldId id="268" r:id="rId6"/>
+    <p:sldId id="269" r:id="rId7"/>
+    <p:sldId id="270" r:id="rId8"/>
+    <p:sldId id="271" r:id="rId9"/>
+    <p:sldId id="267" r:id="rId10"/>
+    <p:sldId id="266" r:id="rId11"/>
+    <p:sldId id="260" r:id="rId12"/>
+    <p:sldId id="259" r:id="rId13"/>
+    <p:sldId id="261" r:id="rId14"/>
+    <p:sldId id="262" r:id="rId15"/>
+    <p:sldId id="263" r:id="rId16"/>
+    <p:sldId id="264" r:id="rId17"/>
   </p:sldIdLst>
   <p:sldSz cx="12192000" cy="6858000"/>
   <p:notesSz cx="6858000" cy="9144000"/>
@@ -112,6 +119,11 @@
       </a:defRPr>
     </a:lvl9pPr>
   </p:defaultTextStyle>
+  <p:extLst>
+    <p:ext uri="{EFAFB233-063F-42B5-8137-9DF3F51BA10A}">
+      <p15:sldGuideLst xmlns:p15="http://schemas.microsoft.com/office/powerpoint/2012/main"/>
+    </p:ext>
+  </p:extLst>
 </p:presentation>
 </file>
 
@@ -262,7 +274,7 @@
           <a:p>
             <a:fld id="{494077FE-4EB7-48B7-AED8-248F2A3059D5}" type="datetimeFigureOut">
               <a:rPr lang="zh-TW" altLang="en-US" smtClean="0"/>
-              <a:t>2021/1/4</a:t>
+              <a:t>2021/1/5</a:t>
             </a:fld>
             <a:endParaRPr lang="zh-TW" altLang="en-US"/>
           </a:p>
@@ -460,7 +472,7 @@
           <a:p>
             <a:fld id="{494077FE-4EB7-48B7-AED8-248F2A3059D5}" type="datetimeFigureOut">
               <a:rPr lang="zh-TW" altLang="en-US" smtClean="0"/>
-              <a:t>2021/1/4</a:t>
+              <a:t>2021/1/5</a:t>
             </a:fld>
             <a:endParaRPr lang="zh-TW" altLang="en-US"/>
           </a:p>
@@ -668,7 +680,7 @@
           <a:p>
             <a:fld id="{494077FE-4EB7-48B7-AED8-248F2A3059D5}" type="datetimeFigureOut">
               <a:rPr lang="zh-TW" altLang="en-US" smtClean="0"/>
-              <a:t>2021/1/4</a:t>
+              <a:t>2021/1/5</a:t>
             </a:fld>
             <a:endParaRPr lang="zh-TW" altLang="en-US"/>
           </a:p>
@@ -866,7 +878,7 @@
           <a:p>
             <a:fld id="{494077FE-4EB7-48B7-AED8-248F2A3059D5}" type="datetimeFigureOut">
               <a:rPr lang="zh-TW" altLang="en-US" smtClean="0"/>
-              <a:t>2021/1/4</a:t>
+              <a:t>2021/1/5</a:t>
             </a:fld>
             <a:endParaRPr lang="zh-TW" altLang="en-US"/>
           </a:p>
@@ -1141,7 +1153,7 @@
           <a:p>
             <a:fld id="{494077FE-4EB7-48B7-AED8-248F2A3059D5}" type="datetimeFigureOut">
               <a:rPr lang="zh-TW" altLang="en-US" smtClean="0"/>
-              <a:t>2021/1/4</a:t>
+              <a:t>2021/1/5</a:t>
             </a:fld>
             <a:endParaRPr lang="zh-TW" altLang="en-US"/>
           </a:p>
@@ -1406,7 +1418,7 @@
           <a:p>
             <a:fld id="{494077FE-4EB7-48B7-AED8-248F2A3059D5}" type="datetimeFigureOut">
               <a:rPr lang="zh-TW" altLang="en-US" smtClean="0"/>
-              <a:t>2021/1/4</a:t>
+              <a:t>2021/1/5</a:t>
             </a:fld>
             <a:endParaRPr lang="zh-TW" altLang="en-US"/>
           </a:p>
@@ -1818,7 +1830,7 @@
           <a:p>
             <a:fld id="{494077FE-4EB7-48B7-AED8-248F2A3059D5}" type="datetimeFigureOut">
               <a:rPr lang="zh-TW" altLang="en-US" smtClean="0"/>
-              <a:t>2021/1/4</a:t>
+              <a:t>2021/1/5</a:t>
             </a:fld>
             <a:endParaRPr lang="zh-TW" altLang="en-US"/>
           </a:p>
@@ -1959,7 +1971,7 @@
           <a:p>
             <a:fld id="{494077FE-4EB7-48B7-AED8-248F2A3059D5}" type="datetimeFigureOut">
               <a:rPr lang="zh-TW" altLang="en-US" smtClean="0"/>
-              <a:t>2021/1/4</a:t>
+              <a:t>2021/1/5</a:t>
             </a:fld>
             <a:endParaRPr lang="zh-TW" altLang="en-US"/>
           </a:p>
@@ -2072,7 +2084,7 @@
           <a:p>
             <a:fld id="{494077FE-4EB7-48B7-AED8-248F2A3059D5}" type="datetimeFigureOut">
               <a:rPr lang="zh-TW" altLang="en-US" smtClean="0"/>
-              <a:t>2021/1/4</a:t>
+              <a:t>2021/1/5</a:t>
             </a:fld>
             <a:endParaRPr lang="zh-TW" altLang="en-US"/>
           </a:p>
@@ -2383,7 +2395,7 @@
           <a:p>
             <a:fld id="{494077FE-4EB7-48B7-AED8-248F2A3059D5}" type="datetimeFigureOut">
               <a:rPr lang="zh-TW" altLang="en-US" smtClean="0"/>
-              <a:t>2021/1/4</a:t>
+              <a:t>2021/1/5</a:t>
             </a:fld>
             <a:endParaRPr lang="zh-TW" altLang="en-US"/>
           </a:p>
@@ -2671,7 +2683,7 @@
           <a:p>
             <a:fld id="{494077FE-4EB7-48B7-AED8-248F2A3059D5}" type="datetimeFigureOut">
               <a:rPr lang="zh-TW" altLang="en-US" smtClean="0"/>
-              <a:t>2021/1/4</a:t>
+              <a:t>2021/1/5</a:t>
             </a:fld>
             <a:endParaRPr lang="zh-TW" altLang="en-US"/>
           </a:p>
@@ -2912,7 +2924,7 @@
           <a:p>
             <a:fld id="{494077FE-4EB7-48B7-AED8-248F2A3059D5}" type="datetimeFigureOut">
               <a:rPr lang="zh-TW" altLang="en-US" smtClean="0"/>
-              <a:t>2021/1/4</a:t>
+              <a:t>2021/1/5</a:t>
             </a:fld>
             <a:endParaRPr lang="zh-TW" altLang="en-US"/>
           </a:p>
@@ -3428,6 +3440,852 @@
 </p:sld>
 </file>
 
+<file path=ppt/slides/slide10.xml><?xml version="1.0" encoding="utf-8"?>
+<p:sld xmlns:a="http://schemas.openxmlformats.org/drawingml/2006/main" xmlns:r="http://schemas.openxmlformats.org/officeDocument/2006/relationships" xmlns:p="http://schemas.openxmlformats.org/presentationml/2006/main">
+  <p:cSld>
+    <p:spTree>
+      <p:nvGrpSpPr>
+        <p:cNvPr id="1" name=""/>
+        <p:cNvGrpSpPr/>
+        <p:nvPr/>
+      </p:nvGrpSpPr>
+      <p:grpSpPr>
+        <a:xfrm>
+          <a:off x="0" y="0"/>
+          <a:ext cx="0" cy="0"/>
+          <a:chOff x="0" y="0"/>
+          <a:chExt cx="0" cy="0"/>
+        </a:xfrm>
+      </p:grpSpPr>
+      <p:sp>
+        <p:nvSpPr>
+          <p:cNvPr id="2" name="標題 1">
+            <a:extLst>
+              <a:ext uri="{FF2B5EF4-FFF2-40B4-BE49-F238E27FC236}">
+                <a16:creationId xmlns:a16="http://schemas.microsoft.com/office/drawing/2014/main" id="{87278654-850E-4E89-A5B1-89BF7F3A63E7}"/>
+              </a:ext>
+            </a:extLst>
+          </p:cNvPr>
+          <p:cNvSpPr>
+            <a:spLocks noGrp="1"/>
+          </p:cNvSpPr>
+          <p:nvPr>
+            <p:ph type="title"/>
+          </p:nvPr>
+        </p:nvSpPr>
+        <p:spPr/>
+        <p:txBody>
+          <a:bodyPr/>
+          <a:lstStyle/>
+          <a:p>
+            <a:endParaRPr lang="zh-TW" altLang="en-US"/>
+          </a:p>
+        </p:txBody>
+      </p:sp>
+      <p:sp>
+        <p:nvSpPr>
+          <p:cNvPr id="3" name="內容版面配置區 2">
+            <a:extLst>
+              <a:ext uri="{FF2B5EF4-FFF2-40B4-BE49-F238E27FC236}">
+                <a16:creationId xmlns:a16="http://schemas.microsoft.com/office/drawing/2014/main" id="{E3B5C3E9-3F07-44EB-98D1-D5041BC559D4}"/>
+              </a:ext>
+            </a:extLst>
+          </p:cNvPr>
+          <p:cNvSpPr>
+            <a:spLocks noGrp="1"/>
+          </p:cNvSpPr>
+          <p:nvPr>
+            <p:ph idx="1"/>
+          </p:nvPr>
+        </p:nvSpPr>
+        <p:spPr/>
+        <p:txBody>
+          <a:bodyPr/>
+          <a:lstStyle/>
+          <a:p>
+            <a:r>
+              <a:rPr lang="zh-TW" altLang="en-US" dirty="0"/>
+              <a:t>攻擊手段 </a:t>
+            </a:r>
+            <a:r>
+              <a:rPr lang="en-US" altLang="zh-TW" dirty="0"/>
+              <a:t>	</a:t>
+            </a:r>
+            <a:r>
+              <a:rPr lang="zh-TW" altLang="en-US" dirty="0"/>
+              <a:t>飛彈</a:t>
+            </a:r>
+            <a:r>
+              <a:rPr lang="en-US" altLang="zh-TW" dirty="0"/>
+              <a:t>(missile)</a:t>
+            </a:r>
+          </a:p>
+        </p:txBody>
+      </p:sp>
+      <p:pic>
+        <p:nvPicPr>
+          <p:cNvPr id="5" name="圖片 4">
+            <a:extLst>
+              <a:ext uri="{FF2B5EF4-FFF2-40B4-BE49-F238E27FC236}">
+                <a16:creationId xmlns:a16="http://schemas.microsoft.com/office/drawing/2014/main" id="{43B0D317-F5F6-400F-9986-2F77393CD464}"/>
+              </a:ext>
+            </a:extLst>
+          </p:cNvPr>
+          <p:cNvPicPr>
+            <a:picLocks noChangeAspect="1"/>
+          </p:cNvPicPr>
+          <p:nvPr/>
+        </p:nvPicPr>
+        <p:blipFill>
+          <a:blip r:embed="rId2"/>
+          <a:stretch>
+            <a:fillRect/>
+          </a:stretch>
+        </p:blipFill>
+        <p:spPr>
+          <a:xfrm>
+            <a:off x="1802995" y="2915039"/>
+            <a:ext cx="2791215" cy="2800741"/>
+          </a:xfrm>
+          <a:prstGeom prst="rect">
+            <a:avLst/>
+          </a:prstGeom>
+        </p:spPr>
+      </p:pic>
+      <p:pic>
+        <p:nvPicPr>
+          <p:cNvPr id="7" name="圖片 6">
+            <a:extLst>
+              <a:ext uri="{FF2B5EF4-FFF2-40B4-BE49-F238E27FC236}">
+                <a16:creationId xmlns:a16="http://schemas.microsoft.com/office/drawing/2014/main" id="{EF955C84-E01C-4EBA-9697-73077030B219}"/>
+              </a:ext>
+            </a:extLst>
+          </p:cNvPr>
+          <p:cNvPicPr>
+            <a:picLocks noChangeAspect="1"/>
+          </p:cNvPicPr>
+          <p:nvPr/>
+        </p:nvPicPr>
+        <p:blipFill>
+          <a:blip r:embed="rId3"/>
+          <a:stretch>
+            <a:fillRect/>
+          </a:stretch>
+        </p:blipFill>
+        <p:spPr>
+          <a:xfrm>
+            <a:off x="6874620" y="2915039"/>
+            <a:ext cx="2772162" cy="2867425"/>
+          </a:xfrm>
+          <a:prstGeom prst="rect">
+            <a:avLst/>
+          </a:prstGeom>
+        </p:spPr>
+      </p:pic>
+      <p:sp>
+        <p:nvSpPr>
+          <p:cNvPr id="8" name="文字方塊 7">
+            <a:extLst>
+              <a:ext uri="{FF2B5EF4-FFF2-40B4-BE49-F238E27FC236}">
+                <a16:creationId xmlns:a16="http://schemas.microsoft.com/office/drawing/2014/main" id="{BDE5A077-4B66-4AD5-8F3C-0E7DA9F53D82}"/>
+              </a:ext>
+            </a:extLst>
+          </p:cNvPr>
+          <p:cNvSpPr txBox="1"/>
+          <p:nvPr/>
+        </p:nvSpPr>
+        <p:spPr>
+          <a:xfrm>
+            <a:off x="2341984" y="2545707"/>
+            <a:ext cx="1107996" cy="369332"/>
+          </a:xfrm>
+          <a:prstGeom prst="rect">
+            <a:avLst/>
+          </a:prstGeom>
+          <a:noFill/>
+        </p:spPr>
+        <p:txBody>
+          <a:bodyPr wrap="none" rtlCol="0">
+            <a:spAutoFit/>
+          </a:bodyPr>
+          <a:lstStyle/>
+          <a:p>
+            <a:r>
+              <a:rPr lang="zh-TW" altLang="en-US" dirty="0"/>
+              <a:t>攻擊成功</a:t>
+            </a:r>
+          </a:p>
+        </p:txBody>
+      </p:sp>
+      <p:sp>
+        <p:nvSpPr>
+          <p:cNvPr id="9" name="文字方塊 8">
+            <a:extLst>
+              <a:ext uri="{FF2B5EF4-FFF2-40B4-BE49-F238E27FC236}">
+                <a16:creationId xmlns:a16="http://schemas.microsoft.com/office/drawing/2014/main" id="{B8CFD1D7-91E4-4D99-93CA-CDF7FCE84BDD}"/>
+              </a:ext>
+            </a:extLst>
+          </p:cNvPr>
+          <p:cNvSpPr txBox="1"/>
+          <p:nvPr/>
+        </p:nvSpPr>
+        <p:spPr>
+          <a:xfrm>
+            <a:off x="7597792" y="2595436"/>
+            <a:ext cx="1107996" cy="369332"/>
+          </a:xfrm>
+          <a:prstGeom prst="rect">
+            <a:avLst/>
+          </a:prstGeom>
+          <a:noFill/>
+        </p:spPr>
+        <p:txBody>
+          <a:bodyPr wrap="none" rtlCol="0">
+            <a:spAutoFit/>
+          </a:bodyPr>
+          <a:lstStyle/>
+          <a:p>
+            <a:r>
+              <a:rPr lang="zh-TW" altLang="en-US" dirty="0"/>
+              <a:t>攻擊失敗</a:t>
+            </a:r>
+          </a:p>
+        </p:txBody>
+      </p:sp>
+    </p:spTree>
+    <p:extLst>
+      <p:ext uri="{BB962C8B-B14F-4D97-AF65-F5344CB8AC3E}">
+        <p14:creationId xmlns:p14="http://schemas.microsoft.com/office/powerpoint/2010/main" val="585635557"/>
+      </p:ext>
+    </p:extLst>
+  </p:cSld>
+  <p:clrMapOvr>
+    <a:masterClrMapping/>
+  </p:clrMapOvr>
+</p:sld>
+</file>
+
+<file path=ppt/slides/slide11.xml><?xml version="1.0" encoding="utf-8"?>
+<p:sld xmlns:a="http://schemas.openxmlformats.org/drawingml/2006/main" xmlns:r="http://schemas.openxmlformats.org/officeDocument/2006/relationships" xmlns:p="http://schemas.openxmlformats.org/presentationml/2006/main">
+  <p:cSld>
+    <p:spTree>
+      <p:nvGrpSpPr>
+        <p:cNvPr id="1" name=""/>
+        <p:cNvGrpSpPr/>
+        <p:nvPr/>
+      </p:nvGrpSpPr>
+      <p:grpSpPr>
+        <a:xfrm>
+          <a:off x="0" y="0"/>
+          <a:ext cx="0" cy="0"/>
+          <a:chOff x="0" y="0"/>
+          <a:chExt cx="0" cy="0"/>
+        </a:xfrm>
+      </p:grpSpPr>
+      <p:sp>
+        <p:nvSpPr>
+          <p:cNvPr id="2" name="標題 1">
+            <a:extLst>
+              <a:ext uri="{FF2B5EF4-FFF2-40B4-BE49-F238E27FC236}">
+                <a16:creationId xmlns:a16="http://schemas.microsoft.com/office/drawing/2014/main" id="{53F92F7E-90F3-4670-AA2E-DDDAF7DB21F1}"/>
+              </a:ext>
+            </a:extLst>
+          </p:cNvPr>
+          <p:cNvSpPr>
+            <a:spLocks noGrp="1"/>
+          </p:cNvSpPr>
+          <p:nvPr>
+            <p:ph type="title"/>
+          </p:nvPr>
+        </p:nvSpPr>
+        <p:spPr/>
+        <p:txBody>
+          <a:bodyPr/>
+          <a:lstStyle/>
+          <a:p>
+            <a:r>
+              <a:rPr lang="zh-TW" altLang="en-US" dirty="0"/>
+              <a:t>分工</a:t>
+            </a:r>
+          </a:p>
+        </p:txBody>
+      </p:sp>
+      <p:sp>
+        <p:nvSpPr>
+          <p:cNvPr id="3" name="內容版面配置區 2">
+            <a:extLst>
+              <a:ext uri="{FF2B5EF4-FFF2-40B4-BE49-F238E27FC236}">
+                <a16:creationId xmlns:a16="http://schemas.microsoft.com/office/drawing/2014/main" id="{6E3A1007-D276-4609-B2E4-10EDC124C7AC}"/>
+              </a:ext>
+            </a:extLst>
+          </p:cNvPr>
+          <p:cNvSpPr>
+            <a:spLocks noGrp="1"/>
+          </p:cNvSpPr>
+          <p:nvPr>
+            <p:ph idx="1"/>
+          </p:nvPr>
+        </p:nvSpPr>
+        <p:spPr/>
+        <p:txBody>
+          <a:bodyPr/>
+          <a:lstStyle/>
+          <a:p>
+            <a:r>
+              <a:rPr lang="zh-TW" altLang="en-US" dirty="0"/>
+              <a:t>前端</a:t>
+            </a:r>
+            <a:endParaRPr lang="en-US" altLang="zh-TW" dirty="0"/>
+          </a:p>
+          <a:p>
+            <a:pPr marL="0" indent="0">
+              <a:buNone/>
+            </a:pPr>
+            <a:r>
+              <a:rPr lang="en-US" altLang="zh-TW" dirty="0">
+                <a:sym typeface="Wingdings" panose="05000000000000000000" pitchFamily="2" charset="2"/>
+              </a:rPr>
+              <a:t></a:t>
+            </a:r>
+            <a:r>
+              <a:rPr lang="zh-TW" altLang="en-US" dirty="0"/>
+              <a:t>圖形化使用者介面</a:t>
+            </a:r>
+            <a:endParaRPr lang="en-US" altLang="zh-TW" dirty="0"/>
+          </a:p>
+          <a:p>
+            <a:pPr marL="0" indent="0">
+              <a:buNone/>
+            </a:pPr>
+            <a:endParaRPr lang="en-US" altLang="zh-TW" dirty="0"/>
+          </a:p>
+          <a:p>
+            <a:endParaRPr lang="en-US" altLang="zh-TW" dirty="0"/>
+          </a:p>
+          <a:p>
+            <a:r>
+              <a:rPr lang="zh-TW" altLang="en-US" dirty="0"/>
+              <a:t>後端</a:t>
+            </a:r>
+            <a:endParaRPr lang="en-US" altLang="zh-TW" dirty="0"/>
+          </a:p>
+          <a:p>
+            <a:pPr marL="0" indent="0">
+              <a:buNone/>
+            </a:pPr>
+            <a:r>
+              <a:rPr lang="en-US" altLang="zh-TW" dirty="0">
+                <a:sym typeface="Wingdings" panose="05000000000000000000" pitchFamily="2" charset="2"/>
+              </a:rPr>
+              <a:t></a:t>
+            </a:r>
+            <a:r>
+              <a:rPr lang="zh-TW" altLang="en-US" dirty="0"/>
+              <a:t>遊戲進行流程以及連線</a:t>
+            </a:r>
+          </a:p>
+        </p:txBody>
+      </p:sp>
+    </p:spTree>
+    <p:extLst>
+      <p:ext uri="{BB962C8B-B14F-4D97-AF65-F5344CB8AC3E}">
+        <p14:creationId xmlns:p14="http://schemas.microsoft.com/office/powerpoint/2010/main" val="382269216"/>
+      </p:ext>
+    </p:extLst>
+  </p:cSld>
+  <p:clrMapOvr>
+    <a:masterClrMapping/>
+  </p:clrMapOvr>
+</p:sld>
+</file>
+
+<file path=ppt/slides/slide12.xml><?xml version="1.0" encoding="utf-8"?>
+<p:sld xmlns:a="http://schemas.openxmlformats.org/drawingml/2006/main" xmlns:r="http://schemas.openxmlformats.org/officeDocument/2006/relationships" xmlns:p="http://schemas.openxmlformats.org/presentationml/2006/main">
+  <p:cSld>
+    <p:spTree>
+      <p:nvGrpSpPr>
+        <p:cNvPr id="1" name=""/>
+        <p:cNvGrpSpPr/>
+        <p:nvPr/>
+      </p:nvGrpSpPr>
+      <p:grpSpPr>
+        <a:xfrm>
+          <a:off x="0" y="0"/>
+          <a:ext cx="0" cy="0"/>
+          <a:chOff x="0" y="0"/>
+          <a:chExt cx="0" cy="0"/>
+        </a:xfrm>
+      </p:grpSpPr>
+      <p:sp>
+        <p:nvSpPr>
+          <p:cNvPr id="2" name="標題 1">
+            <a:extLst>
+              <a:ext uri="{FF2B5EF4-FFF2-40B4-BE49-F238E27FC236}">
+                <a16:creationId xmlns:a16="http://schemas.microsoft.com/office/drawing/2014/main" id="{E36158D2-2677-4FDE-9E86-59BA8AEEF678}"/>
+              </a:ext>
+            </a:extLst>
+          </p:cNvPr>
+          <p:cNvSpPr>
+            <a:spLocks noGrp="1"/>
+          </p:cNvSpPr>
+          <p:nvPr>
+            <p:ph type="title"/>
+          </p:nvPr>
+        </p:nvSpPr>
+        <p:spPr/>
+        <p:txBody>
+          <a:bodyPr/>
+          <a:lstStyle/>
+          <a:p>
+            <a:r>
+              <a:rPr lang="zh-TW" altLang="en-US" dirty="0"/>
+              <a:t>連線方式</a:t>
+            </a:r>
+          </a:p>
+        </p:txBody>
+      </p:sp>
+      <p:sp>
+        <p:nvSpPr>
+          <p:cNvPr id="3" name="內容版面配置區 2">
+            <a:extLst>
+              <a:ext uri="{FF2B5EF4-FFF2-40B4-BE49-F238E27FC236}">
+                <a16:creationId xmlns:a16="http://schemas.microsoft.com/office/drawing/2014/main" id="{4DE77B85-3EEA-4408-8803-A7FAC6F38FD3}"/>
+              </a:ext>
+            </a:extLst>
+          </p:cNvPr>
+          <p:cNvSpPr>
+            <a:spLocks noGrp="1"/>
+          </p:cNvSpPr>
+          <p:nvPr>
+            <p:ph idx="1"/>
+          </p:nvPr>
+        </p:nvSpPr>
+        <p:spPr/>
+        <p:txBody>
+          <a:bodyPr/>
+          <a:lstStyle/>
+          <a:p>
+            <a:r>
+              <a:rPr lang="en-US" altLang="zh-TW" dirty="0"/>
+              <a:t>RMI</a:t>
+            </a:r>
+          </a:p>
+          <a:p>
+            <a:endParaRPr lang="en-US" altLang="zh-TW" dirty="0"/>
+          </a:p>
+          <a:p>
+            <a:r>
+              <a:rPr lang="en-US" altLang="zh-TW" dirty="0"/>
+              <a:t>why?</a:t>
+            </a:r>
+          </a:p>
+          <a:p>
+            <a:endParaRPr lang="en-US" altLang="zh-TW" dirty="0"/>
+          </a:p>
+          <a:p>
+            <a:endParaRPr lang="zh-TW" altLang="en-US" dirty="0"/>
+          </a:p>
+        </p:txBody>
+      </p:sp>
+    </p:spTree>
+    <p:extLst>
+      <p:ext uri="{BB962C8B-B14F-4D97-AF65-F5344CB8AC3E}">
+        <p14:creationId xmlns:p14="http://schemas.microsoft.com/office/powerpoint/2010/main" val="2912784969"/>
+      </p:ext>
+    </p:extLst>
+  </p:cSld>
+  <p:clrMapOvr>
+    <a:masterClrMapping/>
+  </p:clrMapOvr>
+</p:sld>
+</file>
+
+<file path=ppt/slides/slide13.xml><?xml version="1.0" encoding="utf-8"?>
+<p:sld xmlns:a="http://schemas.openxmlformats.org/drawingml/2006/main" xmlns:r="http://schemas.openxmlformats.org/officeDocument/2006/relationships" xmlns:p="http://schemas.openxmlformats.org/presentationml/2006/main">
+  <p:cSld>
+    <p:spTree>
+      <p:nvGrpSpPr>
+        <p:cNvPr id="1" name=""/>
+        <p:cNvGrpSpPr/>
+        <p:nvPr/>
+      </p:nvGrpSpPr>
+      <p:grpSpPr>
+        <a:xfrm>
+          <a:off x="0" y="0"/>
+          <a:ext cx="0" cy="0"/>
+          <a:chOff x="0" y="0"/>
+          <a:chExt cx="0" cy="0"/>
+        </a:xfrm>
+      </p:grpSpPr>
+      <p:sp>
+        <p:nvSpPr>
+          <p:cNvPr id="2" name="標題 1">
+            <a:extLst>
+              <a:ext uri="{FF2B5EF4-FFF2-40B4-BE49-F238E27FC236}">
+                <a16:creationId xmlns:a16="http://schemas.microsoft.com/office/drawing/2014/main" id="{F04281BC-172F-4D72-8AE3-EED9E4C78820}"/>
+              </a:ext>
+            </a:extLst>
+          </p:cNvPr>
+          <p:cNvSpPr>
+            <a:spLocks noGrp="1"/>
+          </p:cNvSpPr>
+          <p:nvPr>
+            <p:ph type="title"/>
+          </p:nvPr>
+        </p:nvSpPr>
+        <p:spPr/>
+        <p:txBody>
+          <a:bodyPr/>
+          <a:lstStyle/>
+          <a:p>
+            <a:r>
+              <a:rPr lang="zh-TW" altLang="en-US" dirty="0"/>
+              <a:t>設計過程遭遇的問題</a:t>
+            </a:r>
+          </a:p>
+        </p:txBody>
+      </p:sp>
+      <p:sp>
+        <p:nvSpPr>
+          <p:cNvPr id="3" name="內容版面配置區 2">
+            <a:extLst>
+              <a:ext uri="{FF2B5EF4-FFF2-40B4-BE49-F238E27FC236}">
+                <a16:creationId xmlns:a16="http://schemas.microsoft.com/office/drawing/2014/main" id="{BE067DCD-CA85-4C6D-A36F-B4888EAE7167}"/>
+              </a:ext>
+            </a:extLst>
+          </p:cNvPr>
+          <p:cNvSpPr>
+            <a:spLocks noGrp="1"/>
+          </p:cNvSpPr>
+          <p:nvPr>
+            <p:ph idx="1"/>
+          </p:nvPr>
+        </p:nvSpPr>
+        <p:spPr/>
+        <p:txBody>
+          <a:bodyPr/>
+          <a:lstStyle/>
+          <a:p>
+            <a:r>
+              <a:rPr lang="zh-TW" altLang="en-US" dirty="0"/>
+              <a:t>無法主動傳送訊息</a:t>
+            </a:r>
+            <a:endParaRPr lang="en-US" altLang="zh-TW" dirty="0"/>
+          </a:p>
+          <a:p>
+            <a:endParaRPr lang="en-US" altLang="zh-TW" dirty="0"/>
+          </a:p>
+          <a:p>
+            <a:r>
+              <a:rPr lang="zh-TW" altLang="en-US" dirty="0"/>
+              <a:t>無法確認玩家連線狀態</a:t>
+            </a:r>
+            <a:endParaRPr lang="en-US" altLang="zh-TW" dirty="0"/>
+          </a:p>
+          <a:p>
+            <a:endParaRPr lang="en-US" altLang="zh-TW" dirty="0"/>
+          </a:p>
+          <a:p>
+            <a:endParaRPr lang="zh-TW" altLang="en-US" dirty="0"/>
+          </a:p>
+        </p:txBody>
+      </p:sp>
+    </p:spTree>
+    <p:extLst>
+      <p:ext uri="{BB962C8B-B14F-4D97-AF65-F5344CB8AC3E}">
+        <p14:creationId xmlns:p14="http://schemas.microsoft.com/office/powerpoint/2010/main" val="4064999494"/>
+      </p:ext>
+    </p:extLst>
+  </p:cSld>
+  <p:clrMapOvr>
+    <a:masterClrMapping/>
+  </p:clrMapOvr>
+</p:sld>
+</file>
+
+<file path=ppt/slides/slide14.xml><?xml version="1.0" encoding="utf-8"?>
+<p:sld xmlns:a="http://schemas.openxmlformats.org/drawingml/2006/main" xmlns:r="http://schemas.openxmlformats.org/officeDocument/2006/relationships" xmlns:p="http://schemas.openxmlformats.org/presentationml/2006/main">
+  <p:cSld>
+    <p:spTree>
+      <p:nvGrpSpPr>
+        <p:cNvPr id="1" name=""/>
+        <p:cNvGrpSpPr/>
+        <p:nvPr/>
+      </p:nvGrpSpPr>
+      <p:grpSpPr>
+        <a:xfrm>
+          <a:off x="0" y="0"/>
+          <a:ext cx="0" cy="0"/>
+          <a:chOff x="0" y="0"/>
+          <a:chExt cx="0" cy="0"/>
+        </a:xfrm>
+      </p:grpSpPr>
+      <p:sp>
+        <p:nvSpPr>
+          <p:cNvPr id="2" name="標題 1">
+            <a:extLst>
+              <a:ext uri="{FF2B5EF4-FFF2-40B4-BE49-F238E27FC236}">
+                <a16:creationId xmlns:a16="http://schemas.microsoft.com/office/drawing/2014/main" id="{95DAAB85-04CB-4B41-9457-384EABC13978}"/>
+              </a:ext>
+            </a:extLst>
+          </p:cNvPr>
+          <p:cNvSpPr>
+            <a:spLocks noGrp="1"/>
+          </p:cNvSpPr>
+          <p:nvPr>
+            <p:ph type="title"/>
+          </p:nvPr>
+        </p:nvSpPr>
+        <p:spPr/>
+        <p:txBody>
+          <a:bodyPr/>
+          <a:lstStyle/>
+          <a:p>
+            <a:r>
+              <a:rPr lang="zh-TW" altLang="en-US" dirty="0"/>
+              <a:t>如何解決</a:t>
+            </a:r>
+          </a:p>
+        </p:txBody>
+      </p:sp>
+      <p:sp>
+        <p:nvSpPr>
+          <p:cNvPr id="3" name="內容版面配置區 2">
+            <a:extLst>
+              <a:ext uri="{FF2B5EF4-FFF2-40B4-BE49-F238E27FC236}">
+                <a16:creationId xmlns:a16="http://schemas.microsoft.com/office/drawing/2014/main" id="{DCC02480-8ECD-4EC6-B457-3C84B1DD218B}"/>
+              </a:ext>
+            </a:extLst>
+          </p:cNvPr>
+          <p:cNvSpPr>
+            <a:spLocks noGrp="1"/>
+          </p:cNvSpPr>
+          <p:nvPr>
+            <p:ph idx="1"/>
+          </p:nvPr>
+        </p:nvSpPr>
+        <p:spPr/>
+        <p:txBody>
+          <a:bodyPr/>
+          <a:lstStyle/>
+          <a:p>
+            <a:pPr marL="0" indent="0">
+              <a:buNone/>
+            </a:pPr>
+            <a:r>
+              <a:rPr lang="en-US" altLang="zh-TW" dirty="0"/>
+              <a:t>Q. </a:t>
+            </a:r>
+            <a:r>
+              <a:rPr lang="zh-TW" altLang="en-US" dirty="0"/>
+              <a:t>無法主動傳送訊息</a:t>
+            </a:r>
+            <a:endParaRPr lang="en-US" altLang="zh-TW" dirty="0"/>
+          </a:p>
+          <a:p>
+            <a:pPr marL="0" indent="0">
+              <a:buNone/>
+            </a:pPr>
+            <a:r>
+              <a:rPr lang="en-US" altLang="zh-TW" dirty="0"/>
+              <a:t>Ans. </a:t>
+            </a:r>
+            <a:r>
+              <a:rPr lang="zh-TW" altLang="en-US" dirty="0"/>
+              <a:t>由客戶端獲取訊息要求</a:t>
+            </a:r>
+            <a:endParaRPr lang="en-US" altLang="zh-TW" dirty="0"/>
+          </a:p>
+          <a:p>
+            <a:pPr marL="0" indent="0">
+              <a:buNone/>
+            </a:pPr>
+            <a:endParaRPr lang="en-US" altLang="zh-TW" dirty="0"/>
+          </a:p>
+          <a:p>
+            <a:pPr marL="0" indent="0">
+              <a:buNone/>
+            </a:pPr>
+            <a:r>
+              <a:rPr lang="en-US" altLang="zh-TW" dirty="0"/>
+              <a:t>Q. </a:t>
+            </a:r>
+            <a:r>
+              <a:rPr lang="zh-TW" altLang="en-US" dirty="0"/>
+              <a:t>無法確認客戶端狀態</a:t>
+            </a:r>
+            <a:endParaRPr lang="en-US" altLang="zh-TW" dirty="0"/>
+          </a:p>
+          <a:p>
+            <a:pPr marL="0" indent="0">
+              <a:buNone/>
+            </a:pPr>
+            <a:r>
+              <a:rPr lang="en-US" altLang="zh-TW" dirty="0"/>
+              <a:t>Ans. </a:t>
+            </a:r>
+            <a:r>
+              <a:rPr lang="zh-TW" altLang="en-US" dirty="0"/>
+              <a:t>客戶端定時發送信號，伺服器端定時檢查與刷新</a:t>
+            </a:r>
+          </a:p>
+        </p:txBody>
+      </p:sp>
+    </p:spTree>
+    <p:extLst>
+      <p:ext uri="{BB962C8B-B14F-4D97-AF65-F5344CB8AC3E}">
+        <p14:creationId xmlns:p14="http://schemas.microsoft.com/office/powerpoint/2010/main" val="3122769120"/>
+      </p:ext>
+    </p:extLst>
+  </p:cSld>
+  <p:clrMapOvr>
+    <a:masterClrMapping/>
+  </p:clrMapOvr>
+</p:sld>
+</file>
+
+<file path=ppt/slides/slide15.xml><?xml version="1.0" encoding="utf-8"?>
+<p:sld xmlns:a="http://schemas.openxmlformats.org/drawingml/2006/main" xmlns:r="http://schemas.openxmlformats.org/officeDocument/2006/relationships" xmlns:p="http://schemas.openxmlformats.org/presentationml/2006/main">
+  <p:cSld>
+    <p:spTree>
+      <p:nvGrpSpPr>
+        <p:cNvPr id="1" name=""/>
+        <p:cNvGrpSpPr/>
+        <p:nvPr/>
+      </p:nvGrpSpPr>
+      <p:grpSpPr>
+        <a:xfrm>
+          <a:off x="0" y="0"/>
+          <a:ext cx="0" cy="0"/>
+          <a:chOff x="0" y="0"/>
+          <a:chExt cx="0" cy="0"/>
+        </a:xfrm>
+      </p:grpSpPr>
+      <p:sp>
+        <p:nvSpPr>
+          <p:cNvPr id="2" name="標題 1">
+            <a:extLst>
+              <a:ext uri="{FF2B5EF4-FFF2-40B4-BE49-F238E27FC236}">
+                <a16:creationId xmlns:a16="http://schemas.microsoft.com/office/drawing/2014/main" id="{6533D2F3-5F8A-4AB2-B6FD-1909530ECE75}"/>
+              </a:ext>
+            </a:extLst>
+          </p:cNvPr>
+          <p:cNvSpPr>
+            <a:spLocks noGrp="1"/>
+          </p:cNvSpPr>
+          <p:nvPr>
+            <p:ph type="title"/>
+          </p:nvPr>
+        </p:nvSpPr>
+        <p:spPr/>
+        <p:txBody>
+          <a:bodyPr/>
+          <a:lstStyle/>
+          <a:p>
+            <a:r>
+              <a:rPr lang="zh-TW" altLang="en-US" dirty="0"/>
+              <a:t>流程圖、循序圖</a:t>
+            </a:r>
+          </a:p>
+        </p:txBody>
+      </p:sp>
+      <p:sp>
+        <p:nvSpPr>
+          <p:cNvPr id="3" name="內容版面配置區 2">
+            <a:extLst>
+              <a:ext uri="{FF2B5EF4-FFF2-40B4-BE49-F238E27FC236}">
+                <a16:creationId xmlns:a16="http://schemas.microsoft.com/office/drawing/2014/main" id="{74641F3A-B90F-4A4E-967C-08BC968CA7AD}"/>
+              </a:ext>
+            </a:extLst>
+          </p:cNvPr>
+          <p:cNvSpPr>
+            <a:spLocks noGrp="1"/>
+          </p:cNvSpPr>
+          <p:nvPr>
+            <p:ph idx="1"/>
+          </p:nvPr>
+        </p:nvSpPr>
+        <p:spPr/>
+        <p:txBody>
+          <a:bodyPr/>
+          <a:lstStyle/>
+          <a:p>
+            <a:endParaRPr lang="zh-TW" altLang="en-US" dirty="0"/>
+          </a:p>
+        </p:txBody>
+      </p:sp>
+    </p:spTree>
+    <p:extLst>
+      <p:ext uri="{BB962C8B-B14F-4D97-AF65-F5344CB8AC3E}">
+        <p14:creationId xmlns:p14="http://schemas.microsoft.com/office/powerpoint/2010/main" val="2606699137"/>
+      </p:ext>
+    </p:extLst>
+  </p:cSld>
+  <p:clrMapOvr>
+    <a:masterClrMapping/>
+  </p:clrMapOvr>
+</p:sld>
+</file>
+
+<file path=ppt/slides/slide16.xml><?xml version="1.0" encoding="utf-8"?>
+<p:sld xmlns:a="http://schemas.openxmlformats.org/drawingml/2006/main" xmlns:r="http://schemas.openxmlformats.org/officeDocument/2006/relationships" xmlns:p="http://schemas.openxmlformats.org/presentationml/2006/main">
+  <p:cSld>
+    <p:spTree>
+      <p:nvGrpSpPr>
+        <p:cNvPr id="1" name=""/>
+        <p:cNvGrpSpPr/>
+        <p:nvPr/>
+      </p:nvGrpSpPr>
+      <p:grpSpPr>
+        <a:xfrm>
+          <a:off x="0" y="0"/>
+          <a:ext cx="0" cy="0"/>
+          <a:chOff x="0" y="0"/>
+          <a:chExt cx="0" cy="0"/>
+        </a:xfrm>
+      </p:grpSpPr>
+      <p:sp>
+        <p:nvSpPr>
+          <p:cNvPr id="2" name="標題 1">
+            <a:extLst>
+              <a:ext uri="{FF2B5EF4-FFF2-40B4-BE49-F238E27FC236}">
+                <a16:creationId xmlns:a16="http://schemas.microsoft.com/office/drawing/2014/main" id="{E3F925E2-820E-4CAA-A90E-2CB778A829FD}"/>
+              </a:ext>
+            </a:extLst>
+          </p:cNvPr>
+          <p:cNvSpPr>
+            <a:spLocks noGrp="1"/>
+          </p:cNvSpPr>
+          <p:nvPr>
+            <p:ph type="title"/>
+          </p:nvPr>
+        </p:nvSpPr>
+        <p:spPr/>
+        <p:txBody>
+          <a:bodyPr/>
+          <a:lstStyle/>
+          <a:p>
+            <a:r>
+              <a:rPr lang="en-US" altLang="zh-TW" dirty="0"/>
+              <a:t>DEMO</a:t>
+            </a:r>
+            <a:endParaRPr lang="zh-TW" altLang="en-US" dirty="0"/>
+          </a:p>
+        </p:txBody>
+      </p:sp>
+    </p:spTree>
+    <p:extLst>
+      <p:ext uri="{BB962C8B-B14F-4D97-AF65-F5344CB8AC3E}">
+        <p14:creationId xmlns:p14="http://schemas.microsoft.com/office/powerpoint/2010/main" val="3695996636"/>
+      </p:ext>
+    </p:extLst>
+  </p:cSld>
+  <p:clrMapOvr>
+    <a:masterClrMapping/>
+  </p:clrMapOvr>
+</p:sld>
+</file>
+
 <file path=ppt/slides/slide2.xml><?xml version="1.0" encoding="utf-8"?>
 <p:sld xmlns:a="http://schemas.openxmlformats.org/drawingml/2006/main" xmlns:r="http://schemas.openxmlformats.org/officeDocument/2006/relationships" xmlns:p="http://schemas.openxmlformats.org/presentationml/2006/main">
   <p:cSld>
@@ -6759,7 +7617,7 @@
                     <a:lstStyle/>
                     <a:p>
                       <a:pPr algn="ctr"/>
-                      <a:endParaRPr lang="zh-TW" altLang="en-US"/>
+                      <a:endParaRPr lang="zh-TW" altLang="en-US" dirty="0"/>
                     </a:p>
                   </a:txBody>
                   <a:tcPr anchor="ctr">
@@ -17888,7 +18746,7 @@
           <p:cNvPr id="2" name="標題 1">
             <a:extLst>
               <a:ext uri="{FF2B5EF4-FFF2-40B4-BE49-F238E27FC236}">
-                <a16:creationId xmlns:a16="http://schemas.microsoft.com/office/drawing/2014/main" id="{53F92F7E-90F3-4670-AA2E-DDDAF7DB21F1}"/>
+                <a16:creationId xmlns:a16="http://schemas.microsoft.com/office/drawing/2014/main" id="{36B558EF-8302-4B53-9E6D-A86F2D7AAE5A}"/>
               </a:ext>
             </a:extLst>
           </p:cNvPr>
@@ -17906,7 +18764,7 @@
           <a:p>
             <a:r>
               <a:rPr lang="zh-TW" altLang="en-US" dirty="0"/>
-              <a:t>分工</a:t>
+              <a:t>基礎船隻 </a:t>
             </a:r>
           </a:p>
         </p:txBody>
@@ -17916,7 +18774,7 @@
           <p:cNvPr id="3" name="內容版面配置區 2">
             <a:extLst>
               <a:ext uri="{FF2B5EF4-FFF2-40B4-BE49-F238E27FC236}">
-                <a16:creationId xmlns:a16="http://schemas.microsoft.com/office/drawing/2014/main" id="{6E3A1007-D276-4609-B2E4-10EDC124C7AC}"/>
+                <a16:creationId xmlns:a16="http://schemas.microsoft.com/office/drawing/2014/main" id="{F106E4D3-FDF1-4E6E-85BF-DFBD72B68A05}"/>
               </a:ext>
             </a:extLst>
           </p:cNvPr>
@@ -17927,41 +18785,76 @@
             <p:ph idx="1"/>
           </p:nvPr>
         </p:nvSpPr>
-        <p:spPr/>
+        <p:spPr>
+          <a:xfrm>
+            <a:off x="900344" y="1825625"/>
+            <a:ext cx="10515600" cy="4351338"/>
+          </a:xfrm>
+        </p:spPr>
         <p:txBody>
-          <a:bodyPr/>
+          <a:bodyPr>
+            <a:normAutofit/>
+          </a:bodyPr>
           <a:lstStyle/>
           <a:p>
+            <a:pPr marL="0" indent="0">
+              <a:buNone/>
+            </a:pPr>
             <a:r>
               <a:rPr lang="zh-TW" altLang="en-US" dirty="0"/>
-              <a:t>前端</a:t>
+              <a:t>航空母艦</a:t>
             </a:r>
-            <a:endParaRPr lang="en-US" altLang="zh-TW" dirty="0"/>
-          </a:p>
-          <a:p>
-            <a:endParaRPr lang="en-US" altLang="zh-TW" dirty="0"/>
+            <a:r>
+              <a:rPr lang="en-US" altLang="zh-TW" dirty="0"/>
+              <a:t>(aircraft carrier) </a:t>
+            </a:r>
+            <a:endParaRPr lang="zh-TW" altLang="en-US" dirty="0"/>
           </a:p>
           <a:p>
             <a:pPr marL="0" indent="0">
               <a:buNone/>
             </a:pPr>
-            <a:endParaRPr lang="en-US" altLang="zh-TW" dirty="0"/>
-          </a:p>
-          <a:p>
-            <a:endParaRPr lang="en-US" altLang="zh-TW" dirty="0"/>
-          </a:p>
-          <a:p>
             <a:r>
               <a:rPr lang="zh-TW" altLang="en-US" dirty="0"/>
-              <a:t>後端</a:t>
+              <a:t>	</a:t>
             </a:r>
           </a:p>
         </p:txBody>
       </p:sp>
+      <p:pic>
+        <p:nvPicPr>
+          <p:cNvPr id="5" name="圖片 4">
+            <a:extLst>
+              <a:ext uri="{FF2B5EF4-FFF2-40B4-BE49-F238E27FC236}">
+                <a16:creationId xmlns:a16="http://schemas.microsoft.com/office/drawing/2014/main" id="{A28CDF13-7029-4912-8B88-75BC4805B08E}"/>
+              </a:ext>
+            </a:extLst>
+          </p:cNvPr>
+          <p:cNvPicPr>
+            <a:picLocks noChangeAspect="1"/>
+          </p:cNvPicPr>
+          <p:nvPr/>
+        </p:nvPicPr>
+        <p:blipFill>
+          <a:blip r:embed="rId2"/>
+          <a:stretch>
+            <a:fillRect/>
+          </a:stretch>
+        </p:blipFill>
+        <p:spPr>
+          <a:xfrm>
+            <a:off x="4007148" y="2687338"/>
+            <a:ext cx="2753109" cy="2810267"/>
+          </a:xfrm>
+          <a:prstGeom prst="rect">
+            <a:avLst/>
+          </a:prstGeom>
+        </p:spPr>
+      </p:pic>
     </p:spTree>
     <p:extLst>
       <p:ext uri="{BB962C8B-B14F-4D97-AF65-F5344CB8AC3E}">
-        <p14:creationId xmlns:p14="http://schemas.microsoft.com/office/powerpoint/2010/main" val="382269216"/>
+        <p14:creationId xmlns:p14="http://schemas.microsoft.com/office/powerpoint/2010/main" val="322652573"/>
       </p:ext>
     </p:extLst>
   </p:cSld>
@@ -17993,7 +18886,7 @@
           <p:cNvPr id="2" name="標題 1">
             <a:extLst>
               <a:ext uri="{FF2B5EF4-FFF2-40B4-BE49-F238E27FC236}">
-                <a16:creationId xmlns:a16="http://schemas.microsoft.com/office/drawing/2014/main" id="{E36158D2-2677-4FDE-9E86-59BA8AEEF678}"/>
+                <a16:creationId xmlns:a16="http://schemas.microsoft.com/office/drawing/2014/main" id="{25CE952A-C616-4CC2-8689-3BBC2791824E}"/>
               </a:ext>
             </a:extLst>
           </p:cNvPr>
@@ -18009,10 +18902,7 @@
           <a:bodyPr/>
           <a:lstStyle/>
           <a:p>
-            <a:r>
-              <a:rPr lang="zh-TW" altLang="en-US" dirty="0"/>
-              <a:t>連線方式</a:t>
-            </a:r>
+            <a:endParaRPr lang="zh-TW" altLang="en-US"/>
           </a:p>
         </p:txBody>
       </p:sp>
@@ -18021,7 +18911,7 @@
           <p:cNvPr id="3" name="內容版面配置區 2">
             <a:extLst>
               <a:ext uri="{FF2B5EF4-FFF2-40B4-BE49-F238E27FC236}">
-                <a16:creationId xmlns:a16="http://schemas.microsoft.com/office/drawing/2014/main" id="{4DE77B85-3EEA-4408-8803-A7FAC6F38FD3}"/>
+                <a16:creationId xmlns:a16="http://schemas.microsoft.com/office/drawing/2014/main" id="{5121A480-517E-4CB2-B46A-617AE096A7CA}"/>
               </a:ext>
             </a:extLst>
           </p:cNvPr>
@@ -18037,32 +18927,64 @@
           <a:bodyPr/>
           <a:lstStyle/>
           <a:p>
+            <a:pPr marL="0" indent="0">
+              <a:buNone/>
+            </a:pPr>
+            <a:r>
+              <a:rPr lang="zh-TW" altLang="en-US" dirty="0"/>
+              <a:t>戰艦</a:t>
+            </a:r>
             <a:r>
               <a:rPr lang="en-US" altLang="zh-TW" dirty="0"/>
-              <a:t>RMI</a:t>
+              <a:t>(Battleship)</a:t>
             </a:r>
+            <a:endParaRPr lang="zh-TW" altLang="en-US" dirty="0"/>
           </a:p>
           <a:p>
-            <a:endParaRPr lang="en-US" altLang="zh-TW" dirty="0"/>
-          </a:p>
-          <a:p>
+            <a:pPr marL="0" indent="0">
+              <a:buNone/>
+            </a:pPr>
             <a:r>
-              <a:rPr lang="en-US" altLang="zh-TW" dirty="0"/>
-              <a:t>why?</a:t>
+              <a:rPr lang="zh-TW" altLang="en-US" dirty="0"/>
+              <a:t>	</a:t>
             </a:r>
-          </a:p>
-          <a:p>
-            <a:endParaRPr lang="en-US" altLang="zh-TW" dirty="0"/>
-          </a:p>
-          <a:p>
-            <a:endParaRPr lang="zh-TW" altLang="en-US" dirty="0"/>
           </a:p>
         </p:txBody>
       </p:sp>
+      <p:pic>
+        <p:nvPicPr>
+          <p:cNvPr id="5" name="圖片 4">
+            <a:extLst>
+              <a:ext uri="{FF2B5EF4-FFF2-40B4-BE49-F238E27FC236}">
+                <a16:creationId xmlns:a16="http://schemas.microsoft.com/office/drawing/2014/main" id="{53EED662-BCEA-4496-992E-ECC96C1E2AD8}"/>
+              </a:ext>
+            </a:extLst>
+          </p:cNvPr>
+          <p:cNvPicPr>
+            <a:picLocks noChangeAspect="1"/>
+          </p:cNvPicPr>
+          <p:nvPr/>
+        </p:nvPicPr>
+        <p:blipFill>
+          <a:blip r:embed="rId2"/>
+          <a:stretch>
+            <a:fillRect/>
+          </a:stretch>
+        </p:blipFill>
+        <p:spPr>
+          <a:xfrm>
+            <a:off x="3834753" y="2605686"/>
+            <a:ext cx="2819794" cy="2791215"/>
+          </a:xfrm>
+          <a:prstGeom prst="rect">
+            <a:avLst/>
+          </a:prstGeom>
+        </p:spPr>
+      </p:pic>
     </p:spTree>
     <p:extLst>
       <p:ext uri="{BB962C8B-B14F-4D97-AF65-F5344CB8AC3E}">
-        <p14:creationId xmlns:p14="http://schemas.microsoft.com/office/powerpoint/2010/main" val="2912784969"/>
+        <p14:creationId xmlns:p14="http://schemas.microsoft.com/office/powerpoint/2010/main" val="2438098442"/>
       </p:ext>
     </p:extLst>
   </p:cSld>
@@ -18094,7 +19016,7 @@
           <p:cNvPr id="2" name="標題 1">
             <a:extLst>
               <a:ext uri="{FF2B5EF4-FFF2-40B4-BE49-F238E27FC236}">
-                <a16:creationId xmlns:a16="http://schemas.microsoft.com/office/drawing/2014/main" id="{F04281BC-172F-4D72-8AE3-EED9E4C78820}"/>
+                <a16:creationId xmlns:a16="http://schemas.microsoft.com/office/drawing/2014/main" id="{59D81650-7397-4C54-BB27-91D79742E784}"/>
               </a:ext>
             </a:extLst>
           </p:cNvPr>
@@ -18110,10 +19032,7 @@
           <a:bodyPr/>
           <a:lstStyle/>
           <a:p>
-            <a:r>
-              <a:rPr lang="zh-TW" altLang="en-US" dirty="0"/>
-              <a:t>設計過程遭遇的問題</a:t>
-            </a:r>
+            <a:endParaRPr lang="zh-TW" altLang="en-US"/>
           </a:p>
         </p:txBody>
       </p:sp>
@@ -18122,7 +19041,7 @@
           <p:cNvPr id="3" name="內容版面配置區 2">
             <a:extLst>
               <a:ext uri="{FF2B5EF4-FFF2-40B4-BE49-F238E27FC236}">
-                <a16:creationId xmlns:a16="http://schemas.microsoft.com/office/drawing/2014/main" id="{BE067DCD-CA85-4C6D-A36F-B4888EAE7167}"/>
+                <a16:creationId xmlns:a16="http://schemas.microsoft.com/office/drawing/2014/main" id="{DDE0C3C0-34B0-410D-A7E4-BDFC6C232DBF}"/>
               </a:ext>
             </a:extLst>
           </p:cNvPr>
@@ -18138,34 +19057,67 @@
           <a:bodyPr/>
           <a:lstStyle/>
           <a:p>
+            <a:pPr marL="0" indent="0">
+              <a:buNone/>
+            </a:pPr>
             <a:r>
               <a:rPr lang="zh-TW" altLang="en-US" dirty="0"/>
-              <a:t>無法主動傳送訊息</a:t>
+              <a:t>巡洋艦</a:t>
             </a:r>
-            <a:endParaRPr lang="en-US" altLang="zh-TW" dirty="0"/>
+            <a:r>
+              <a:rPr lang="en-US" altLang="zh-TW" dirty="0"/>
+              <a:t>(cruiser) 3</a:t>
+            </a:r>
+            <a:r>
+              <a:rPr lang="zh-TW" altLang="en-US" dirty="0"/>
+              <a:t>格</a:t>
+            </a:r>
           </a:p>
           <a:p>
-            <a:endParaRPr lang="en-US" altLang="zh-TW" dirty="0"/>
-          </a:p>
-          <a:p>
+            <a:pPr marL="0" indent="0">
+              <a:buNone/>
+            </a:pPr>
             <a:r>
               <a:rPr lang="zh-TW" altLang="en-US" dirty="0"/>
-              <a:t>無法確認玩家連線狀態</a:t>
+              <a:t>	</a:t>
             </a:r>
-            <a:endParaRPr lang="en-US" altLang="zh-TW" dirty="0"/>
-          </a:p>
-          <a:p>
-            <a:endParaRPr lang="en-US" altLang="zh-TW" dirty="0"/>
-          </a:p>
-          <a:p>
-            <a:endParaRPr lang="zh-TW" altLang="en-US" dirty="0"/>
           </a:p>
         </p:txBody>
       </p:sp>
+      <p:pic>
+        <p:nvPicPr>
+          <p:cNvPr id="5" name="圖片 4">
+            <a:extLst>
+              <a:ext uri="{FF2B5EF4-FFF2-40B4-BE49-F238E27FC236}">
+                <a16:creationId xmlns:a16="http://schemas.microsoft.com/office/drawing/2014/main" id="{F4BA55EB-F043-4D3C-B0A6-3AFA6FEC8DB7}"/>
+              </a:ext>
+            </a:extLst>
+          </p:cNvPr>
+          <p:cNvPicPr>
+            <a:picLocks noChangeAspect="1"/>
+          </p:cNvPicPr>
+          <p:nvPr/>
+        </p:nvPicPr>
+        <p:blipFill>
+          <a:blip r:embed="rId2"/>
+          <a:stretch>
+            <a:fillRect/>
+          </a:stretch>
+        </p:blipFill>
+        <p:spPr>
+          <a:xfrm>
+            <a:off x="3604144" y="2933698"/>
+            <a:ext cx="2781688" cy="2800741"/>
+          </a:xfrm>
+          <a:prstGeom prst="rect">
+            <a:avLst/>
+          </a:prstGeom>
+        </p:spPr>
+      </p:pic>
     </p:spTree>
     <p:extLst>
       <p:ext uri="{BB962C8B-B14F-4D97-AF65-F5344CB8AC3E}">
-        <p14:creationId xmlns:p14="http://schemas.microsoft.com/office/powerpoint/2010/main" val="4064999494"/>
+        <p14:creationId xmlns:p14="http://schemas.microsoft.com/office/powerpoint/2010/main" val="1765479098"/>
       </p:ext>
     </p:extLst>
   </p:cSld>
@@ -18197,7 +19149,7 @@
           <p:cNvPr id="2" name="標題 1">
             <a:extLst>
               <a:ext uri="{FF2B5EF4-FFF2-40B4-BE49-F238E27FC236}">
-                <a16:creationId xmlns:a16="http://schemas.microsoft.com/office/drawing/2014/main" id="{95DAAB85-04CB-4B41-9457-384EABC13978}"/>
+                <a16:creationId xmlns:a16="http://schemas.microsoft.com/office/drawing/2014/main" id="{09EB57C7-5C80-4BD4-975E-B6E65A423763}"/>
               </a:ext>
             </a:extLst>
           </p:cNvPr>
@@ -18213,10 +19165,7 @@
           <a:bodyPr/>
           <a:lstStyle/>
           <a:p>
-            <a:r>
-              <a:rPr lang="zh-TW" altLang="en-US" dirty="0"/>
-              <a:t>如何解決</a:t>
-            </a:r>
+            <a:endParaRPr lang="zh-TW" altLang="en-US"/>
           </a:p>
         </p:txBody>
       </p:sp>
@@ -18225,7 +19174,7 @@
           <p:cNvPr id="3" name="內容版面配置區 2">
             <a:extLst>
               <a:ext uri="{FF2B5EF4-FFF2-40B4-BE49-F238E27FC236}">
-                <a16:creationId xmlns:a16="http://schemas.microsoft.com/office/drawing/2014/main" id="{DCC02480-8ECD-4EC6-B457-3C84B1DD218B}"/>
+                <a16:creationId xmlns:a16="http://schemas.microsoft.com/office/drawing/2014/main" id="{56A0A1A8-A673-4D02-B996-2EFE57D0B8A8}"/>
               </a:ext>
             </a:extLst>
           </p:cNvPr>
@@ -18245,68 +19194,63 @@
               <a:buNone/>
             </a:pPr>
             <a:r>
+              <a:rPr lang="zh-TW" altLang="en-US" dirty="0"/>
+              <a:t>驅逐艦</a:t>
+            </a:r>
+            <a:r>
               <a:rPr lang="en-US" altLang="zh-TW" dirty="0"/>
-              <a:t>Q. </a:t>
+              <a:t>(Destroyer) 2</a:t>
             </a:r>
             <a:r>
               <a:rPr lang="zh-TW" altLang="en-US" dirty="0"/>
-              <a:t>無法主動傳送訊息</a:t>
+              <a:t>格</a:t>
             </a:r>
-            <a:endParaRPr lang="en-US" altLang="zh-TW" dirty="0"/>
           </a:p>
           <a:p>
             <a:pPr marL="0" indent="0">
               <a:buNone/>
             </a:pPr>
             <a:r>
-              <a:rPr lang="en-US" altLang="zh-TW" dirty="0"/>
-              <a:t>Ans. </a:t>
-            </a:r>
-            <a:r>
               <a:rPr lang="zh-TW" altLang="en-US" dirty="0"/>
-              <a:t>由客戶端獲取訊息要求</a:t>
-            </a:r>
-            <a:endParaRPr lang="en-US" altLang="zh-TW" dirty="0"/>
-          </a:p>
-          <a:p>
-            <a:pPr marL="0" indent="0">
-              <a:buNone/>
-            </a:pPr>
-            <a:endParaRPr lang="en-US" altLang="zh-TW" dirty="0"/>
-          </a:p>
-          <a:p>
-            <a:pPr marL="0" indent="0">
-              <a:buNone/>
-            </a:pPr>
-            <a:r>
-              <a:rPr lang="en-US" altLang="zh-TW" dirty="0"/>
-              <a:t>Q. </a:t>
-            </a:r>
-            <a:r>
-              <a:rPr lang="zh-TW" altLang="en-US" dirty="0"/>
-              <a:t>無法確認客戶端狀態</a:t>
-            </a:r>
-            <a:endParaRPr lang="en-US" altLang="zh-TW" dirty="0"/>
-          </a:p>
-          <a:p>
-            <a:pPr marL="0" indent="0">
-              <a:buNone/>
-            </a:pPr>
-            <a:r>
-              <a:rPr lang="en-US" altLang="zh-TW" dirty="0"/>
-              <a:t>Ans. </a:t>
-            </a:r>
-            <a:r>
-              <a:rPr lang="zh-TW" altLang="en-US" dirty="0"/>
-              <a:t>客戶端定時發送信號，伺服器端定時檢查與刷新</a:t>
+              <a:t>	</a:t>
             </a:r>
           </a:p>
         </p:txBody>
       </p:sp>
+      <p:pic>
+        <p:nvPicPr>
+          <p:cNvPr id="5" name="圖片 4">
+            <a:extLst>
+              <a:ext uri="{FF2B5EF4-FFF2-40B4-BE49-F238E27FC236}">
+                <a16:creationId xmlns:a16="http://schemas.microsoft.com/office/drawing/2014/main" id="{698357E8-3793-4ECE-A8DB-1189A264ABF8}"/>
+              </a:ext>
+            </a:extLst>
+          </p:cNvPr>
+          <p:cNvPicPr>
+            <a:picLocks noChangeAspect="1"/>
+          </p:cNvPicPr>
+          <p:nvPr/>
+        </p:nvPicPr>
+        <p:blipFill>
+          <a:blip r:embed="rId2"/>
+          <a:stretch>
+            <a:fillRect/>
+          </a:stretch>
+        </p:blipFill>
+        <p:spPr>
+          <a:xfrm>
+            <a:off x="3323838" y="2768679"/>
+            <a:ext cx="2772162" cy="2819794"/>
+          </a:xfrm>
+          <a:prstGeom prst="rect">
+            <a:avLst/>
+          </a:prstGeom>
+        </p:spPr>
+      </p:pic>
     </p:spTree>
     <p:extLst>
       <p:ext uri="{BB962C8B-B14F-4D97-AF65-F5344CB8AC3E}">
-        <p14:creationId xmlns:p14="http://schemas.microsoft.com/office/powerpoint/2010/main" val="3122769120"/>
+        <p14:creationId xmlns:p14="http://schemas.microsoft.com/office/powerpoint/2010/main" val="2894597600"/>
       </p:ext>
     </p:extLst>
   </p:cSld>
@@ -18338,7 +19282,7 @@
           <p:cNvPr id="2" name="標題 1">
             <a:extLst>
               <a:ext uri="{FF2B5EF4-FFF2-40B4-BE49-F238E27FC236}">
-                <a16:creationId xmlns:a16="http://schemas.microsoft.com/office/drawing/2014/main" id="{6533D2F3-5F8A-4AB2-B6FD-1909530ECE75}"/>
+                <a16:creationId xmlns:a16="http://schemas.microsoft.com/office/drawing/2014/main" id="{19E58486-7B1F-4939-A992-1CEC1D2938AA}"/>
               </a:ext>
             </a:extLst>
           </p:cNvPr>
@@ -18354,10 +19298,7 @@
           <a:bodyPr/>
           <a:lstStyle/>
           <a:p>
-            <a:r>
-              <a:rPr lang="zh-TW" altLang="en-US" dirty="0"/>
-              <a:t>流程圖、循序圖</a:t>
-            </a:r>
+            <a:endParaRPr lang="zh-TW" altLang="en-US"/>
           </a:p>
         </p:txBody>
       </p:sp>
@@ -18366,7 +19307,7 @@
           <p:cNvPr id="3" name="內容版面配置區 2">
             <a:extLst>
               <a:ext uri="{FF2B5EF4-FFF2-40B4-BE49-F238E27FC236}">
-                <a16:creationId xmlns:a16="http://schemas.microsoft.com/office/drawing/2014/main" id="{74641F3A-B90F-4A4E-967C-08BC968CA7AD}"/>
+                <a16:creationId xmlns:a16="http://schemas.microsoft.com/office/drawing/2014/main" id="{1CAA8E46-F16E-4373-9473-D96DEBF6F5AD}"/>
               </a:ext>
             </a:extLst>
           </p:cNvPr>
@@ -18382,14 +19323,58 @@
           <a:bodyPr/>
           <a:lstStyle/>
           <a:p>
+            <a:pPr marL="0" indent="0">
+              <a:buNone/>
+            </a:pPr>
+            <a:r>
+              <a:rPr lang="zh-TW" altLang="en-US" dirty="0"/>
+              <a:t>潛水艇</a:t>
+            </a:r>
+            <a:r>
+              <a:rPr lang="en-US" altLang="zh-TW" dirty="0"/>
+              <a:t>(submarine) </a:t>
+            </a:r>
+            <a:endParaRPr lang="zh-TW" altLang="en-US" dirty="0"/>
+          </a:p>
+          <a:p>
             <a:endParaRPr lang="zh-TW" altLang="en-US" dirty="0"/>
           </a:p>
         </p:txBody>
       </p:sp>
+      <p:pic>
+        <p:nvPicPr>
+          <p:cNvPr id="5" name="圖片 4">
+            <a:extLst>
+              <a:ext uri="{FF2B5EF4-FFF2-40B4-BE49-F238E27FC236}">
+                <a16:creationId xmlns:a16="http://schemas.microsoft.com/office/drawing/2014/main" id="{E60D80E9-E982-47EA-8F21-2E2B30ECE93C}"/>
+              </a:ext>
+            </a:extLst>
+          </p:cNvPr>
+          <p:cNvPicPr>
+            <a:picLocks noChangeAspect="1"/>
+          </p:cNvPicPr>
+          <p:nvPr/>
+        </p:nvPicPr>
+        <p:blipFill>
+          <a:blip r:embed="rId2"/>
+          <a:stretch>
+            <a:fillRect/>
+          </a:stretch>
+        </p:blipFill>
+        <p:spPr>
+          <a:xfrm>
+            <a:off x="3333364" y="2908834"/>
+            <a:ext cx="2762636" cy="2800741"/>
+          </a:xfrm>
+          <a:prstGeom prst="rect">
+            <a:avLst/>
+          </a:prstGeom>
+        </p:spPr>
+      </p:pic>
     </p:spTree>
     <p:extLst>
       <p:ext uri="{BB962C8B-B14F-4D97-AF65-F5344CB8AC3E}">
-        <p14:creationId xmlns:p14="http://schemas.microsoft.com/office/powerpoint/2010/main" val="2606699137"/>
+        <p14:creationId xmlns:p14="http://schemas.microsoft.com/office/powerpoint/2010/main" val="2565528753"/>
       </p:ext>
     </p:extLst>
   </p:cSld>
@@ -18421,7 +19406,7 @@
           <p:cNvPr id="2" name="標題 1">
             <a:extLst>
               <a:ext uri="{FF2B5EF4-FFF2-40B4-BE49-F238E27FC236}">
-                <a16:creationId xmlns:a16="http://schemas.microsoft.com/office/drawing/2014/main" id="{E3F925E2-820E-4CAA-A90E-2CB778A829FD}"/>
+                <a16:creationId xmlns:a16="http://schemas.microsoft.com/office/drawing/2014/main" id="{14A66311-9EDD-401E-8906-89787A123225}"/>
               </a:ext>
             </a:extLst>
           </p:cNvPr>
@@ -18437,18 +19422,137 @@
           <a:bodyPr/>
           <a:lstStyle/>
           <a:p>
+            <a:endParaRPr lang="zh-TW" altLang="en-US"/>
+          </a:p>
+        </p:txBody>
+      </p:sp>
+      <p:sp>
+        <p:nvSpPr>
+          <p:cNvPr id="3" name="內容版面配置區 2">
+            <a:extLst>
+              <a:ext uri="{FF2B5EF4-FFF2-40B4-BE49-F238E27FC236}">
+                <a16:creationId xmlns:a16="http://schemas.microsoft.com/office/drawing/2014/main" id="{6C3A73B3-1D98-4D43-8C61-D9DF54559F2B}"/>
+              </a:ext>
+            </a:extLst>
+          </p:cNvPr>
+          <p:cNvSpPr>
+            <a:spLocks noGrp="1"/>
+          </p:cNvSpPr>
+          <p:nvPr>
+            <p:ph idx="1"/>
+          </p:nvPr>
+        </p:nvSpPr>
+        <p:spPr/>
+        <p:txBody>
+          <a:bodyPr/>
+          <a:lstStyle/>
+          <a:p>
+            <a:pPr marL="0" indent="0">
+              <a:buNone/>
+            </a:pPr>
+            <a:r>
+              <a:rPr lang="zh-TW" altLang="en-US" dirty="0"/>
+              <a:t>回合制戰鬥</a:t>
+            </a:r>
+          </a:p>
+          <a:p>
+            <a:pPr marL="0" indent="0">
+              <a:buNone/>
+            </a:pPr>
+            <a:r>
+              <a:rPr lang="zh-TW" altLang="en-US" dirty="0"/>
+              <a:t>遊戲進行  </a:t>
+            </a:r>
             <a:r>
               <a:rPr lang="en-US" altLang="zh-TW" dirty="0"/>
-              <a:t>DEMO</a:t>
+              <a:t>	1.</a:t>
             </a:r>
-            <a:endParaRPr lang="zh-TW" altLang="en-US" dirty="0"/>
+            <a:r>
+              <a:rPr lang="zh-TW" altLang="en-US" dirty="0"/>
+              <a:t>命中</a:t>
+            </a:r>
+            <a:r>
+              <a:rPr lang="en-US" altLang="zh-TW" dirty="0"/>
+              <a:t>=</a:t>
+            </a:r>
+            <a:r>
+              <a:rPr lang="zh-TW" altLang="en-US" dirty="0"/>
+              <a:t>攻擊方飛彈擊中對方船艦任何一個位置</a:t>
+            </a:r>
+          </a:p>
+          <a:p>
+            <a:pPr marL="0" indent="0">
+              <a:buNone/>
+            </a:pPr>
+            <a:r>
+              <a:rPr lang="zh-TW" altLang="en-US" dirty="0"/>
+              <a:t>	</a:t>
+            </a:r>
+            <a:r>
+              <a:rPr lang="en-US" altLang="zh-TW" dirty="0"/>
+              <a:t>	2.</a:t>
+            </a:r>
+            <a:r>
+              <a:rPr lang="zh-TW" altLang="en-US" dirty="0"/>
+              <a:t>未命中</a:t>
+            </a:r>
+            <a:r>
+              <a:rPr lang="en-US" altLang="zh-TW" dirty="0"/>
+              <a:t>=</a:t>
+            </a:r>
+            <a:r>
+              <a:rPr lang="zh-TW" altLang="en-US" dirty="0"/>
+              <a:t>未擊中</a:t>
+            </a:r>
+          </a:p>
+          <a:p>
+            <a:pPr marL="0" indent="0">
+              <a:buNone/>
+            </a:pPr>
+            <a:r>
+              <a:rPr lang="zh-TW" altLang="en-US" dirty="0"/>
+              <a:t>	</a:t>
+            </a:r>
+            <a:r>
+              <a:rPr lang="en-US" altLang="zh-TW" dirty="0"/>
+              <a:t>	</a:t>
+            </a:r>
+            <a:r>
+              <a:rPr lang="zh-TW" altLang="en-US" dirty="0"/>
+              <a:t>擊沉標準</a:t>
+            </a:r>
+            <a:r>
+              <a:rPr lang="en-US" altLang="zh-TW" dirty="0"/>
+              <a:t>=</a:t>
+            </a:r>
+            <a:r>
+              <a:rPr lang="zh-TW" altLang="en-US" dirty="0"/>
+              <a:t>船艦所有位置都被擊中</a:t>
+            </a:r>
+          </a:p>
+          <a:p>
+            <a:pPr marL="0" indent="0">
+              <a:buNone/>
+            </a:pPr>
+            <a:r>
+              <a:rPr lang="zh-TW" altLang="en-US" dirty="0"/>
+              <a:t>勝利標準  </a:t>
+            </a:r>
+            <a:r>
+              <a:rPr lang="en-US" altLang="zh-TW" dirty="0"/>
+              <a:t>	</a:t>
+            </a:r>
+            <a:r>
+              <a:rPr lang="zh-TW" altLang="en-US" dirty="0"/>
+              <a:t>其中一方船艦都被擊沉，另一方獲勝</a:t>
+            </a:r>
           </a:p>
         </p:txBody>
       </p:sp>
     </p:spTree>
     <p:extLst>
       <p:ext uri="{BB962C8B-B14F-4D97-AF65-F5344CB8AC3E}">
-        <p14:creationId xmlns:p14="http://schemas.microsoft.com/office/powerpoint/2010/main" val="3695996636"/>
+        <p14:creationId xmlns:p14="http://schemas.microsoft.com/office/powerpoint/2010/main" val="1235943363"/>
       </p:ext>
     </p:extLst>
   </p:cSld>

--- a/doc/網路程式設計報告.pptx
+++ b/doc/網路程式設計報告.pptx
@@ -7,8 +7,8 @@
   <p:sldIdLst>
     <p:sldId id="256" r:id="rId2"/>
     <p:sldId id="257" r:id="rId3"/>
-    <p:sldId id="272" r:id="rId4"/>
-    <p:sldId id="267" r:id="rId5"/>
+    <p:sldId id="267" r:id="rId4"/>
+    <p:sldId id="272" r:id="rId5"/>
     <p:sldId id="258" r:id="rId6"/>
     <p:sldId id="260" r:id="rId7"/>
     <p:sldId id="259" r:id="rId8"/>
@@ -10167,6 +10167,257 @@
           <p:cNvPr id="2" name="標題 1">
             <a:extLst>
               <a:ext uri="{FF2B5EF4-FFF2-40B4-BE49-F238E27FC236}">
+                <a16:creationId xmlns:a16="http://schemas.microsoft.com/office/drawing/2014/main" id="{14A66311-9EDD-401E-8906-89787A123225}"/>
+              </a:ext>
+            </a:extLst>
+          </p:cNvPr>
+          <p:cNvSpPr>
+            <a:spLocks noGrp="1"/>
+          </p:cNvSpPr>
+          <p:nvPr>
+            <p:ph type="title"/>
+          </p:nvPr>
+        </p:nvSpPr>
+        <p:spPr/>
+        <p:txBody>
+          <a:bodyPr/>
+          <a:lstStyle/>
+          <a:p>
+            <a:r>
+              <a:rPr lang="zh-TW" altLang="en-US" sz="4400" dirty="0"/>
+              <a:t>海戰棋</a:t>
+            </a:r>
+            <a:r>
+              <a:rPr lang="en-US" altLang="zh-TW" sz="4400" dirty="0"/>
+              <a:t>—</a:t>
+            </a:r>
+            <a:r>
+              <a:rPr lang="zh-TW" altLang="en-US" sz="4400" dirty="0"/>
+              <a:t>規則</a:t>
+            </a:r>
+          </a:p>
+        </p:txBody>
+      </p:sp>
+      <p:sp>
+        <p:nvSpPr>
+          <p:cNvPr id="3" name="內容版面配置區 2">
+            <a:extLst>
+              <a:ext uri="{FF2B5EF4-FFF2-40B4-BE49-F238E27FC236}">
+                <a16:creationId xmlns:a16="http://schemas.microsoft.com/office/drawing/2014/main" id="{6C3A73B3-1D98-4D43-8C61-D9DF54559F2B}"/>
+              </a:ext>
+            </a:extLst>
+          </p:cNvPr>
+          <p:cNvSpPr>
+            <a:spLocks noGrp="1"/>
+          </p:cNvSpPr>
+          <p:nvPr>
+            <p:ph idx="1"/>
+          </p:nvPr>
+        </p:nvSpPr>
+        <p:spPr/>
+        <p:txBody>
+          <a:bodyPr/>
+          <a:lstStyle/>
+          <a:p>
+            <a:pPr marL="0" indent="0">
+              <a:buNone/>
+            </a:pPr>
+            <a:r>
+              <a:rPr lang="zh-TW" altLang="en-US" dirty="0">
+                <a:latin typeface="+mn-ea"/>
+              </a:rPr>
+              <a:t>回合制戰鬥</a:t>
+            </a:r>
+          </a:p>
+          <a:p>
+            <a:pPr marL="0" indent="0">
+              <a:buNone/>
+            </a:pPr>
+            <a:endParaRPr lang="en-US" altLang="zh-TW" dirty="0">
+              <a:latin typeface="+mn-ea"/>
+            </a:endParaRPr>
+          </a:p>
+          <a:p>
+            <a:pPr marL="0" indent="0">
+              <a:buNone/>
+            </a:pPr>
+            <a:r>
+              <a:rPr lang="zh-TW" altLang="en-US" dirty="0">
+                <a:latin typeface="+mn-ea"/>
+              </a:rPr>
+              <a:t>遊戲進行</a:t>
+            </a:r>
+            <a:endParaRPr lang="en-US" altLang="zh-TW" dirty="0">
+              <a:latin typeface="+mn-ea"/>
+            </a:endParaRPr>
+          </a:p>
+          <a:p>
+            <a:pPr marL="0" indent="0">
+              <a:buNone/>
+            </a:pPr>
+            <a:r>
+              <a:rPr lang="en-US" altLang="zh-TW" dirty="0">
+                <a:latin typeface="+mn-ea"/>
+              </a:rPr>
+              <a:t>		1. </a:t>
+            </a:r>
+            <a:r>
+              <a:rPr lang="zh-TW" altLang="en-US" dirty="0">
+                <a:latin typeface="+mn-ea"/>
+              </a:rPr>
+              <a:t>命中    </a:t>
+            </a:r>
+            <a:r>
+              <a:rPr lang="en-US" altLang="zh-TW" dirty="0">
+                <a:latin typeface="+mn-ea"/>
+              </a:rPr>
+              <a:t>	=	</a:t>
+            </a:r>
+            <a:r>
+              <a:rPr lang="zh-TW" altLang="en-US" dirty="0">
+                <a:latin typeface="+mn-ea"/>
+              </a:rPr>
+              <a:t>攻擊方飛彈擊中對方船艦任意位置</a:t>
+            </a:r>
+          </a:p>
+          <a:p>
+            <a:pPr marL="0" indent="0">
+              <a:buNone/>
+            </a:pPr>
+            <a:r>
+              <a:rPr lang="zh-TW" altLang="en-US" dirty="0">
+                <a:latin typeface="+mn-ea"/>
+              </a:rPr>
+              <a:t>	</a:t>
+            </a:r>
+            <a:r>
+              <a:rPr lang="en-US" altLang="zh-TW" dirty="0">
+                <a:latin typeface="+mn-ea"/>
+              </a:rPr>
+              <a:t>	2.</a:t>
+            </a:r>
+            <a:r>
+              <a:rPr lang="zh-TW" altLang="en-US" dirty="0">
+                <a:latin typeface="+mn-ea"/>
+              </a:rPr>
+              <a:t> 未命中 </a:t>
+            </a:r>
+            <a:r>
+              <a:rPr lang="en-US" altLang="zh-TW" dirty="0">
+                <a:latin typeface="+mn-ea"/>
+              </a:rPr>
+              <a:t>	=	</a:t>
+            </a:r>
+            <a:r>
+              <a:rPr lang="zh-TW" altLang="en-US" dirty="0">
+                <a:latin typeface="+mn-ea"/>
+              </a:rPr>
+              <a:t>未擊中</a:t>
+            </a:r>
+          </a:p>
+          <a:p>
+            <a:pPr marL="0" indent="0">
+              <a:buNone/>
+            </a:pPr>
+            <a:r>
+              <a:rPr lang="zh-TW" altLang="en-US" dirty="0">
+                <a:latin typeface="+mn-ea"/>
+              </a:rPr>
+              <a:t>	</a:t>
+            </a:r>
+            <a:r>
+              <a:rPr lang="en-US" altLang="zh-TW" dirty="0">
+                <a:latin typeface="+mn-ea"/>
+              </a:rPr>
+              <a:t>	</a:t>
+            </a:r>
+            <a:r>
+              <a:rPr lang="zh-TW" altLang="en-US" dirty="0">
+                <a:latin typeface="+mn-ea"/>
+              </a:rPr>
+              <a:t>擊沉標準 </a:t>
+            </a:r>
+            <a:r>
+              <a:rPr lang="en-US" altLang="zh-TW" dirty="0">
+                <a:latin typeface="+mn-ea"/>
+              </a:rPr>
+              <a:t>	=	</a:t>
+            </a:r>
+            <a:r>
+              <a:rPr lang="zh-TW" altLang="en-US" dirty="0">
+                <a:latin typeface="+mn-ea"/>
+              </a:rPr>
+              <a:t>船艦所有位置都被擊中</a:t>
+            </a:r>
+          </a:p>
+          <a:p>
+            <a:pPr marL="0" indent="0">
+              <a:buNone/>
+            </a:pPr>
+            <a:endParaRPr lang="en-US" altLang="zh-TW" dirty="0">
+              <a:latin typeface="+mn-ea"/>
+            </a:endParaRPr>
+          </a:p>
+          <a:p>
+            <a:pPr marL="0" indent="0">
+              <a:buNone/>
+            </a:pPr>
+            <a:r>
+              <a:rPr lang="zh-TW" altLang="en-US" dirty="0">
+                <a:latin typeface="+mn-ea"/>
+              </a:rPr>
+              <a:t>勝利標準  </a:t>
+            </a:r>
+            <a:r>
+              <a:rPr lang="en-US" altLang="zh-TW" dirty="0">
+                <a:latin typeface="+mn-ea"/>
+              </a:rPr>
+              <a:t>	</a:t>
+            </a:r>
+            <a:r>
+              <a:rPr lang="zh-TW" altLang="en-US" dirty="0">
+                <a:latin typeface="+mn-ea"/>
+              </a:rPr>
+              <a:t>其中一方船艦都被擊沉，另一方獲勝</a:t>
+            </a:r>
+          </a:p>
+        </p:txBody>
+      </p:sp>
+    </p:spTree>
+    <p:extLst>
+      <p:ext uri="{BB962C8B-B14F-4D97-AF65-F5344CB8AC3E}">
+        <p14:creationId xmlns:p14="http://schemas.microsoft.com/office/powerpoint/2010/main" val="1235943363"/>
+      </p:ext>
+    </p:extLst>
+  </p:cSld>
+  <p:clrMapOvr>
+    <a:masterClrMapping/>
+  </p:clrMapOvr>
+</p:sld>
+</file>
+
+<file path=ppt/slides/slide4.xml><?xml version="1.0" encoding="utf-8"?>
+<p:sld xmlns:a="http://schemas.openxmlformats.org/drawingml/2006/main" xmlns:r="http://schemas.openxmlformats.org/officeDocument/2006/relationships" xmlns:p="http://schemas.openxmlformats.org/presentationml/2006/main">
+  <p:cSld>
+    <p:spTree>
+      <p:nvGrpSpPr>
+        <p:cNvPr id="1" name=""/>
+        <p:cNvGrpSpPr/>
+        <p:nvPr/>
+      </p:nvGrpSpPr>
+      <p:grpSpPr>
+        <a:xfrm>
+          <a:off x="0" y="0"/>
+          <a:ext cx="0" cy="0"/>
+          <a:chOff x="0" y="0"/>
+          <a:chExt cx="0" cy="0"/>
+        </a:xfrm>
+      </p:grpSpPr>
+      <p:sp>
+        <p:nvSpPr>
+          <p:cNvPr id="2" name="標題 1">
+            <a:extLst>
+              <a:ext uri="{FF2B5EF4-FFF2-40B4-BE49-F238E27FC236}">
                 <a16:creationId xmlns:a16="http://schemas.microsoft.com/office/drawing/2014/main" id="{ACE264ED-AF81-48E3-B56A-362C200F4DCD}"/>
               </a:ext>
             </a:extLst>
@@ -18768,257 +19019,6 @@
       <p:bldP spid="18" grpId="0"/>
     </p:bldLst>
   </p:timing>
-</p:sld>
-</file>
-
-<file path=ppt/slides/slide4.xml><?xml version="1.0" encoding="utf-8"?>
-<p:sld xmlns:a="http://schemas.openxmlformats.org/drawingml/2006/main" xmlns:r="http://schemas.openxmlformats.org/officeDocument/2006/relationships" xmlns:p="http://schemas.openxmlformats.org/presentationml/2006/main">
-  <p:cSld>
-    <p:spTree>
-      <p:nvGrpSpPr>
-        <p:cNvPr id="1" name=""/>
-        <p:cNvGrpSpPr/>
-        <p:nvPr/>
-      </p:nvGrpSpPr>
-      <p:grpSpPr>
-        <a:xfrm>
-          <a:off x="0" y="0"/>
-          <a:ext cx="0" cy="0"/>
-          <a:chOff x="0" y="0"/>
-          <a:chExt cx="0" cy="0"/>
-        </a:xfrm>
-      </p:grpSpPr>
-      <p:sp>
-        <p:nvSpPr>
-          <p:cNvPr id="2" name="標題 1">
-            <a:extLst>
-              <a:ext uri="{FF2B5EF4-FFF2-40B4-BE49-F238E27FC236}">
-                <a16:creationId xmlns:a16="http://schemas.microsoft.com/office/drawing/2014/main" id="{14A66311-9EDD-401E-8906-89787A123225}"/>
-              </a:ext>
-            </a:extLst>
-          </p:cNvPr>
-          <p:cNvSpPr>
-            <a:spLocks noGrp="1"/>
-          </p:cNvSpPr>
-          <p:nvPr>
-            <p:ph type="title"/>
-          </p:nvPr>
-        </p:nvSpPr>
-        <p:spPr/>
-        <p:txBody>
-          <a:bodyPr/>
-          <a:lstStyle/>
-          <a:p>
-            <a:r>
-              <a:rPr lang="zh-TW" altLang="en-US" sz="4400" dirty="0"/>
-              <a:t>海戰棋</a:t>
-            </a:r>
-            <a:r>
-              <a:rPr lang="en-US" altLang="zh-TW" sz="4400" dirty="0"/>
-              <a:t>—</a:t>
-            </a:r>
-            <a:r>
-              <a:rPr lang="zh-TW" altLang="en-US" sz="4400" dirty="0"/>
-              <a:t>規則</a:t>
-            </a:r>
-          </a:p>
-        </p:txBody>
-      </p:sp>
-      <p:sp>
-        <p:nvSpPr>
-          <p:cNvPr id="3" name="內容版面配置區 2">
-            <a:extLst>
-              <a:ext uri="{FF2B5EF4-FFF2-40B4-BE49-F238E27FC236}">
-                <a16:creationId xmlns:a16="http://schemas.microsoft.com/office/drawing/2014/main" id="{6C3A73B3-1D98-4D43-8C61-D9DF54559F2B}"/>
-              </a:ext>
-            </a:extLst>
-          </p:cNvPr>
-          <p:cNvSpPr>
-            <a:spLocks noGrp="1"/>
-          </p:cNvSpPr>
-          <p:nvPr>
-            <p:ph idx="1"/>
-          </p:nvPr>
-        </p:nvSpPr>
-        <p:spPr/>
-        <p:txBody>
-          <a:bodyPr/>
-          <a:lstStyle/>
-          <a:p>
-            <a:pPr marL="0" indent="0">
-              <a:buNone/>
-            </a:pPr>
-            <a:r>
-              <a:rPr lang="zh-TW" altLang="en-US" dirty="0">
-                <a:latin typeface="+mn-ea"/>
-              </a:rPr>
-              <a:t>回合制戰鬥</a:t>
-            </a:r>
-          </a:p>
-          <a:p>
-            <a:pPr marL="0" indent="0">
-              <a:buNone/>
-            </a:pPr>
-            <a:endParaRPr lang="en-US" altLang="zh-TW" dirty="0">
-              <a:latin typeface="+mn-ea"/>
-            </a:endParaRPr>
-          </a:p>
-          <a:p>
-            <a:pPr marL="0" indent="0">
-              <a:buNone/>
-            </a:pPr>
-            <a:r>
-              <a:rPr lang="zh-TW" altLang="en-US" dirty="0">
-                <a:latin typeface="+mn-ea"/>
-              </a:rPr>
-              <a:t>遊戲進行</a:t>
-            </a:r>
-            <a:endParaRPr lang="en-US" altLang="zh-TW" dirty="0">
-              <a:latin typeface="+mn-ea"/>
-            </a:endParaRPr>
-          </a:p>
-          <a:p>
-            <a:pPr marL="0" indent="0">
-              <a:buNone/>
-            </a:pPr>
-            <a:r>
-              <a:rPr lang="en-US" altLang="zh-TW" dirty="0">
-                <a:latin typeface="+mn-ea"/>
-              </a:rPr>
-              <a:t>		1. </a:t>
-            </a:r>
-            <a:r>
-              <a:rPr lang="zh-TW" altLang="en-US" dirty="0">
-                <a:latin typeface="+mn-ea"/>
-              </a:rPr>
-              <a:t>命中    </a:t>
-            </a:r>
-            <a:r>
-              <a:rPr lang="en-US" altLang="zh-TW" dirty="0">
-                <a:latin typeface="+mn-ea"/>
-              </a:rPr>
-              <a:t>	=	</a:t>
-            </a:r>
-            <a:r>
-              <a:rPr lang="zh-TW" altLang="en-US" dirty="0">
-                <a:latin typeface="+mn-ea"/>
-              </a:rPr>
-              <a:t>攻擊方飛彈擊中對方船艦任意位置</a:t>
-            </a:r>
-          </a:p>
-          <a:p>
-            <a:pPr marL="0" indent="0">
-              <a:buNone/>
-            </a:pPr>
-            <a:r>
-              <a:rPr lang="zh-TW" altLang="en-US" dirty="0">
-                <a:latin typeface="+mn-ea"/>
-              </a:rPr>
-              <a:t>	</a:t>
-            </a:r>
-            <a:r>
-              <a:rPr lang="en-US" altLang="zh-TW" dirty="0">
-                <a:latin typeface="+mn-ea"/>
-              </a:rPr>
-              <a:t>	2.</a:t>
-            </a:r>
-            <a:r>
-              <a:rPr lang="zh-TW" altLang="en-US" dirty="0">
-                <a:latin typeface="+mn-ea"/>
-              </a:rPr>
-              <a:t> 未命中 </a:t>
-            </a:r>
-            <a:r>
-              <a:rPr lang="en-US" altLang="zh-TW" dirty="0">
-                <a:latin typeface="+mn-ea"/>
-              </a:rPr>
-              <a:t>	=	</a:t>
-            </a:r>
-            <a:r>
-              <a:rPr lang="zh-TW" altLang="en-US" dirty="0">
-                <a:latin typeface="+mn-ea"/>
-              </a:rPr>
-              <a:t>未擊中</a:t>
-            </a:r>
-          </a:p>
-          <a:p>
-            <a:pPr marL="0" indent="0">
-              <a:buNone/>
-            </a:pPr>
-            <a:r>
-              <a:rPr lang="zh-TW" altLang="en-US" dirty="0">
-                <a:latin typeface="+mn-ea"/>
-              </a:rPr>
-              <a:t>	</a:t>
-            </a:r>
-            <a:r>
-              <a:rPr lang="en-US" altLang="zh-TW" dirty="0">
-                <a:latin typeface="+mn-ea"/>
-              </a:rPr>
-              <a:t>	</a:t>
-            </a:r>
-            <a:r>
-              <a:rPr lang="zh-TW" altLang="en-US" dirty="0">
-                <a:latin typeface="+mn-ea"/>
-              </a:rPr>
-              <a:t>擊沉標準 </a:t>
-            </a:r>
-            <a:r>
-              <a:rPr lang="en-US" altLang="zh-TW" dirty="0">
-                <a:latin typeface="+mn-ea"/>
-              </a:rPr>
-              <a:t>	=	</a:t>
-            </a:r>
-            <a:r>
-              <a:rPr lang="zh-TW" altLang="en-US" dirty="0">
-                <a:latin typeface="+mn-ea"/>
-              </a:rPr>
-              <a:t>船艦所有位置都被擊中</a:t>
-            </a:r>
-          </a:p>
-          <a:p>
-            <a:pPr marL="0" indent="0">
-              <a:buNone/>
-            </a:pPr>
-            <a:endParaRPr lang="en-US" altLang="zh-TW" dirty="0">
-              <a:latin typeface="+mn-ea"/>
-            </a:endParaRPr>
-          </a:p>
-          <a:p>
-            <a:pPr marL="0" indent="0">
-              <a:buNone/>
-            </a:pPr>
-            <a:r>
-              <a:rPr lang="zh-TW" altLang="en-US" dirty="0">
-                <a:latin typeface="+mn-ea"/>
-              </a:rPr>
-              <a:t>勝利標準  </a:t>
-            </a:r>
-            <a:r>
-              <a:rPr lang="en-US" altLang="zh-TW" dirty="0">
-                <a:latin typeface="+mn-ea"/>
-              </a:rPr>
-              <a:t>	</a:t>
-            </a:r>
-            <a:r>
-              <a:rPr lang="zh-TW" altLang="en-US" dirty="0">
-                <a:latin typeface="+mn-ea"/>
-              </a:rPr>
-              <a:t>其中一方船艦都被擊沉，另一方獲勝</a:t>
-            </a:r>
-          </a:p>
-        </p:txBody>
-      </p:sp>
-    </p:spTree>
-    <p:extLst>
-      <p:ext uri="{BB962C8B-B14F-4D97-AF65-F5344CB8AC3E}">
-        <p14:creationId xmlns:p14="http://schemas.microsoft.com/office/powerpoint/2010/main" val="1235943363"/>
-      </p:ext>
-    </p:extLst>
-  </p:cSld>
-  <p:clrMapOvr>
-    <a:masterClrMapping/>
-  </p:clrMapOvr>
 </p:sld>
 </file>
 

--- a/doc/網路程式設計報告.pptx
+++ b/doc/網路程式設計報告.pptx
@@ -4,6 +4,9 @@
   <p:sldMasterIdLst>
     <p:sldMasterId id="2147483660" r:id="rId1"/>
   </p:sldMasterIdLst>
+  <p:notesMasterIdLst>
+    <p:notesMasterId r:id="rId17"/>
+  </p:notesMasterIdLst>
   <p:sldIdLst>
     <p:sldId id="256" r:id="rId2"/>
     <p:sldId id="257" r:id="rId3"/>
@@ -18,7 +21,8 @@
     <p:sldId id="273" r:id="rId12"/>
     <p:sldId id="274" r:id="rId13"/>
     <p:sldId id="276" r:id="rId14"/>
-    <p:sldId id="264" r:id="rId15"/>
+    <p:sldId id="277" r:id="rId15"/>
+    <p:sldId id="264" r:id="rId16"/>
   </p:sldIdLst>
   <p:sldSz cx="12192000" cy="6858000"/>
   <p:notesSz cx="6858000" cy="9144000"/>
@@ -123,6 +127,708 @@
     </p:ext>
   </p:extLst>
 </p:presentation>
+</file>
+
+<file path=ppt/notesMasters/notesMaster1.xml><?xml version="1.0" encoding="utf-8"?>
+<p:notesMaster xmlns:a="http://schemas.openxmlformats.org/drawingml/2006/main" xmlns:r="http://schemas.openxmlformats.org/officeDocument/2006/relationships" xmlns:p="http://schemas.openxmlformats.org/presentationml/2006/main">
+  <p:cSld>
+    <p:bg>
+      <p:bgRef idx="1001">
+        <a:schemeClr val="bg1"/>
+      </p:bgRef>
+    </p:bg>
+    <p:spTree>
+      <p:nvGrpSpPr>
+        <p:cNvPr id="1" name=""/>
+        <p:cNvGrpSpPr/>
+        <p:nvPr/>
+      </p:nvGrpSpPr>
+      <p:grpSpPr>
+        <a:xfrm>
+          <a:off x="0" y="0"/>
+          <a:ext cx="0" cy="0"/>
+          <a:chOff x="0" y="0"/>
+          <a:chExt cx="0" cy="0"/>
+        </a:xfrm>
+      </p:grpSpPr>
+      <p:sp>
+        <p:nvSpPr>
+          <p:cNvPr id="2" name="頁首版面配置區 1"/>
+          <p:cNvSpPr>
+            <a:spLocks noGrp="1"/>
+          </p:cNvSpPr>
+          <p:nvPr>
+            <p:ph type="hdr" sz="quarter"/>
+          </p:nvPr>
+        </p:nvSpPr>
+        <p:spPr>
+          <a:xfrm>
+            <a:off x="0" y="0"/>
+            <a:ext cx="2971800" cy="458788"/>
+          </a:xfrm>
+          <a:prstGeom prst="rect">
+            <a:avLst/>
+          </a:prstGeom>
+        </p:spPr>
+        <p:txBody>
+          <a:bodyPr vert="horz" lIns="91440" tIns="45720" rIns="91440" bIns="45720" rtlCol="0"/>
+          <a:lstStyle>
+            <a:lvl1pPr algn="l">
+              <a:defRPr sz="1200"/>
+            </a:lvl1pPr>
+          </a:lstStyle>
+          <a:p>
+            <a:endParaRPr lang="zh-TW" altLang="en-US"/>
+          </a:p>
+        </p:txBody>
+      </p:sp>
+      <p:sp>
+        <p:nvSpPr>
+          <p:cNvPr id="3" name="日期版面配置區 2"/>
+          <p:cNvSpPr>
+            <a:spLocks noGrp="1"/>
+          </p:cNvSpPr>
+          <p:nvPr>
+            <p:ph type="dt" idx="1"/>
+          </p:nvPr>
+        </p:nvSpPr>
+        <p:spPr>
+          <a:xfrm>
+            <a:off x="3884613" y="0"/>
+            <a:ext cx="2971800" cy="458788"/>
+          </a:xfrm>
+          <a:prstGeom prst="rect">
+            <a:avLst/>
+          </a:prstGeom>
+        </p:spPr>
+        <p:txBody>
+          <a:bodyPr vert="horz" lIns="91440" tIns="45720" rIns="91440" bIns="45720" rtlCol="0"/>
+          <a:lstStyle>
+            <a:lvl1pPr algn="r">
+              <a:defRPr sz="1200"/>
+            </a:lvl1pPr>
+          </a:lstStyle>
+          <a:p>
+            <a:fld id="{3164182E-E318-400C-953A-B8EB2F0BBD42}" type="datetimeFigureOut">
+              <a:rPr lang="zh-TW" altLang="en-US" smtClean="0"/>
+              <a:t>2021/1/5</a:t>
+            </a:fld>
+            <a:endParaRPr lang="zh-TW" altLang="en-US"/>
+          </a:p>
+        </p:txBody>
+      </p:sp>
+      <p:sp>
+        <p:nvSpPr>
+          <p:cNvPr id="4" name="投影片影像版面配置區 3"/>
+          <p:cNvSpPr>
+            <a:spLocks noGrp="1" noRot="1" noChangeAspect="1"/>
+          </p:cNvSpPr>
+          <p:nvPr>
+            <p:ph type="sldImg" idx="2"/>
+          </p:nvPr>
+        </p:nvSpPr>
+        <p:spPr>
+          <a:xfrm>
+            <a:off x="685800" y="1143000"/>
+            <a:ext cx="5486400" cy="3086100"/>
+          </a:xfrm>
+          <a:prstGeom prst="rect">
+            <a:avLst/>
+          </a:prstGeom>
+          <a:noFill/>
+          <a:ln w="12700">
+            <a:solidFill>
+              <a:prstClr val="black"/>
+            </a:solidFill>
+          </a:ln>
+        </p:spPr>
+        <p:txBody>
+          <a:bodyPr vert="horz" lIns="91440" tIns="45720" rIns="91440" bIns="45720" rtlCol="0" anchor="ctr"/>
+          <a:lstStyle/>
+          <a:p>
+            <a:endParaRPr lang="zh-TW" altLang="en-US"/>
+          </a:p>
+        </p:txBody>
+      </p:sp>
+      <p:sp>
+        <p:nvSpPr>
+          <p:cNvPr id="5" name="備忘稿版面配置區 4"/>
+          <p:cNvSpPr>
+            <a:spLocks noGrp="1"/>
+          </p:cNvSpPr>
+          <p:nvPr>
+            <p:ph type="body" sz="quarter" idx="3"/>
+          </p:nvPr>
+        </p:nvSpPr>
+        <p:spPr>
+          <a:xfrm>
+            <a:off x="685800" y="4400550"/>
+            <a:ext cx="5486400" cy="3600450"/>
+          </a:xfrm>
+          <a:prstGeom prst="rect">
+            <a:avLst/>
+          </a:prstGeom>
+        </p:spPr>
+        <p:txBody>
+          <a:bodyPr vert="horz" lIns="91440" tIns="45720" rIns="91440" bIns="45720" rtlCol="0"/>
+          <a:lstStyle/>
+          <a:p>
+            <a:pPr lvl="0"/>
+            <a:r>
+              <a:rPr lang="zh-TW" altLang="en-US"/>
+              <a:t>按一下以編輯母片文字樣式</a:t>
+            </a:r>
+          </a:p>
+          <a:p>
+            <a:pPr lvl="1"/>
+            <a:r>
+              <a:rPr lang="zh-TW" altLang="en-US"/>
+              <a:t>第二層</a:t>
+            </a:r>
+          </a:p>
+          <a:p>
+            <a:pPr lvl="2"/>
+            <a:r>
+              <a:rPr lang="zh-TW" altLang="en-US"/>
+              <a:t>第三層</a:t>
+            </a:r>
+          </a:p>
+          <a:p>
+            <a:pPr lvl="3"/>
+            <a:r>
+              <a:rPr lang="zh-TW" altLang="en-US"/>
+              <a:t>第四層</a:t>
+            </a:r>
+          </a:p>
+          <a:p>
+            <a:pPr lvl="4"/>
+            <a:r>
+              <a:rPr lang="zh-TW" altLang="en-US"/>
+              <a:t>第五層</a:t>
+            </a:r>
+          </a:p>
+        </p:txBody>
+      </p:sp>
+      <p:sp>
+        <p:nvSpPr>
+          <p:cNvPr id="6" name="頁尾版面配置區 5"/>
+          <p:cNvSpPr>
+            <a:spLocks noGrp="1"/>
+          </p:cNvSpPr>
+          <p:nvPr>
+            <p:ph type="ftr" sz="quarter" idx="4"/>
+          </p:nvPr>
+        </p:nvSpPr>
+        <p:spPr>
+          <a:xfrm>
+            <a:off x="0" y="8685213"/>
+            <a:ext cx="2971800" cy="458787"/>
+          </a:xfrm>
+          <a:prstGeom prst="rect">
+            <a:avLst/>
+          </a:prstGeom>
+        </p:spPr>
+        <p:txBody>
+          <a:bodyPr vert="horz" lIns="91440" tIns="45720" rIns="91440" bIns="45720" rtlCol="0" anchor="b"/>
+          <a:lstStyle>
+            <a:lvl1pPr algn="l">
+              <a:defRPr sz="1200"/>
+            </a:lvl1pPr>
+          </a:lstStyle>
+          <a:p>
+            <a:endParaRPr lang="zh-TW" altLang="en-US"/>
+          </a:p>
+        </p:txBody>
+      </p:sp>
+      <p:sp>
+        <p:nvSpPr>
+          <p:cNvPr id="7" name="投影片編號版面配置區 6"/>
+          <p:cNvSpPr>
+            <a:spLocks noGrp="1"/>
+          </p:cNvSpPr>
+          <p:nvPr>
+            <p:ph type="sldNum" sz="quarter" idx="5"/>
+          </p:nvPr>
+        </p:nvSpPr>
+        <p:spPr>
+          <a:xfrm>
+            <a:off x="3884613" y="8685213"/>
+            <a:ext cx="2971800" cy="458787"/>
+          </a:xfrm>
+          <a:prstGeom prst="rect">
+            <a:avLst/>
+          </a:prstGeom>
+        </p:spPr>
+        <p:txBody>
+          <a:bodyPr vert="horz" lIns="91440" tIns="45720" rIns="91440" bIns="45720" rtlCol="0" anchor="b"/>
+          <a:lstStyle>
+            <a:lvl1pPr algn="r">
+              <a:defRPr sz="1200"/>
+            </a:lvl1pPr>
+          </a:lstStyle>
+          <a:p>
+            <a:fld id="{723396D0-480C-4248-B4E6-4672EE1EE9C2}" type="slidenum">
+              <a:rPr lang="zh-TW" altLang="en-US" smtClean="0"/>
+              <a:t>‹#›</a:t>
+            </a:fld>
+            <a:endParaRPr lang="zh-TW" altLang="en-US"/>
+          </a:p>
+        </p:txBody>
+      </p:sp>
+    </p:spTree>
+    <p:extLst>
+      <p:ext uri="{BB962C8B-B14F-4D97-AF65-F5344CB8AC3E}">
+        <p14:creationId xmlns:p14="http://schemas.microsoft.com/office/powerpoint/2010/main" val="2011415294"/>
+      </p:ext>
+    </p:extLst>
+  </p:cSld>
+  <p:clrMap bg1="lt1" tx1="dk1" bg2="lt2" tx2="dk2" accent1="accent1" accent2="accent2" accent3="accent3" accent4="accent4" accent5="accent5" accent6="accent6" hlink="hlink" folHlink="folHlink"/>
+  <p:notesStyle>
+    <a:lvl1pPr marL="0" algn="l" defTabSz="914400" rtl="0" eaLnBrk="1" latinLnBrk="0" hangingPunct="1">
+      <a:defRPr sz="1200" kern="1200">
+        <a:solidFill>
+          <a:schemeClr val="tx1"/>
+        </a:solidFill>
+        <a:latin typeface="+mn-lt"/>
+        <a:ea typeface="+mn-ea"/>
+        <a:cs typeface="+mn-cs"/>
+      </a:defRPr>
+    </a:lvl1pPr>
+    <a:lvl2pPr marL="457200" algn="l" defTabSz="914400" rtl="0" eaLnBrk="1" latinLnBrk="0" hangingPunct="1">
+      <a:defRPr sz="1200" kern="1200">
+        <a:solidFill>
+          <a:schemeClr val="tx1"/>
+        </a:solidFill>
+        <a:latin typeface="+mn-lt"/>
+        <a:ea typeface="+mn-ea"/>
+        <a:cs typeface="+mn-cs"/>
+      </a:defRPr>
+    </a:lvl2pPr>
+    <a:lvl3pPr marL="914400" algn="l" defTabSz="914400" rtl="0" eaLnBrk="1" latinLnBrk="0" hangingPunct="1">
+      <a:defRPr sz="1200" kern="1200">
+        <a:solidFill>
+          <a:schemeClr val="tx1"/>
+        </a:solidFill>
+        <a:latin typeface="+mn-lt"/>
+        <a:ea typeface="+mn-ea"/>
+        <a:cs typeface="+mn-cs"/>
+      </a:defRPr>
+    </a:lvl3pPr>
+    <a:lvl4pPr marL="1371600" algn="l" defTabSz="914400" rtl="0" eaLnBrk="1" latinLnBrk="0" hangingPunct="1">
+      <a:defRPr sz="1200" kern="1200">
+        <a:solidFill>
+          <a:schemeClr val="tx1"/>
+        </a:solidFill>
+        <a:latin typeface="+mn-lt"/>
+        <a:ea typeface="+mn-ea"/>
+        <a:cs typeface="+mn-cs"/>
+      </a:defRPr>
+    </a:lvl4pPr>
+    <a:lvl5pPr marL="1828800" algn="l" defTabSz="914400" rtl="0" eaLnBrk="1" latinLnBrk="0" hangingPunct="1">
+      <a:defRPr sz="1200" kern="1200">
+        <a:solidFill>
+          <a:schemeClr val="tx1"/>
+        </a:solidFill>
+        <a:latin typeface="+mn-lt"/>
+        <a:ea typeface="+mn-ea"/>
+        <a:cs typeface="+mn-cs"/>
+      </a:defRPr>
+    </a:lvl5pPr>
+    <a:lvl6pPr marL="2286000" algn="l" defTabSz="914400" rtl="0" eaLnBrk="1" latinLnBrk="0" hangingPunct="1">
+      <a:defRPr sz="1200" kern="1200">
+        <a:solidFill>
+          <a:schemeClr val="tx1"/>
+        </a:solidFill>
+        <a:latin typeface="+mn-lt"/>
+        <a:ea typeface="+mn-ea"/>
+        <a:cs typeface="+mn-cs"/>
+      </a:defRPr>
+    </a:lvl6pPr>
+    <a:lvl7pPr marL="2743200" algn="l" defTabSz="914400" rtl="0" eaLnBrk="1" latinLnBrk="0" hangingPunct="1">
+      <a:defRPr sz="1200" kern="1200">
+        <a:solidFill>
+          <a:schemeClr val="tx1"/>
+        </a:solidFill>
+        <a:latin typeface="+mn-lt"/>
+        <a:ea typeface="+mn-ea"/>
+        <a:cs typeface="+mn-cs"/>
+      </a:defRPr>
+    </a:lvl7pPr>
+    <a:lvl8pPr marL="3200400" algn="l" defTabSz="914400" rtl="0" eaLnBrk="1" latinLnBrk="0" hangingPunct="1">
+      <a:defRPr sz="1200" kern="1200">
+        <a:solidFill>
+          <a:schemeClr val="tx1"/>
+        </a:solidFill>
+        <a:latin typeface="+mn-lt"/>
+        <a:ea typeface="+mn-ea"/>
+        <a:cs typeface="+mn-cs"/>
+      </a:defRPr>
+    </a:lvl8pPr>
+    <a:lvl9pPr marL="3657600" algn="l" defTabSz="914400" rtl="0" eaLnBrk="1" latinLnBrk="0" hangingPunct="1">
+      <a:defRPr sz="1200" kern="1200">
+        <a:solidFill>
+          <a:schemeClr val="tx1"/>
+        </a:solidFill>
+        <a:latin typeface="+mn-lt"/>
+        <a:ea typeface="+mn-ea"/>
+        <a:cs typeface="+mn-cs"/>
+      </a:defRPr>
+    </a:lvl9pPr>
+  </p:notesStyle>
+</p:notesMaster>
+</file>
+
+<file path=ppt/notesSlides/notesSlide1.xml><?xml version="1.0" encoding="utf-8"?>
+<p:notes xmlns:a="http://schemas.openxmlformats.org/drawingml/2006/main" xmlns:r="http://schemas.openxmlformats.org/officeDocument/2006/relationships" xmlns:p="http://schemas.openxmlformats.org/presentationml/2006/main">
+  <p:cSld>
+    <p:spTree>
+      <p:nvGrpSpPr>
+        <p:cNvPr id="1" name=""/>
+        <p:cNvGrpSpPr/>
+        <p:nvPr/>
+      </p:nvGrpSpPr>
+      <p:grpSpPr>
+        <a:xfrm>
+          <a:off x="0" y="0"/>
+          <a:ext cx="0" cy="0"/>
+          <a:chOff x="0" y="0"/>
+          <a:chExt cx="0" cy="0"/>
+        </a:xfrm>
+      </p:grpSpPr>
+      <p:sp>
+        <p:nvSpPr>
+          <p:cNvPr id="2" name="投影片影像版面配置區 1"/>
+          <p:cNvSpPr>
+            <a:spLocks noGrp="1" noRot="1" noChangeAspect="1"/>
+          </p:cNvSpPr>
+          <p:nvPr>
+            <p:ph type="sldImg"/>
+          </p:nvPr>
+        </p:nvSpPr>
+        <p:spPr/>
+      </p:sp>
+      <p:sp>
+        <p:nvSpPr>
+          <p:cNvPr id="3" name="備忘稿版面配置區 2"/>
+          <p:cNvSpPr>
+            <a:spLocks noGrp="1"/>
+          </p:cNvSpPr>
+          <p:nvPr>
+            <p:ph type="body" idx="1"/>
+          </p:nvPr>
+        </p:nvSpPr>
+        <p:spPr/>
+        <p:txBody>
+          <a:bodyPr/>
+          <a:lstStyle/>
+          <a:p>
+            <a:pPr marL="0" marR="0" lvl="0" indent="0" algn="l" defTabSz="914400" rtl="0" eaLnBrk="1" fontAlgn="auto" latinLnBrk="0" hangingPunct="1">
+              <a:lnSpc>
+                <a:spcPct val="100000"/>
+              </a:lnSpc>
+              <a:spcBef>
+                <a:spcPts val="0"/>
+              </a:spcBef>
+              <a:spcAft>
+                <a:spcPts val="0"/>
+              </a:spcAft>
+              <a:buClrTx/>
+              <a:buSzTx/>
+              <a:buFontTx/>
+              <a:buNone/>
+              <a:tabLst/>
+              <a:defRPr/>
+            </a:pPr>
+            <a:r>
+              <a:rPr lang="en-US" altLang="zh-TW" sz="1200" dirty="0">
+                <a:latin typeface="Times New Roman" panose="02020603050405020304" pitchFamily="18" charset="0"/>
+                <a:cs typeface="Times New Roman" panose="02020603050405020304" pitchFamily="18" charset="0"/>
+              </a:rPr>
+              <a:t>Q1.</a:t>
+            </a:r>
+            <a:r>
+              <a:rPr lang="en-US" altLang="zh-TW" sz="1200" dirty="0">
+                <a:latin typeface="+mn-ea"/>
+              </a:rPr>
+              <a:t> </a:t>
+            </a:r>
+            <a:r>
+              <a:rPr lang="zh-TW" altLang="en-US" sz="1200" dirty="0">
+                <a:latin typeface="+mn-ea"/>
+              </a:rPr>
+              <a:t>無法主動傳送訊息</a:t>
+            </a:r>
+            <a:endParaRPr lang="en-US" altLang="zh-TW" sz="1200" dirty="0">
+              <a:latin typeface="+mn-ea"/>
+            </a:endParaRPr>
+          </a:p>
+          <a:p>
+            <a:pPr marL="0" marR="0" lvl="0" indent="0" algn="l" defTabSz="914400" rtl="0" eaLnBrk="1" fontAlgn="auto" latinLnBrk="0" hangingPunct="1">
+              <a:lnSpc>
+                <a:spcPct val="100000"/>
+              </a:lnSpc>
+              <a:spcBef>
+                <a:spcPts val="0"/>
+              </a:spcBef>
+              <a:spcAft>
+                <a:spcPts val="0"/>
+              </a:spcAft>
+              <a:buClrTx/>
+              <a:buSzTx/>
+              <a:buFontTx/>
+              <a:buNone/>
+              <a:tabLst/>
+              <a:defRPr/>
+            </a:pPr>
+            <a:r>
+              <a:rPr lang="en-US" altLang="zh-TW" sz="1200" dirty="0">
+                <a:latin typeface="+mn-ea"/>
+              </a:rPr>
+              <a:t>Q2. </a:t>
+            </a:r>
+            <a:r>
+              <a:rPr lang="zh-TW" altLang="en-US" sz="1200" dirty="0">
+                <a:latin typeface="+mn-ea"/>
+              </a:rPr>
+              <a:t>無法確認客戶端狀態</a:t>
+            </a:r>
+            <a:endParaRPr lang="en-US" altLang="zh-TW" sz="1200" dirty="0">
+              <a:latin typeface="+mn-ea"/>
+            </a:endParaRPr>
+          </a:p>
+          <a:p>
+            <a:endParaRPr lang="zh-TW" altLang="en-US" dirty="0"/>
+          </a:p>
+        </p:txBody>
+      </p:sp>
+      <p:sp>
+        <p:nvSpPr>
+          <p:cNvPr id="4" name="投影片編號版面配置區 3"/>
+          <p:cNvSpPr>
+            <a:spLocks noGrp="1"/>
+          </p:cNvSpPr>
+          <p:nvPr>
+            <p:ph type="sldNum" sz="quarter" idx="5"/>
+          </p:nvPr>
+        </p:nvSpPr>
+        <p:spPr/>
+        <p:txBody>
+          <a:bodyPr/>
+          <a:lstStyle/>
+          <a:p>
+            <a:fld id="{723396D0-480C-4248-B4E6-4672EE1EE9C2}" type="slidenum">
+              <a:rPr lang="zh-TW" altLang="en-US" smtClean="0"/>
+              <a:t>8</a:t>
+            </a:fld>
+            <a:endParaRPr lang="zh-TW" altLang="en-US"/>
+          </a:p>
+        </p:txBody>
+      </p:sp>
+    </p:spTree>
+    <p:extLst>
+      <p:ext uri="{BB962C8B-B14F-4D97-AF65-F5344CB8AC3E}">
+        <p14:creationId xmlns:p14="http://schemas.microsoft.com/office/powerpoint/2010/main" val="4226530801"/>
+      </p:ext>
+    </p:extLst>
+  </p:cSld>
+  <p:clrMapOvr>
+    <a:masterClrMapping/>
+  </p:clrMapOvr>
+</p:notes>
+</file>
+
+<file path=ppt/notesSlides/notesSlide2.xml><?xml version="1.0" encoding="utf-8"?>
+<p:notes xmlns:a="http://schemas.openxmlformats.org/drawingml/2006/main" xmlns:r="http://schemas.openxmlformats.org/officeDocument/2006/relationships" xmlns:p="http://schemas.openxmlformats.org/presentationml/2006/main">
+  <p:cSld>
+    <p:spTree>
+      <p:nvGrpSpPr>
+        <p:cNvPr id="1" name=""/>
+        <p:cNvGrpSpPr/>
+        <p:nvPr/>
+      </p:nvGrpSpPr>
+      <p:grpSpPr>
+        <a:xfrm>
+          <a:off x="0" y="0"/>
+          <a:ext cx="0" cy="0"/>
+          <a:chOff x="0" y="0"/>
+          <a:chExt cx="0" cy="0"/>
+        </a:xfrm>
+      </p:grpSpPr>
+      <p:sp>
+        <p:nvSpPr>
+          <p:cNvPr id="2" name="投影片影像版面配置區 1"/>
+          <p:cNvSpPr>
+            <a:spLocks noGrp="1" noRot="1" noChangeAspect="1"/>
+          </p:cNvSpPr>
+          <p:nvPr>
+            <p:ph type="sldImg"/>
+          </p:nvPr>
+        </p:nvSpPr>
+        <p:spPr/>
+      </p:sp>
+      <p:sp>
+        <p:nvSpPr>
+          <p:cNvPr id="3" name="備忘稿版面配置區 2"/>
+          <p:cNvSpPr>
+            <a:spLocks noGrp="1"/>
+          </p:cNvSpPr>
+          <p:nvPr>
+            <p:ph type="body" idx="1"/>
+          </p:nvPr>
+        </p:nvSpPr>
+        <p:spPr/>
+        <p:txBody>
+          <a:bodyPr/>
+          <a:lstStyle/>
+          <a:p>
+            <a:pPr marL="0" indent="0">
+              <a:buNone/>
+            </a:pPr>
+            <a:r>
+              <a:rPr lang="en-US" altLang="zh-TW" sz="1200" dirty="0">
+                <a:latin typeface="Times New Roman" panose="02020603050405020304" pitchFamily="18" charset="0"/>
+                <a:cs typeface="Times New Roman" panose="02020603050405020304" pitchFamily="18" charset="0"/>
+              </a:rPr>
+              <a:t>Q.</a:t>
+            </a:r>
+            <a:r>
+              <a:rPr lang="en-US" altLang="zh-TW" sz="1200" dirty="0">
+                <a:latin typeface="+mn-ea"/>
+              </a:rPr>
+              <a:t> </a:t>
+            </a:r>
+            <a:r>
+              <a:rPr lang="zh-TW" altLang="en-US" sz="1200" dirty="0">
+                <a:latin typeface="+mn-ea"/>
+              </a:rPr>
+              <a:t>無法主動傳送訊息</a:t>
+            </a:r>
+            <a:endParaRPr lang="en-US" altLang="zh-TW" sz="1200" dirty="0">
+              <a:latin typeface="+mn-ea"/>
+            </a:endParaRPr>
+          </a:p>
+          <a:p>
+            <a:pPr marL="0" indent="0">
+              <a:buNone/>
+            </a:pPr>
+            <a:r>
+              <a:rPr lang="en-US" altLang="zh-TW" sz="1200" dirty="0">
+                <a:latin typeface="Times New Roman" panose="02020603050405020304" pitchFamily="18" charset="0"/>
+                <a:cs typeface="Times New Roman" panose="02020603050405020304" pitchFamily="18" charset="0"/>
+              </a:rPr>
+              <a:t>Ans.</a:t>
+            </a:r>
+            <a:r>
+              <a:rPr lang="en-US" altLang="zh-TW" sz="1200" dirty="0">
+                <a:latin typeface="+mn-ea"/>
+              </a:rPr>
+              <a:t> </a:t>
+            </a:r>
+            <a:r>
+              <a:rPr lang="zh-TW" altLang="en-US" sz="1200" dirty="0">
+                <a:latin typeface="+mn-ea"/>
+              </a:rPr>
+              <a:t>由客戶端定時提出獲取訊息要求</a:t>
+            </a:r>
+            <a:endParaRPr lang="en-US" altLang="zh-TW" sz="1200" dirty="0">
+              <a:latin typeface="+mn-ea"/>
+            </a:endParaRPr>
+          </a:p>
+          <a:p>
+            <a:pPr marL="0" indent="0">
+              <a:buNone/>
+            </a:pPr>
+            <a:endParaRPr lang="en-US" altLang="zh-TW" sz="1200" dirty="0">
+              <a:latin typeface="+mn-ea"/>
+            </a:endParaRPr>
+          </a:p>
+          <a:p>
+            <a:pPr marL="0" indent="0">
+              <a:buNone/>
+            </a:pPr>
+            <a:r>
+              <a:rPr lang="en-US" altLang="zh-TW" sz="1200" dirty="0">
+                <a:latin typeface="Times New Roman" panose="02020603050405020304" pitchFamily="18" charset="0"/>
+                <a:cs typeface="Times New Roman" panose="02020603050405020304" pitchFamily="18" charset="0"/>
+              </a:rPr>
+              <a:t>Q.</a:t>
+            </a:r>
+            <a:r>
+              <a:rPr lang="en-US" altLang="zh-TW" sz="1200" dirty="0">
+                <a:latin typeface="+mn-ea"/>
+              </a:rPr>
+              <a:t> </a:t>
+            </a:r>
+            <a:r>
+              <a:rPr lang="zh-TW" altLang="en-US" sz="1200" dirty="0">
+                <a:latin typeface="+mn-ea"/>
+              </a:rPr>
+              <a:t>無法確認客戶端狀態</a:t>
+            </a:r>
+            <a:endParaRPr lang="en-US" altLang="zh-TW" sz="1200" dirty="0">
+              <a:latin typeface="+mn-ea"/>
+            </a:endParaRPr>
+          </a:p>
+          <a:p>
+            <a:pPr marL="0" indent="0">
+              <a:buNone/>
+            </a:pPr>
+            <a:r>
+              <a:rPr lang="en-US" altLang="zh-TW" sz="1200" dirty="0">
+                <a:latin typeface="Times New Roman" panose="02020603050405020304" pitchFamily="18" charset="0"/>
+                <a:cs typeface="Times New Roman" panose="02020603050405020304" pitchFamily="18" charset="0"/>
+              </a:rPr>
+              <a:t>Ans.</a:t>
+            </a:r>
+            <a:r>
+              <a:rPr lang="en-US" altLang="zh-TW" sz="1200" dirty="0">
+                <a:latin typeface="+mn-ea"/>
+              </a:rPr>
+              <a:t> </a:t>
+            </a:r>
+            <a:r>
+              <a:rPr lang="zh-TW" altLang="en-US" sz="1200" dirty="0">
+                <a:latin typeface="+mn-ea"/>
+              </a:rPr>
+              <a:t>客戶端定時發送信號，伺服器端定時檢查與刷</a:t>
+            </a:r>
+          </a:p>
+        </p:txBody>
+      </p:sp>
+      <p:sp>
+        <p:nvSpPr>
+          <p:cNvPr id="4" name="投影片編號版面配置區 3"/>
+          <p:cNvSpPr>
+            <a:spLocks noGrp="1"/>
+          </p:cNvSpPr>
+          <p:nvPr>
+            <p:ph type="sldNum" sz="quarter" idx="5"/>
+          </p:nvPr>
+        </p:nvSpPr>
+        <p:spPr/>
+        <p:txBody>
+          <a:bodyPr/>
+          <a:lstStyle/>
+          <a:p>
+            <a:fld id="{723396D0-480C-4248-B4E6-4672EE1EE9C2}" type="slidenum">
+              <a:rPr lang="zh-TW" altLang="en-US" smtClean="0"/>
+              <a:t>9</a:t>
+            </a:fld>
+            <a:endParaRPr lang="zh-TW" altLang="en-US"/>
+          </a:p>
+        </p:txBody>
+      </p:sp>
+    </p:spTree>
+    <p:extLst>
+      <p:ext uri="{BB962C8B-B14F-4D97-AF65-F5344CB8AC3E}">
+        <p14:creationId xmlns:p14="http://schemas.microsoft.com/office/powerpoint/2010/main" val="2737368322"/>
+      </p:ext>
+    </p:extLst>
+  </p:cSld>
+  <p:clrMapOvr>
+    <a:masterClrMapping/>
+  </p:clrMapOvr>
+</p:notes>
 </file>
 
 <file path=ppt/slideLayouts/slideLayout1.xml><?xml version="1.0" encoding="utf-8"?>
@@ -8129,7 +8835,7 @@
         </p:blipFill>
         <p:spPr>
           <a:xfrm>
-            <a:off x="1948548" y="1535045"/>
+            <a:off x="1982116" y="1606297"/>
             <a:ext cx="5621296" cy="5053391"/>
           </a:xfrm>
           <a:prstGeom prst="rect">
@@ -8137,6 +8843,214 @@
           </a:prstGeom>
         </p:spPr>
       </p:pic>
+      <p:sp>
+        <p:nvSpPr>
+          <p:cNvPr id="4" name="矩形 3">
+            <a:extLst>
+              <a:ext uri="{FF2B5EF4-FFF2-40B4-BE49-F238E27FC236}">
+                <a16:creationId xmlns:a16="http://schemas.microsoft.com/office/drawing/2014/main" id="{A4AF3500-C277-4206-BF35-873352730B31}"/>
+              </a:ext>
+            </a:extLst>
+          </p:cNvPr>
+          <p:cNvSpPr/>
+          <p:nvPr/>
+        </p:nvSpPr>
+        <p:spPr>
+          <a:xfrm>
+            <a:off x="2728776" y="2734787"/>
+            <a:ext cx="2156859" cy="304800"/>
+          </a:xfrm>
+          <a:prstGeom prst="rect">
+            <a:avLst/>
+          </a:prstGeom>
+          <a:noFill/>
+          <a:ln w="38100">
+            <a:solidFill>
+              <a:srgbClr val="FFFF00"/>
+            </a:solidFill>
+          </a:ln>
+        </p:spPr>
+        <p:style>
+          <a:lnRef idx="2">
+            <a:schemeClr val="accent1">
+              <a:shade val="50000"/>
+            </a:schemeClr>
+          </a:lnRef>
+          <a:fillRef idx="1">
+            <a:schemeClr val="accent1"/>
+          </a:fillRef>
+          <a:effectRef idx="0">
+            <a:schemeClr val="accent1"/>
+          </a:effectRef>
+          <a:fontRef idx="minor">
+            <a:schemeClr val="lt1"/>
+          </a:fontRef>
+        </p:style>
+        <p:txBody>
+          <a:bodyPr rtlCol="0" anchor="ctr"/>
+          <a:lstStyle/>
+          <a:p>
+            <a:pPr algn="ctr"/>
+            <a:endParaRPr lang="zh-TW" altLang="en-US"/>
+          </a:p>
+        </p:txBody>
+      </p:sp>
+      <p:sp>
+        <p:nvSpPr>
+          <p:cNvPr id="10" name="矩形 9">
+            <a:extLst>
+              <a:ext uri="{FF2B5EF4-FFF2-40B4-BE49-F238E27FC236}">
+                <a16:creationId xmlns:a16="http://schemas.microsoft.com/office/drawing/2014/main" id="{840E3604-D709-433C-8644-CCD577684CFD}"/>
+              </a:ext>
+            </a:extLst>
+          </p:cNvPr>
+          <p:cNvSpPr/>
+          <p:nvPr/>
+        </p:nvSpPr>
+        <p:spPr>
+          <a:xfrm>
+            <a:off x="2728776" y="3634236"/>
+            <a:ext cx="2156859" cy="304800"/>
+          </a:xfrm>
+          <a:prstGeom prst="rect">
+            <a:avLst/>
+          </a:prstGeom>
+          <a:noFill/>
+          <a:ln w="38100">
+            <a:solidFill>
+              <a:srgbClr val="FFFF00"/>
+            </a:solidFill>
+          </a:ln>
+        </p:spPr>
+        <p:style>
+          <a:lnRef idx="2">
+            <a:schemeClr val="accent1">
+              <a:shade val="50000"/>
+            </a:schemeClr>
+          </a:lnRef>
+          <a:fillRef idx="1">
+            <a:schemeClr val="accent1"/>
+          </a:fillRef>
+          <a:effectRef idx="0">
+            <a:schemeClr val="accent1"/>
+          </a:effectRef>
+          <a:fontRef idx="minor">
+            <a:schemeClr val="lt1"/>
+          </a:fontRef>
+        </p:style>
+        <p:txBody>
+          <a:bodyPr rtlCol="0" anchor="ctr"/>
+          <a:lstStyle/>
+          <a:p>
+            <a:pPr algn="ctr"/>
+            <a:endParaRPr lang="zh-TW" altLang="en-US"/>
+          </a:p>
+        </p:txBody>
+      </p:sp>
+      <p:sp>
+        <p:nvSpPr>
+          <p:cNvPr id="11" name="矩形 10">
+            <a:extLst>
+              <a:ext uri="{FF2B5EF4-FFF2-40B4-BE49-F238E27FC236}">
+                <a16:creationId xmlns:a16="http://schemas.microsoft.com/office/drawing/2014/main" id="{7DEFB866-F456-4A6D-84E6-F29D42D7E73F}"/>
+              </a:ext>
+            </a:extLst>
+          </p:cNvPr>
+          <p:cNvSpPr/>
+          <p:nvPr/>
+        </p:nvSpPr>
+        <p:spPr>
+          <a:xfrm>
+            <a:off x="2728776" y="4294127"/>
+            <a:ext cx="2156859" cy="304800"/>
+          </a:xfrm>
+          <a:prstGeom prst="rect">
+            <a:avLst/>
+          </a:prstGeom>
+          <a:noFill/>
+          <a:ln w="38100">
+            <a:solidFill>
+              <a:srgbClr val="FFFF00"/>
+            </a:solidFill>
+          </a:ln>
+        </p:spPr>
+        <p:style>
+          <a:lnRef idx="2">
+            <a:schemeClr val="accent1">
+              <a:shade val="50000"/>
+            </a:schemeClr>
+          </a:lnRef>
+          <a:fillRef idx="1">
+            <a:schemeClr val="accent1"/>
+          </a:fillRef>
+          <a:effectRef idx="0">
+            <a:schemeClr val="accent1"/>
+          </a:effectRef>
+          <a:fontRef idx="minor">
+            <a:schemeClr val="lt1"/>
+          </a:fontRef>
+        </p:style>
+        <p:txBody>
+          <a:bodyPr rtlCol="0" anchor="ctr"/>
+          <a:lstStyle/>
+          <a:p>
+            <a:pPr algn="ctr"/>
+            <a:endParaRPr lang="zh-TW" altLang="en-US"/>
+          </a:p>
+        </p:txBody>
+      </p:sp>
+      <p:sp>
+        <p:nvSpPr>
+          <p:cNvPr id="12" name="矩形 11">
+            <a:extLst>
+              <a:ext uri="{FF2B5EF4-FFF2-40B4-BE49-F238E27FC236}">
+                <a16:creationId xmlns:a16="http://schemas.microsoft.com/office/drawing/2014/main" id="{AF4F46B3-DF2C-43EB-BBE8-6EE2A61E0B48}"/>
+              </a:ext>
+            </a:extLst>
+          </p:cNvPr>
+          <p:cNvSpPr/>
+          <p:nvPr/>
+        </p:nvSpPr>
+        <p:spPr>
+          <a:xfrm>
+            <a:off x="2728776" y="4997270"/>
+            <a:ext cx="2156859" cy="304800"/>
+          </a:xfrm>
+          <a:prstGeom prst="rect">
+            <a:avLst/>
+          </a:prstGeom>
+          <a:noFill/>
+          <a:ln w="38100">
+            <a:solidFill>
+              <a:srgbClr val="FFFF00"/>
+            </a:solidFill>
+          </a:ln>
+        </p:spPr>
+        <p:style>
+          <a:lnRef idx="2">
+            <a:schemeClr val="accent1">
+              <a:shade val="50000"/>
+            </a:schemeClr>
+          </a:lnRef>
+          <a:fillRef idx="1">
+            <a:schemeClr val="accent1"/>
+          </a:fillRef>
+          <a:effectRef idx="0">
+            <a:schemeClr val="accent1"/>
+          </a:effectRef>
+          <a:fontRef idx="minor">
+            <a:schemeClr val="lt1"/>
+          </a:fontRef>
+        </p:style>
+        <p:txBody>
+          <a:bodyPr rtlCol="0" anchor="ctr"/>
+          <a:lstStyle/>
+          <a:p>
+            <a:pPr algn="ctr"/>
+            <a:endParaRPr lang="zh-TW" altLang="en-US"/>
+          </a:p>
+        </p:txBody>
+      </p:sp>
     </p:spTree>
     <p:extLst>
       <p:ext uri="{BB962C8B-B14F-4D97-AF65-F5344CB8AC3E}">
@@ -8181,7 +9095,7 @@
                                           </p:stCondLst>
                                         </p:cTn>
                                         <p:tgtEl>
-                                          <p:spTgt spid="9"/>
+                                          <p:spTgt spid="15"/>
                                         </p:tgtEl>
                                         <p:attrNameLst>
                                           <p:attrName>style.visibility</p:attrName>
@@ -8195,7 +9109,7 @@
                                       <p:cBhvr>
                                         <p:cTn id="7" dur="500"/>
                                         <p:tgtEl>
-                                          <p:spTgt spid="9"/>
+                                          <p:spTgt spid="15"/>
                                         </p:tgtEl>
                                       </p:cBhvr>
                                     </p:animEffect>
@@ -8221,7 +9135,7 @@
                             </p:stCondLst>
                             <p:childTnLst>
                               <p:par>
-                                <p:cTn id="10" presetID="10" presetClass="entr" presetSubtype="0" fill="hold" nodeType="clickEffect">
+                                <p:cTn id="10" presetID="10" presetClass="entr" presetSubtype="0" fill="hold" grpId="0" nodeType="clickEffect">
                                   <p:stCondLst>
                                     <p:cond delay="0"/>
                                   </p:stCondLst>
@@ -8229,6 +9143,165 @@
                                     <p:set>
                                       <p:cBhvr>
                                         <p:cTn id="11" dur="1" fill="hold">
+                                          <p:stCondLst>
+                                            <p:cond delay="0"/>
+                                          </p:stCondLst>
+                                        </p:cTn>
+                                        <p:tgtEl>
+                                          <p:spTgt spid="16"/>
+                                        </p:tgtEl>
+                                        <p:attrNameLst>
+                                          <p:attrName>style.visibility</p:attrName>
+                                        </p:attrNameLst>
+                                      </p:cBhvr>
+                                      <p:to>
+                                        <p:strVal val="visible"/>
+                                      </p:to>
+                                    </p:set>
+                                    <p:animEffect transition="in" filter="fade">
+                                      <p:cBhvr>
+                                        <p:cTn id="12" dur="500"/>
+                                        <p:tgtEl>
+                                          <p:spTgt spid="16"/>
+                                        </p:tgtEl>
+                                      </p:cBhvr>
+                                    </p:animEffect>
+                                  </p:childTnLst>
+                                </p:cTn>
+                              </p:par>
+                            </p:childTnLst>
+                          </p:cTn>
+                        </p:par>
+                      </p:childTnLst>
+                    </p:cTn>
+                  </p:par>
+                  <p:par>
+                    <p:cTn id="13" fill="hold">
+                      <p:stCondLst>
+                        <p:cond delay="indefinite"/>
+                      </p:stCondLst>
+                      <p:childTnLst>
+                        <p:par>
+                          <p:cTn id="14" fill="hold">
+                            <p:stCondLst>
+                              <p:cond delay="0"/>
+                            </p:stCondLst>
+                            <p:childTnLst>
+                              <p:par>
+                                <p:cTn id="15" presetID="10" presetClass="entr" presetSubtype="0" fill="hold" grpId="0" nodeType="clickEffect">
+                                  <p:stCondLst>
+                                    <p:cond delay="0"/>
+                                  </p:stCondLst>
+                                  <p:childTnLst>
+                                    <p:set>
+                                      <p:cBhvr>
+                                        <p:cTn id="16" dur="1" fill="hold">
+                                          <p:stCondLst>
+                                            <p:cond delay="0"/>
+                                          </p:stCondLst>
+                                        </p:cTn>
+                                        <p:tgtEl>
+                                          <p:spTgt spid="17"/>
+                                        </p:tgtEl>
+                                        <p:attrNameLst>
+                                          <p:attrName>style.visibility</p:attrName>
+                                        </p:attrNameLst>
+                                      </p:cBhvr>
+                                      <p:to>
+                                        <p:strVal val="visible"/>
+                                      </p:to>
+                                    </p:set>
+                                    <p:animEffect transition="in" filter="fade">
+                                      <p:cBhvr>
+                                        <p:cTn id="17" dur="500"/>
+                                        <p:tgtEl>
+                                          <p:spTgt spid="17"/>
+                                        </p:tgtEl>
+                                      </p:cBhvr>
+                                    </p:animEffect>
+                                  </p:childTnLst>
+                                </p:cTn>
+                              </p:par>
+                            </p:childTnLst>
+                          </p:cTn>
+                        </p:par>
+                      </p:childTnLst>
+                    </p:cTn>
+                  </p:par>
+                  <p:par>
+                    <p:cTn id="18" fill="hold">
+                      <p:stCondLst>
+                        <p:cond delay="indefinite"/>
+                      </p:stCondLst>
+                      <p:childTnLst>
+                        <p:par>
+                          <p:cTn id="19" fill="hold">
+                            <p:stCondLst>
+                              <p:cond delay="0"/>
+                            </p:stCondLst>
+                            <p:childTnLst>
+                              <p:par>
+                                <p:cTn id="20" presetID="10" presetClass="entr" presetSubtype="0" fill="hold" grpId="0" nodeType="clickEffect">
+                                  <p:stCondLst>
+                                    <p:cond delay="0"/>
+                                  </p:stCondLst>
+                                  <p:childTnLst>
+                                    <p:set>
+                                      <p:cBhvr>
+                                        <p:cTn id="21" dur="1" fill="hold">
+                                          <p:stCondLst>
+                                            <p:cond delay="0"/>
+                                          </p:stCondLst>
+                                        </p:cTn>
+                                        <p:tgtEl>
+                                          <p:spTgt spid="9"/>
+                                        </p:tgtEl>
+                                        <p:attrNameLst>
+                                          <p:attrName>style.visibility</p:attrName>
+                                        </p:attrNameLst>
+                                      </p:cBhvr>
+                                      <p:to>
+                                        <p:strVal val="visible"/>
+                                      </p:to>
+                                    </p:set>
+                                    <p:animEffect transition="in" filter="fade">
+                                      <p:cBhvr>
+                                        <p:cTn id="22" dur="500"/>
+                                        <p:tgtEl>
+                                          <p:spTgt spid="9"/>
+                                        </p:tgtEl>
+                                      </p:cBhvr>
+                                    </p:animEffect>
+                                  </p:childTnLst>
+                                </p:cTn>
+                              </p:par>
+                            </p:childTnLst>
+                          </p:cTn>
+                        </p:par>
+                      </p:childTnLst>
+                    </p:cTn>
+                  </p:par>
+                  <p:par>
+                    <p:cTn id="23" fill="hold">
+                      <p:stCondLst>
+                        <p:cond delay="indefinite"/>
+                      </p:stCondLst>
+                      <p:childTnLst>
+                        <p:par>
+                          <p:cTn id="24" fill="hold">
+                            <p:stCondLst>
+                              <p:cond delay="0"/>
+                            </p:stCondLst>
+                            <p:childTnLst>
+                              <p:par>
+                                <p:cTn id="25" presetID="10" presetClass="entr" presetSubtype="0" fill="hold" nodeType="clickEffect">
+                                  <p:stCondLst>
+                                    <p:cond delay="0"/>
+                                  </p:stCondLst>
+                                  <p:childTnLst>
+                                    <p:set>
+                                      <p:cBhvr>
+                                        <p:cTn id="26" dur="1" fill="hold">
                                           <p:stCondLst>
                                             <p:cond delay="0"/>
                                           </p:stCondLst>
@@ -8246,9 +9319,380 @@
                                     </p:set>
                                     <p:animEffect transition="in" filter="fade">
                                       <p:cBhvr>
-                                        <p:cTn id="12" dur="500"/>
+                                        <p:cTn id="27" dur="500"/>
                                         <p:tgtEl>
                                           <p:spTgt spid="3"/>
+                                        </p:tgtEl>
+                                      </p:cBhvr>
+                                    </p:animEffect>
+                                  </p:childTnLst>
+                                </p:cTn>
+                              </p:par>
+                            </p:childTnLst>
+                          </p:cTn>
+                        </p:par>
+                      </p:childTnLst>
+                    </p:cTn>
+                  </p:par>
+                  <p:par>
+                    <p:cTn id="28" fill="hold">
+                      <p:stCondLst>
+                        <p:cond delay="indefinite"/>
+                      </p:stCondLst>
+                      <p:childTnLst>
+                        <p:par>
+                          <p:cTn id="29" fill="hold">
+                            <p:stCondLst>
+                              <p:cond delay="0"/>
+                            </p:stCondLst>
+                            <p:childTnLst>
+                              <p:par>
+                                <p:cTn id="30" presetID="10" presetClass="entr" presetSubtype="0" fill="hold" grpId="0" nodeType="clickEffect">
+                                  <p:stCondLst>
+                                    <p:cond delay="0"/>
+                                  </p:stCondLst>
+                                  <p:childTnLst>
+                                    <p:set>
+                                      <p:cBhvr>
+                                        <p:cTn id="31" dur="1" fill="hold">
+                                          <p:stCondLst>
+                                            <p:cond delay="0"/>
+                                          </p:stCondLst>
+                                        </p:cTn>
+                                        <p:tgtEl>
+                                          <p:spTgt spid="4"/>
+                                        </p:tgtEl>
+                                        <p:attrNameLst>
+                                          <p:attrName>style.visibility</p:attrName>
+                                        </p:attrNameLst>
+                                      </p:cBhvr>
+                                      <p:to>
+                                        <p:strVal val="visible"/>
+                                      </p:to>
+                                    </p:set>
+                                    <p:animEffect transition="in" filter="fade">
+                                      <p:cBhvr>
+                                        <p:cTn id="32" dur="500"/>
+                                        <p:tgtEl>
+                                          <p:spTgt spid="4"/>
+                                        </p:tgtEl>
+                                      </p:cBhvr>
+                                    </p:animEffect>
+                                  </p:childTnLst>
+                                </p:cTn>
+                              </p:par>
+                            </p:childTnLst>
+                          </p:cTn>
+                        </p:par>
+                      </p:childTnLst>
+                    </p:cTn>
+                  </p:par>
+                  <p:par>
+                    <p:cTn id="33" fill="hold">
+                      <p:stCondLst>
+                        <p:cond delay="indefinite"/>
+                      </p:stCondLst>
+                      <p:childTnLst>
+                        <p:par>
+                          <p:cTn id="34" fill="hold">
+                            <p:stCondLst>
+                              <p:cond delay="0"/>
+                            </p:stCondLst>
+                            <p:childTnLst>
+                              <p:par>
+                                <p:cTn id="35" presetID="10" presetClass="exit" presetSubtype="0" fill="hold" grpId="1" nodeType="clickEffect">
+                                  <p:stCondLst>
+                                    <p:cond delay="0"/>
+                                  </p:stCondLst>
+                                  <p:childTnLst>
+                                    <p:animEffect transition="out" filter="fade">
+                                      <p:cBhvr>
+                                        <p:cTn id="36" dur="500"/>
+                                        <p:tgtEl>
+                                          <p:spTgt spid="4"/>
+                                        </p:tgtEl>
+                                      </p:cBhvr>
+                                    </p:animEffect>
+                                    <p:set>
+                                      <p:cBhvr>
+                                        <p:cTn id="37" dur="1" fill="hold">
+                                          <p:stCondLst>
+                                            <p:cond delay="499"/>
+                                          </p:stCondLst>
+                                        </p:cTn>
+                                        <p:tgtEl>
+                                          <p:spTgt spid="4"/>
+                                        </p:tgtEl>
+                                        <p:attrNameLst>
+                                          <p:attrName>style.visibility</p:attrName>
+                                        </p:attrNameLst>
+                                      </p:cBhvr>
+                                      <p:to>
+                                        <p:strVal val="hidden"/>
+                                      </p:to>
+                                    </p:set>
+                                  </p:childTnLst>
+                                </p:cTn>
+                              </p:par>
+                            </p:childTnLst>
+                          </p:cTn>
+                        </p:par>
+                      </p:childTnLst>
+                    </p:cTn>
+                  </p:par>
+                  <p:par>
+                    <p:cTn id="38" fill="hold">
+                      <p:stCondLst>
+                        <p:cond delay="indefinite"/>
+                      </p:stCondLst>
+                      <p:childTnLst>
+                        <p:par>
+                          <p:cTn id="39" fill="hold">
+                            <p:stCondLst>
+                              <p:cond delay="0"/>
+                            </p:stCondLst>
+                            <p:childTnLst>
+                              <p:par>
+                                <p:cTn id="40" presetID="10" presetClass="entr" presetSubtype="0" fill="hold" grpId="0" nodeType="clickEffect">
+                                  <p:stCondLst>
+                                    <p:cond delay="0"/>
+                                  </p:stCondLst>
+                                  <p:childTnLst>
+                                    <p:set>
+                                      <p:cBhvr>
+                                        <p:cTn id="41" dur="1" fill="hold">
+                                          <p:stCondLst>
+                                            <p:cond delay="0"/>
+                                          </p:stCondLst>
+                                        </p:cTn>
+                                        <p:tgtEl>
+                                          <p:spTgt spid="10"/>
+                                        </p:tgtEl>
+                                        <p:attrNameLst>
+                                          <p:attrName>style.visibility</p:attrName>
+                                        </p:attrNameLst>
+                                      </p:cBhvr>
+                                      <p:to>
+                                        <p:strVal val="visible"/>
+                                      </p:to>
+                                    </p:set>
+                                    <p:animEffect transition="in" filter="fade">
+                                      <p:cBhvr>
+                                        <p:cTn id="42" dur="500"/>
+                                        <p:tgtEl>
+                                          <p:spTgt spid="10"/>
+                                        </p:tgtEl>
+                                      </p:cBhvr>
+                                    </p:animEffect>
+                                  </p:childTnLst>
+                                </p:cTn>
+                              </p:par>
+                            </p:childTnLst>
+                          </p:cTn>
+                        </p:par>
+                      </p:childTnLst>
+                    </p:cTn>
+                  </p:par>
+                  <p:par>
+                    <p:cTn id="43" fill="hold">
+                      <p:stCondLst>
+                        <p:cond delay="indefinite"/>
+                      </p:stCondLst>
+                      <p:childTnLst>
+                        <p:par>
+                          <p:cTn id="44" fill="hold">
+                            <p:stCondLst>
+                              <p:cond delay="0"/>
+                            </p:stCondLst>
+                            <p:childTnLst>
+                              <p:par>
+                                <p:cTn id="45" presetID="10" presetClass="exit" presetSubtype="0" fill="hold" grpId="1" nodeType="clickEffect">
+                                  <p:stCondLst>
+                                    <p:cond delay="0"/>
+                                  </p:stCondLst>
+                                  <p:childTnLst>
+                                    <p:animEffect transition="out" filter="fade">
+                                      <p:cBhvr>
+                                        <p:cTn id="46" dur="500"/>
+                                        <p:tgtEl>
+                                          <p:spTgt spid="10"/>
+                                        </p:tgtEl>
+                                      </p:cBhvr>
+                                    </p:animEffect>
+                                    <p:set>
+                                      <p:cBhvr>
+                                        <p:cTn id="47" dur="1" fill="hold">
+                                          <p:stCondLst>
+                                            <p:cond delay="499"/>
+                                          </p:stCondLst>
+                                        </p:cTn>
+                                        <p:tgtEl>
+                                          <p:spTgt spid="10"/>
+                                        </p:tgtEl>
+                                        <p:attrNameLst>
+                                          <p:attrName>style.visibility</p:attrName>
+                                        </p:attrNameLst>
+                                      </p:cBhvr>
+                                      <p:to>
+                                        <p:strVal val="hidden"/>
+                                      </p:to>
+                                    </p:set>
+                                  </p:childTnLst>
+                                </p:cTn>
+                              </p:par>
+                            </p:childTnLst>
+                          </p:cTn>
+                        </p:par>
+                      </p:childTnLst>
+                    </p:cTn>
+                  </p:par>
+                  <p:par>
+                    <p:cTn id="48" fill="hold">
+                      <p:stCondLst>
+                        <p:cond delay="indefinite"/>
+                      </p:stCondLst>
+                      <p:childTnLst>
+                        <p:par>
+                          <p:cTn id="49" fill="hold">
+                            <p:stCondLst>
+                              <p:cond delay="0"/>
+                            </p:stCondLst>
+                            <p:childTnLst>
+                              <p:par>
+                                <p:cTn id="50" presetID="10" presetClass="entr" presetSubtype="0" fill="hold" grpId="0" nodeType="clickEffect">
+                                  <p:stCondLst>
+                                    <p:cond delay="0"/>
+                                  </p:stCondLst>
+                                  <p:childTnLst>
+                                    <p:set>
+                                      <p:cBhvr>
+                                        <p:cTn id="51" dur="1" fill="hold">
+                                          <p:stCondLst>
+                                            <p:cond delay="0"/>
+                                          </p:stCondLst>
+                                        </p:cTn>
+                                        <p:tgtEl>
+                                          <p:spTgt spid="11"/>
+                                        </p:tgtEl>
+                                        <p:attrNameLst>
+                                          <p:attrName>style.visibility</p:attrName>
+                                        </p:attrNameLst>
+                                      </p:cBhvr>
+                                      <p:to>
+                                        <p:strVal val="visible"/>
+                                      </p:to>
+                                    </p:set>
+                                    <p:animEffect transition="in" filter="fade">
+                                      <p:cBhvr>
+                                        <p:cTn id="52" dur="500"/>
+                                        <p:tgtEl>
+                                          <p:spTgt spid="11"/>
+                                        </p:tgtEl>
+                                      </p:cBhvr>
+                                    </p:animEffect>
+                                  </p:childTnLst>
+                                </p:cTn>
+                              </p:par>
+                            </p:childTnLst>
+                          </p:cTn>
+                        </p:par>
+                      </p:childTnLst>
+                    </p:cTn>
+                  </p:par>
+                  <p:par>
+                    <p:cTn id="53" fill="hold">
+                      <p:stCondLst>
+                        <p:cond delay="indefinite"/>
+                      </p:stCondLst>
+                      <p:childTnLst>
+                        <p:par>
+                          <p:cTn id="54" fill="hold">
+                            <p:stCondLst>
+                              <p:cond delay="0"/>
+                            </p:stCondLst>
+                            <p:childTnLst>
+                              <p:par>
+                                <p:cTn id="55" presetID="10" presetClass="exit" presetSubtype="0" fill="hold" grpId="1" nodeType="clickEffect">
+                                  <p:stCondLst>
+                                    <p:cond delay="0"/>
+                                  </p:stCondLst>
+                                  <p:childTnLst>
+                                    <p:animEffect transition="out" filter="fade">
+                                      <p:cBhvr>
+                                        <p:cTn id="56" dur="500"/>
+                                        <p:tgtEl>
+                                          <p:spTgt spid="11"/>
+                                        </p:tgtEl>
+                                      </p:cBhvr>
+                                    </p:animEffect>
+                                    <p:set>
+                                      <p:cBhvr>
+                                        <p:cTn id="57" dur="1" fill="hold">
+                                          <p:stCondLst>
+                                            <p:cond delay="499"/>
+                                          </p:stCondLst>
+                                        </p:cTn>
+                                        <p:tgtEl>
+                                          <p:spTgt spid="11"/>
+                                        </p:tgtEl>
+                                        <p:attrNameLst>
+                                          <p:attrName>style.visibility</p:attrName>
+                                        </p:attrNameLst>
+                                      </p:cBhvr>
+                                      <p:to>
+                                        <p:strVal val="hidden"/>
+                                      </p:to>
+                                    </p:set>
+                                  </p:childTnLst>
+                                </p:cTn>
+                              </p:par>
+                            </p:childTnLst>
+                          </p:cTn>
+                        </p:par>
+                      </p:childTnLst>
+                    </p:cTn>
+                  </p:par>
+                  <p:par>
+                    <p:cTn id="58" fill="hold">
+                      <p:stCondLst>
+                        <p:cond delay="indefinite"/>
+                      </p:stCondLst>
+                      <p:childTnLst>
+                        <p:par>
+                          <p:cTn id="59" fill="hold">
+                            <p:stCondLst>
+                              <p:cond delay="0"/>
+                            </p:stCondLst>
+                            <p:childTnLst>
+                              <p:par>
+                                <p:cTn id="60" presetID="10" presetClass="entr" presetSubtype="0" fill="hold" grpId="0" nodeType="clickEffect">
+                                  <p:stCondLst>
+                                    <p:cond delay="0"/>
+                                  </p:stCondLst>
+                                  <p:childTnLst>
+                                    <p:set>
+                                      <p:cBhvr>
+                                        <p:cTn id="61" dur="1" fill="hold">
+                                          <p:stCondLst>
+                                            <p:cond delay="0"/>
+                                          </p:stCondLst>
+                                        </p:cTn>
+                                        <p:tgtEl>
+                                          <p:spTgt spid="12"/>
+                                        </p:tgtEl>
+                                        <p:attrNameLst>
+                                          <p:attrName>style.visibility</p:attrName>
+                                        </p:attrNameLst>
+                                      </p:cBhvr>
+                                      <p:to>
+                                        <p:strVal val="visible"/>
+                                      </p:to>
+                                    </p:set>
+                                    <p:animEffect transition="in" filter="fade">
+                                      <p:cBhvr>
+                                        <p:cTn id="62" dur="500"/>
+                                        <p:tgtEl>
+                                          <p:spTgt spid="12"/>
                                         </p:tgtEl>
                                       </p:cBhvr>
                                     </p:animEffect>
@@ -8284,6 +9728,16 @@
     </p:tnLst>
     <p:bldLst>
       <p:bldP spid="9" grpId="0" animBg="1"/>
+      <p:bldP spid="15" grpId="0"/>
+      <p:bldP spid="16" grpId="0"/>
+      <p:bldP spid="17" grpId="0"/>
+      <p:bldP spid="4" grpId="0" animBg="1"/>
+      <p:bldP spid="4" grpId="1" animBg="1"/>
+      <p:bldP spid="10" grpId="0" animBg="1"/>
+      <p:bldP spid="10" grpId="1" animBg="1"/>
+      <p:bldP spid="11" grpId="0" animBg="1"/>
+      <p:bldP spid="11" grpId="1" animBg="1"/>
+      <p:bldP spid="12" grpId="0" animBg="1"/>
     </p:bldLst>
   </p:timing>
 </p:sld>
@@ -8652,6 +10106,272 @@
   <p:clrMapOvr>
     <a:masterClrMapping/>
   </p:clrMapOvr>
+  <p:timing>
+    <p:tnLst>
+      <p:par>
+        <p:cTn id="1" dur="indefinite" restart="never" nodeType="tmRoot">
+          <p:childTnLst>
+            <p:seq concurrent="1" nextAc="seek">
+              <p:cTn id="2" dur="indefinite" nodeType="mainSeq">
+                <p:childTnLst>
+                  <p:par>
+                    <p:cTn id="3" fill="hold">
+                      <p:stCondLst>
+                        <p:cond delay="indefinite"/>
+                      </p:stCondLst>
+                      <p:childTnLst>
+                        <p:par>
+                          <p:cTn id="4" fill="hold">
+                            <p:stCondLst>
+                              <p:cond delay="0"/>
+                            </p:stCondLst>
+                            <p:childTnLst>
+                              <p:par>
+                                <p:cTn id="5" presetID="10" presetClass="entr" presetSubtype="0" fill="hold" grpId="0" nodeType="clickEffect">
+                                  <p:stCondLst>
+                                    <p:cond delay="0"/>
+                                  </p:stCondLst>
+                                  <p:childTnLst>
+                                    <p:set>
+                                      <p:cBhvr>
+                                        <p:cTn id="6" dur="1" fill="hold">
+                                          <p:stCondLst>
+                                            <p:cond delay="0"/>
+                                          </p:stCondLst>
+                                        </p:cTn>
+                                        <p:tgtEl>
+                                          <p:spTgt spid="9"/>
+                                        </p:tgtEl>
+                                        <p:attrNameLst>
+                                          <p:attrName>style.visibility</p:attrName>
+                                        </p:attrNameLst>
+                                      </p:cBhvr>
+                                      <p:to>
+                                        <p:strVal val="visible"/>
+                                      </p:to>
+                                    </p:set>
+                                    <p:animEffect transition="in" filter="fade">
+                                      <p:cBhvr>
+                                        <p:cTn id="7" dur="500"/>
+                                        <p:tgtEl>
+                                          <p:spTgt spid="9"/>
+                                        </p:tgtEl>
+                                      </p:cBhvr>
+                                    </p:animEffect>
+                                  </p:childTnLst>
+                                </p:cTn>
+                              </p:par>
+                              <p:par>
+                                <p:cTn id="8" presetID="10" presetClass="entr" presetSubtype="0" fill="hold" grpId="0" nodeType="withEffect">
+                                  <p:stCondLst>
+                                    <p:cond delay="0"/>
+                                  </p:stCondLst>
+                                  <p:childTnLst>
+                                    <p:set>
+                                      <p:cBhvr>
+                                        <p:cTn id="9" dur="1" fill="hold">
+                                          <p:stCondLst>
+                                            <p:cond delay="0"/>
+                                          </p:stCondLst>
+                                        </p:cTn>
+                                        <p:tgtEl>
+                                          <p:spTgt spid="11"/>
+                                        </p:tgtEl>
+                                        <p:attrNameLst>
+                                          <p:attrName>style.visibility</p:attrName>
+                                        </p:attrNameLst>
+                                      </p:cBhvr>
+                                      <p:to>
+                                        <p:strVal val="visible"/>
+                                      </p:to>
+                                    </p:set>
+                                    <p:animEffect transition="in" filter="fade">
+                                      <p:cBhvr>
+                                        <p:cTn id="10" dur="500"/>
+                                        <p:tgtEl>
+                                          <p:spTgt spid="11"/>
+                                        </p:tgtEl>
+                                      </p:cBhvr>
+                                    </p:animEffect>
+                                  </p:childTnLst>
+                                </p:cTn>
+                              </p:par>
+                              <p:par>
+                                <p:cTn id="11" presetID="10" presetClass="entr" presetSubtype="0" fill="hold" grpId="0" nodeType="withEffect">
+                                  <p:stCondLst>
+                                    <p:cond delay="0"/>
+                                  </p:stCondLst>
+                                  <p:childTnLst>
+                                    <p:set>
+                                      <p:cBhvr>
+                                        <p:cTn id="12" dur="1" fill="hold">
+                                          <p:stCondLst>
+                                            <p:cond delay="0"/>
+                                          </p:stCondLst>
+                                        </p:cTn>
+                                        <p:tgtEl>
+                                          <p:spTgt spid="5"/>
+                                        </p:tgtEl>
+                                        <p:attrNameLst>
+                                          <p:attrName>style.visibility</p:attrName>
+                                        </p:attrNameLst>
+                                      </p:cBhvr>
+                                      <p:to>
+                                        <p:strVal val="visible"/>
+                                      </p:to>
+                                    </p:set>
+                                    <p:animEffect transition="in" filter="fade">
+                                      <p:cBhvr>
+                                        <p:cTn id="13" dur="500"/>
+                                        <p:tgtEl>
+                                          <p:spTgt spid="5"/>
+                                        </p:tgtEl>
+                                      </p:cBhvr>
+                                    </p:animEffect>
+                                  </p:childTnLst>
+                                </p:cTn>
+                              </p:par>
+                            </p:childTnLst>
+                          </p:cTn>
+                        </p:par>
+                      </p:childTnLst>
+                    </p:cTn>
+                  </p:par>
+                  <p:par>
+                    <p:cTn id="14" fill="hold">
+                      <p:stCondLst>
+                        <p:cond delay="indefinite"/>
+                      </p:stCondLst>
+                      <p:childTnLst>
+                        <p:par>
+                          <p:cTn id="15" fill="hold">
+                            <p:stCondLst>
+                              <p:cond delay="0"/>
+                            </p:stCondLst>
+                            <p:childTnLst>
+                              <p:par>
+                                <p:cTn id="16" presetID="10" presetClass="entr" presetSubtype="0" fill="hold" grpId="0" nodeType="clickEffect">
+                                  <p:stCondLst>
+                                    <p:cond delay="0"/>
+                                  </p:stCondLst>
+                                  <p:childTnLst>
+                                    <p:set>
+                                      <p:cBhvr>
+                                        <p:cTn id="17" dur="1" fill="hold">
+                                          <p:stCondLst>
+                                            <p:cond delay="0"/>
+                                          </p:stCondLst>
+                                        </p:cTn>
+                                        <p:tgtEl>
+                                          <p:spTgt spid="15"/>
+                                        </p:tgtEl>
+                                        <p:attrNameLst>
+                                          <p:attrName>style.visibility</p:attrName>
+                                        </p:attrNameLst>
+                                      </p:cBhvr>
+                                      <p:to>
+                                        <p:strVal val="visible"/>
+                                      </p:to>
+                                    </p:set>
+                                    <p:animEffect transition="in" filter="fade">
+                                      <p:cBhvr>
+                                        <p:cTn id="18" dur="500"/>
+                                        <p:tgtEl>
+                                          <p:spTgt spid="15"/>
+                                        </p:tgtEl>
+                                      </p:cBhvr>
+                                    </p:animEffect>
+                                  </p:childTnLst>
+                                </p:cTn>
+                              </p:par>
+                            </p:childTnLst>
+                          </p:cTn>
+                        </p:par>
+                      </p:childTnLst>
+                    </p:cTn>
+                  </p:par>
+                  <p:par>
+                    <p:cTn id="19" fill="hold">
+                      <p:stCondLst>
+                        <p:cond delay="indefinite"/>
+                      </p:stCondLst>
+                      <p:childTnLst>
+                        <p:par>
+                          <p:cTn id="20" fill="hold">
+                            <p:stCondLst>
+                              <p:cond delay="0"/>
+                            </p:stCondLst>
+                            <p:childTnLst>
+                              <p:par>
+                                <p:cTn id="21" presetID="10" presetClass="entr" presetSubtype="0" fill="hold" grpId="0" nodeType="clickEffect">
+                                  <p:stCondLst>
+                                    <p:cond delay="0"/>
+                                  </p:stCondLst>
+                                  <p:childTnLst>
+                                    <p:set>
+                                      <p:cBhvr>
+                                        <p:cTn id="22" dur="1" fill="hold">
+                                          <p:stCondLst>
+                                            <p:cond delay="0"/>
+                                          </p:stCondLst>
+                                        </p:cTn>
+                                        <p:tgtEl>
+                                          <p:spTgt spid="16"/>
+                                        </p:tgtEl>
+                                        <p:attrNameLst>
+                                          <p:attrName>style.visibility</p:attrName>
+                                        </p:attrNameLst>
+                                      </p:cBhvr>
+                                      <p:to>
+                                        <p:strVal val="visible"/>
+                                      </p:to>
+                                    </p:set>
+                                    <p:animEffect transition="in" filter="fade">
+                                      <p:cBhvr>
+                                        <p:cTn id="23" dur="500"/>
+                                        <p:tgtEl>
+                                          <p:spTgt spid="16"/>
+                                        </p:tgtEl>
+                                      </p:cBhvr>
+                                    </p:animEffect>
+                                  </p:childTnLst>
+                                </p:cTn>
+                              </p:par>
+                            </p:childTnLst>
+                          </p:cTn>
+                        </p:par>
+                      </p:childTnLst>
+                    </p:cTn>
+                  </p:par>
+                </p:childTnLst>
+              </p:cTn>
+              <p:prevCondLst>
+                <p:cond evt="onPrev" delay="0">
+                  <p:tgtEl>
+                    <p:sldTgt/>
+                  </p:tgtEl>
+                </p:cond>
+              </p:prevCondLst>
+              <p:nextCondLst>
+                <p:cond evt="onNext" delay="0">
+                  <p:tgtEl>
+                    <p:sldTgt/>
+                  </p:tgtEl>
+                </p:cond>
+              </p:nextCondLst>
+            </p:seq>
+          </p:childTnLst>
+        </p:cTn>
+      </p:par>
+    </p:tnLst>
+    <p:bldLst>
+      <p:bldP spid="9" grpId="0" animBg="1"/>
+      <p:bldP spid="15" grpId="0"/>
+      <p:bldP spid="16" grpId="0"/>
+      <p:bldP spid="11" grpId="0" animBg="1"/>
+      <p:bldP spid="5" grpId="0" animBg="1"/>
+    </p:bldLst>
+  </p:timing>
 </p:sld>
 </file>
 
@@ -9021,7 +10741,7 @@
         </p:nvSpPr>
         <p:spPr>
           <a:xfrm>
-            <a:off x="2592707" y="5030942"/>
+            <a:off x="6331593" y="1250447"/>
             <a:ext cx="5173019" cy="1451987"/>
           </a:xfrm>
           <a:prstGeom prst="rect">
@@ -9049,156 +10769,7 @@
           <a:lstStyle/>
           <a:p>
             <a:pPr algn="ctr"/>
-            <a:endParaRPr lang="zh-TW" altLang="en-US"/>
-          </a:p>
-        </p:txBody>
-      </p:sp>
-      <p:sp>
-        <p:nvSpPr>
-          <p:cNvPr id="6" name="文字方塊 5">
-            <a:extLst>
-              <a:ext uri="{FF2B5EF4-FFF2-40B4-BE49-F238E27FC236}">
-                <a16:creationId xmlns:a16="http://schemas.microsoft.com/office/drawing/2014/main" id="{819024C9-F868-4F57-A50C-5C52DD8A315F}"/>
-              </a:ext>
-            </a:extLst>
-          </p:cNvPr>
-          <p:cNvSpPr txBox="1"/>
-          <p:nvPr/>
-        </p:nvSpPr>
-        <p:spPr>
-          <a:xfrm>
-            <a:off x="8280580" y="3892052"/>
-            <a:ext cx="466509" cy="461665"/>
-          </a:xfrm>
-          <a:prstGeom prst="rect">
-            <a:avLst/>
-          </a:prstGeom>
-          <a:noFill/>
-        </p:spPr>
-        <p:txBody>
-          <a:bodyPr wrap="square" rtlCol="0">
-            <a:spAutoFit/>
-          </a:bodyPr>
-          <a:lstStyle/>
-          <a:p>
-            <a:r>
-              <a:rPr lang="zh-TW" altLang="en-US" sz="2400" dirty="0">
-                <a:solidFill>
-                  <a:srgbClr val="0000FF"/>
-                </a:solidFill>
-                <a:sym typeface="Wingdings" panose="05000000000000000000" pitchFamily="2" charset="2"/>
-              </a:rPr>
-              <a:t></a:t>
-            </a:r>
-            <a:endParaRPr lang="zh-TW" altLang="en-US" sz="2400" dirty="0">
-              <a:solidFill>
-                <a:srgbClr val="0000FF"/>
-              </a:solidFill>
-            </a:endParaRPr>
-          </a:p>
-        </p:txBody>
-      </p:sp>
-      <p:sp>
-        <p:nvSpPr>
-          <p:cNvPr id="7" name="箭號: 向下 6">
-            <a:extLst>
-              <a:ext uri="{FF2B5EF4-FFF2-40B4-BE49-F238E27FC236}">
-                <a16:creationId xmlns:a16="http://schemas.microsoft.com/office/drawing/2014/main" id="{C3A432E8-B7A2-4A49-8612-696DDAEEAA13}"/>
-              </a:ext>
-            </a:extLst>
-          </p:cNvPr>
-          <p:cNvSpPr/>
-          <p:nvPr/>
-        </p:nvSpPr>
-        <p:spPr>
-          <a:xfrm rot="10800000">
-            <a:off x="8395950" y="3429000"/>
-            <a:ext cx="235768" cy="528994"/>
-          </a:xfrm>
-          <a:prstGeom prst="downArrow">
-            <a:avLst/>
-          </a:prstGeom>
-          <a:solidFill>
-            <a:srgbClr val="FF0000"/>
-          </a:solidFill>
-          <a:ln>
-            <a:noFill/>
-          </a:ln>
-        </p:spPr>
-        <p:style>
-          <a:lnRef idx="2">
-            <a:schemeClr val="accent1">
-              <a:shade val="50000"/>
-            </a:schemeClr>
-          </a:lnRef>
-          <a:fillRef idx="1">
-            <a:schemeClr val="accent1"/>
-          </a:fillRef>
-          <a:effectRef idx="0">
-            <a:schemeClr val="accent1"/>
-          </a:effectRef>
-          <a:fontRef idx="minor">
-            <a:schemeClr val="lt1"/>
-          </a:fontRef>
-        </p:style>
-        <p:txBody>
-          <a:bodyPr rtlCol="0" anchor="ctr"/>
-          <a:lstStyle/>
-          <a:p>
-            <a:pPr algn="ctr"/>
-            <a:endParaRPr lang="zh-TW" altLang="en-US"/>
-          </a:p>
-        </p:txBody>
-      </p:sp>
-      <p:sp>
-        <p:nvSpPr>
-          <p:cNvPr id="8" name="箭號: 向下 7">
-            <a:extLst>
-              <a:ext uri="{FF2B5EF4-FFF2-40B4-BE49-F238E27FC236}">
-                <a16:creationId xmlns:a16="http://schemas.microsoft.com/office/drawing/2014/main" id="{55395962-53B0-4F43-B045-D60F6323700F}"/>
-              </a:ext>
-            </a:extLst>
-          </p:cNvPr>
-          <p:cNvSpPr/>
-          <p:nvPr/>
-        </p:nvSpPr>
-        <p:spPr>
-          <a:xfrm rot="2663093">
-            <a:off x="7646065" y="3366479"/>
-            <a:ext cx="174438" cy="327101"/>
-          </a:xfrm>
-          <a:prstGeom prst="downArrow">
-            <a:avLst/>
-          </a:prstGeom>
-          <a:solidFill>
-            <a:srgbClr val="FF0000"/>
-          </a:solidFill>
-          <a:ln>
-            <a:noFill/>
-          </a:ln>
-        </p:spPr>
-        <p:style>
-          <a:lnRef idx="2">
-            <a:schemeClr val="accent1">
-              <a:shade val="50000"/>
-            </a:schemeClr>
-          </a:lnRef>
-          <a:fillRef idx="1">
-            <a:schemeClr val="accent1"/>
-          </a:fillRef>
-          <a:effectRef idx="0">
-            <a:schemeClr val="accent1"/>
-          </a:effectRef>
-          <a:fontRef idx="minor">
-            <a:schemeClr val="lt1"/>
-          </a:fontRef>
-        </p:style>
-        <p:txBody>
-          <a:bodyPr rtlCol="0" anchor="ctr"/>
-          <a:lstStyle/>
-          <a:p>
-            <a:pPr algn="ctr"/>
-            <a:endParaRPr lang="zh-TW" altLang="en-US"/>
+            <a:endParaRPr lang="zh-TW" altLang="en-US" dirty="0"/>
           </a:p>
         </p:txBody>
       </p:sp>
@@ -9274,12 +10845,96 @@
           </a:p>
         </p:txBody>
       </p:sp>
+      <p:pic>
+        <p:nvPicPr>
+          <p:cNvPr id="13" name="內容版面配置區 3">
+            <a:extLst>
+              <a:ext uri="{FF2B5EF4-FFF2-40B4-BE49-F238E27FC236}">
+                <a16:creationId xmlns:a16="http://schemas.microsoft.com/office/drawing/2014/main" id="{BD212492-81FC-46A8-98A4-2E1DB362F1DB}"/>
+              </a:ext>
+            </a:extLst>
+          </p:cNvPr>
+          <p:cNvPicPr>
+            <a:picLocks/>
+          </p:cNvPicPr>
+          <p:nvPr/>
+        </p:nvPicPr>
+        <p:blipFill rotWithShape="1">
+          <a:blip r:embed="rId2">
+            <a:extLst>
+              <a:ext uri="{28A0092B-C50C-407E-A947-70E740481C1C}">
+                <a14:useLocalDpi xmlns:a14="http://schemas.microsoft.com/office/drawing/2010/main" val="0"/>
+              </a:ext>
+            </a:extLst>
+          </a:blip>
+          <a:srcRect t="38175" b="26998"/>
+          <a:stretch/>
+        </p:blipFill>
+        <p:spPr bwMode="auto">
+          <a:xfrm>
+            <a:off x="1772278" y="1949380"/>
+            <a:ext cx="9118630" cy="3827030"/>
+          </a:xfrm>
+          <a:prstGeom prst="rect">
+            <a:avLst/>
+          </a:prstGeom>
+          <a:noFill/>
+          <a:ln>
+            <a:noFill/>
+          </a:ln>
+        </p:spPr>
+      </p:pic>
       <p:sp>
         <p:nvSpPr>
-          <p:cNvPr id="11" name="矩形 10">
+          <p:cNvPr id="6" name="文字方塊 5">
             <a:extLst>
               <a:ext uri="{FF2B5EF4-FFF2-40B4-BE49-F238E27FC236}">
-                <a16:creationId xmlns:a16="http://schemas.microsoft.com/office/drawing/2014/main" id="{14D18219-D829-49E6-81A6-BF9B565BCE28}"/>
+                <a16:creationId xmlns:a16="http://schemas.microsoft.com/office/drawing/2014/main" id="{819024C9-F868-4F57-A50C-5C52DD8A315F}"/>
+              </a:ext>
+            </a:extLst>
+          </p:cNvPr>
+          <p:cNvSpPr txBox="1"/>
+          <p:nvPr/>
+        </p:nvSpPr>
+        <p:spPr>
+          <a:xfrm>
+            <a:off x="5573817" y="2199454"/>
+            <a:ext cx="466509" cy="461665"/>
+          </a:xfrm>
+          <a:prstGeom prst="rect">
+            <a:avLst/>
+          </a:prstGeom>
+          <a:noFill/>
+        </p:spPr>
+        <p:txBody>
+          <a:bodyPr wrap="square" rtlCol="0">
+            <a:spAutoFit/>
+          </a:bodyPr>
+          <a:lstStyle/>
+          <a:p>
+            <a:r>
+              <a:rPr lang="zh-TW" altLang="en-US" sz="2400" dirty="0">
+                <a:solidFill>
+                  <a:srgbClr val="0000FF"/>
+                </a:solidFill>
+                <a:sym typeface="Wingdings" panose="05000000000000000000" pitchFamily="2" charset="2"/>
+              </a:rPr>
+              <a:t></a:t>
+            </a:r>
+            <a:endParaRPr lang="zh-TW" altLang="en-US" sz="2400" dirty="0">
+              <a:solidFill>
+                <a:srgbClr val="0000FF"/>
+              </a:solidFill>
+            </a:endParaRPr>
+          </a:p>
+        </p:txBody>
+      </p:sp>
+      <p:sp>
+        <p:nvSpPr>
+          <p:cNvPr id="8" name="箭號: 向下 7">
+            <a:extLst>
+              <a:ext uri="{FF2B5EF4-FFF2-40B4-BE49-F238E27FC236}">
+                <a16:creationId xmlns:a16="http://schemas.microsoft.com/office/drawing/2014/main" id="{55395962-53B0-4F43-B045-D60F6323700F}"/>
               </a:ext>
             </a:extLst>
           </p:cNvPr>
@@ -9287,18 +10942,18 @@
           <p:nvPr/>
         </p:nvSpPr>
         <p:spPr>
-          <a:xfrm>
-            <a:off x="7048768" y="1346769"/>
-            <a:ext cx="3884618" cy="363790"/>
+          <a:xfrm rot="2663093">
+            <a:off x="3948604" y="3020681"/>
+            <a:ext cx="338916" cy="641328"/>
           </a:xfrm>
-          <a:prstGeom prst="rect">
+          <a:prstGeom prst="downArrow">
             <a:avLst/>
           </a:prstGeom>
-          <a:noFill/>
-          <a:ln w="38100">
-            <a:solidFill>
-              <a:srgbClr val="FF0000"/>
-            </a:solidFill>
+          <a:solidFill>
+            <a:srgbClr val="FF0000"/>
+          </a:solidFill>
+          <a:ln>
+            <a:noFill/>
           </a:ln>
         </p:spPr>
         <p:style>
@@ -9321,17 +10976,17 @@
           <a:bodyPr rtlCol="0" anchor="ctr"/>
           <a:lstStyle/>
           <a:p>
-            <a:pPr algn="ctr"/>
-            <a:endParaRPr lang="zh-TW" altLang="en-US"/>
+            <a:pPr algn="r"/>
+            <a:endParaRPr lang="zh-TW" altLang="en-US" dirty="0"/>
           </a:p>
         </p:txBody>
       </p:sp>
       <p:sp>
         <p:nvSpPr>
-          <p:cNvPr id="12" name="矩形 11">
+          <p:cNvPr id="7" name="箭號: 向下 6">
             <a:extLst>
               <a:ext uri="{FF2B5EF4-FFF2-40B4-BE49-F238E27FC236}">
-                <a16:creationId xmlns:a16="http://schemas.microsoft.com/office/drawing/2014/main" id="{B1C117C3-1F1D-4059-BA9C-41E1321EEE28}"/>
+                <a16:creationId xmlns:a16="http://schemas.microsoft.com/office/drawing/2014/main" id="{C3A432E8-B7A2-4A49-8612-696DDAEEAA13}"/>
               </a:ext>
             </a:extLst>
           </p:cNvPr>
@@ -9340,17 +10995,17 @@
         </p:nvSpPr>
         <p:spPr>
           <a:xfrm>
-            <a:off x="6844231" y="1744579"/>
-            <a:ext cx="4240864" cy="810126"/>
+            <a:off x="5188730" y="3236075"/>
+            <a:ext cx="529159" cy="1040592"/>
           </a:xfrm>
-          <a:prstGeom prst="rect">
+          <a:prstGeom prst="downArrow">
             <a:avLst/>
           </a:prstGeom>
-          <a:noFill/>
-          <a:ln w="38100">
-            <a:solidFill>
-              <a:srgbClr val="FF0000"/>
-            </a:solidFill>
+          <a:solidFill>
+            <a:srgbClr val="FF0000"/>
+          </a:solidFill>
+          <a:ln>
+            <a:noFill/>
           </a:ln>
         </p:spPr>
         <p:style>
@@ -9568,7 +11223,7 @@
                             </p:stCondLst>
                             <p:childTnLst>
                               <p:par>
-                                <p:cTn id="20" presetID="10" presetClass="entr" presetSubtype="0" fill="hold" grpId="0" nodeType="clickEffect">
+                                <p:cTn id="20" presetID="10" presetClass="entr" presetSubtype="0" fill="hold" nodeType="clickEffect">
                                   <p:stCondLst>
                                     <p:cond delay="0"/>
                                   </p:stCondLst>
@@ -9581,7 +11236,7 @@
                                           </p:stCondLst>
                                         </p:cTn>
                                         <p:tgtEl>
-                                          <p:spTgt spid="6"/>
+                                          <p:spTgt spid="13"/>
                                         </p:tgtEl>
                                         <p:attrNameLst>
                                           <p:attrName>style.visibility</p:attrName>
@@ -9595,7 +11250,7 @@
                                       <p:cBhvr>
                                         <p:cTn id="22" dur="500"/>
                                         <p:tgtEl>
-                                          <p:spTgt spid="6"/>
+                                          <p:spTgt spid="13"/>
                                         </p:tgtEl>
                                       </p:cBhvr>
                                     </p:animEffect>
@@ -9634,7 +11289,7 @@
                                           </p:stCondLst>
                                         </p:cTn>
                                         <p:tgtEl>
-                                          <p:spTgt spid="7"/>
+                                          <p:spTgt spid="6"/>
                                         </p:tgtEl>
                                         <p:attrNameLst>
                                           <p:attrName>style.visibility</p:attrName>
@@ -9648,7 +11303,7 @@
                                       <p:cBhvr>
                                         <p:cTn id="27" dur="500"/>
                                         <p:tgtEl>
-                                          <p:spTgt spid="7"/>
+                                          <p:spTgt spid="6"/>
                                         </p:tgtEl>
                                       </p:cBhvr>
                                     </p:animEffect>
@@ -9727,37 +11382,37 @@
                             </p:stCondLst>
                             <p:childTnLst>
                               <p:par>
-                                <p:cTn id="35" presetID="10" presetClass="exit" presetSubtype="0" fill="hold" grpId="1" nodeType="clickEffect">
+                                <p:cTn id="35" presetID="10" presetClass="entr" presetSubtype="0" fill="hold" grpId="0" nodeType="clickEffect">
                                   <p:stCondLst>
                                     <p:cond delay="0"/>
                                   </p:stCondLst>
                                   <p:childTnLst>
-                                    <p:animEffect transition="out" filter="fade">
-                                      <p:cBhvr>
-                                        <p:cTn id="36" dur="500"/>
-                                        <p:tgtEl>
-                                          <p:spTgt spid="5"/>
-                                        </p:tgtEl>
-                                      </p:cBhvr>
-                                    </p:animEffect>
                                     <p:set>
                                       <p:cBhvr>
-                                        <p:cTn id="37" dur="1" fill="hold">
+                                        <p:cTn id="36" dur="1" fill="hold">
                                           <p:stCondLst>
-                                            <p:cond delay="499"/>
+                                            <p:cond delay="0"/>
                                           </p:stCondLst>
                                         </p:cTn>
                                         <p:tgtEl>
-                                          <p:spTgt spid="5"/>
+                                          <p:spTgt spid="7"/>
                                         </p:tgtEl>
                                         <p:attrNameLst>
                                           <p:attrName>style.visibility</p:attrName>
                                         </p:attrNameLst>
                                       </p:cBhvr>
                                       <p:to>
-                                        <p:strVal val="hidden"/>
+                                        <p:strVal val="visible"/>
                                       </p:to>
                                     </p:set>
+                                    <p:animEffect transition="in" filter="fade">
+                                      <p:cBhvr>
+                                        <p:cTn id="37" dur="500"/>
+                                        <p:tgtEl>
+                                          <p:spTgt spid="7"/>
+                                        </p:tgtEl>
+                                      </p:cBhvr>
+                                    </p:animEffect>
                                   </p:childTnLst>
                                 </p:cTn>
                               </p:par>
@@ -9780,14 +11435,712 @@
                             </p:stCondLst>
                             <p:childTnLst>
                               <p:par>
-                                <p:cTn id="40" presetID="10" presetClass="entr" presetSubtype="0" fill="hold" grpId="0" nodeType="clickEffect">
+                                <p:cTn id="40" presetID="10" presetClass="exit" presetSubtype="0" fill="hold" nodeType="clickEffect">
+                                  <p:stCondLst>
+                                    <p:cond delay="0"/>
+                                  </p:stCondLst>
+                                  <p:childTnLst>
+                                    <p:animEffect transition="out" filter="fade">
+                                      <p:cBhvr>
+                                        <p:cTn id="41" dur="500"/>
+                                        <p:tgtEl>
+                                          <p:spTgt spid="13"/>
+                                        </p:tgtEl>
+                                      </p:cBhvr>
+                                    </p:animEffect>
+                                    <p:set>
+                                      <p:cBhvr>
+                                        <p:cTn id="42" dur="1" fill="hold">
+                                          <p:stCondLst>
+                                            <p:cond delay="499"/>
+                                          </p:stCondLst>
+                                        </p:cTn>
+                                        <p:tgtEl>
+                                          <p:spTgt spid="13"/>
+                                        </p:tgtEl>
+                                        <p:attrNameLst>
+                                          <p:attrName>style.visibility</p:attrName>
+                                        </p:attrNameLst>
+                                      </p:cBhvr>
+                                      <p:to>
+                                        <p:strVal val="hidden"/>
+                                      </p:to>
+                                    </p:set>
+                                  </p:childTnLst>
+                                </p:cTn>
+                              </p:par>
+                              <p:par>
+                                <p:cTn id="43" presetID="10" presetClass="exit" presetSubtype="0" fill="hold" grpId="1" nodeType="withEffect">
+                                  <p:stCondLst>
+                                    <p:cond delay="0"/>
+                                  </p:stCondLst>
+                                  <p:childTnLst>
+                                    <p:animEffect transition="out" filter="fade">
+                                      <p:cBhvr>
+                                        <p:cTn id="44" dur="500"/>
+                                        <p:tgtEl>
+                                          <p:spTgt spid="7"/>
+                                        </p:tgtEl>
+                                      </p:cBhvr>
+                                    </p:animEffect>
+                                    <p:set>
+                                      <p:cBhvr>
+                                        <p:cTn id="45" dur="1" fill="hold">
+                                          <p:stCondLst>
+                                            <p:cond delay="499"/>
+                                          </p:stCondLst>
+                                        </p:cTn>
+                                        <p:tgtEl>
+                                          <p:spTgt spid="7"/>
+                                        </p:tgtEl>
+                                        <p:attrNameLst>
+                                          <p:attrName>style.visibility</p:attrName>
+                                        </p:attrNameLst>
+                                      </p:cBhvr>
+                                      <p:to>
+                                        <p:strVal val="hidden"/>
+                                      </p:to>
+                                    </p:set>
+                                  </p:childTnLst>
+                                </p:cTn>
+                              </p:par>
+                              <p:par>
+                                <p:cTn id="46" presetID="10" presetClass="exit" presetSubtype="0" fill="hold" grpId="1" nodeType="withEffect">
+                                  <p:stCondLst>
+                                    <p:cond delay="0"/>
+                                  </p:stCondLst>
+                                  <p:childTnLst>
+                                    <p:animEffect transition="out" filter="fade">
+                                      <p:cBhvr>
+                                        <p:cTn id="47" dur="500"/>
+                                        <p:tgtEl>
+                                          <p:spTgt spid="6"/>
+                                        </p:tgtEl>
+                                      </p:cBhvr>
+                                    </p:animEffect>
+                                    <p:set>
+                                      <p:cBhvr>
+                                        <p:cTn id="48" dur="1" fill="hold">
+                                          <p:stCondLst>
+                                            <p:cond delay="499"/>
+                                          </p:stCondLst>
+                                        </p:cTn>
+                                        <p:tgtEl>
+                                          <p:spTgt spid="6"/>
+                                        </p:tgtEl>
+                                        <p:attrNameLst>
+                                          <p:attrName>style.visibility</p:attrName>
+                                        </p:attrNameLst>
+                                      </p:cBhvr>
+                                      <p:to>
+                                        <p:strVal val="hidden"/>
+                                      </p:to>
+                                    </p:set>
+                                  </p:childTnLst>
+                                </p:cTn>
+                              </p:par>
+                              <p:par>
+                                <p:cTn id="49" presetID="10" presetClass="exit" presetSubtype="0" fill="hold" grpId="1" nodeType="withEffect">
+                                  <p:stCondLst>
+                                    <p:cond delay="0"/>
+                                  </p:stCondLst>
+                                  <p:childTnLst>
+                                    <p:animEffect transition="out" filter="fade">
+                                      <p:cBhvr>
+                                        <p:cTn id="50" dur="500"/>
+                                        <p:tgtEl>
+                                          <p:spTgt spid="8"/>
+                                        </p:tgtEl>
+                                      </p:cBhvr>
+                                    </p:animEffect>
+                                    <p:set>
+                                      <p:cBhvr>
+                                        <p:cTn id="51" dur="1" fill="hold">
+                                          <p:stCondLst>
+                                            <p:cond delay="499"/>
+                                          </p:stCondLst>
+                                        </p:cTn>
+                                        <p:tgtEl>
+                                          <p:spTgt spid="8"/>
+                                        </p:tgtEl>
+                                        <p:attrNameLst>
+                                          <p:attrName>style.visibility</p:attrName>
+                                        </p:attrNameLst>
+                                      </p:cBhvr>
+                                      <p:to>
+                                        <p:strVal val="hidden"/>
+                                      </p:to>
+                                    </p:set>
+                                  </p:childTnLst>
+                                </p:cTn>
+                              </p:par>
+                            </p:childTnLst>
+                          </p:cTn>
+                        </p:par>
+                      </p:childTnLst>
+                    </p:cTn>
+                  </p:par>
+                </p:childTnLst>
+              </p:cTn>
+              <p:prevCondLst>
+                <p:cond evt="onPrev" delay="0">
+                  <p:tgtEl>
+                    <p:sldTgt/>
+                  </p:tgtEl>
+                </p:cond>
+              </p:prevCondLst>
+              <p:nextCondLst>
+                <p:cond evt="onNext" delay="0">
+                  <p:tgtEl>
+                    <p:sldTgt/>
+                  </p:tgtEl>
+                </p:cond>
+              </p:nextCondLst>
+            </p:seq>
+          </p:childTnLst>
+        </p:cTn>
+      </p:par>
+    </p:tnLst>
+    <p:bldLst>
+      <p:bldP spid="5" grpId="0" animBg="1"/>
+      <p:bldP spid="9" grpId="0"/>
+      <p:bldP spid="10" grpId="0"/>
+      <p:bldP spid="6" grpId="0"/>
+      <p:bldP spid="6" grpId="1"/>
+      <p:bldP spid="8" grpId="0" animBg="1"/>
+      <p:bldP spid="8" grpId="1" animBg="1"/>
+      <p:bldP spid="7" grpId="0" animBg="1"/>
+      <p:bldP spid="7" grpId="1" animBg="1"/>
+    </p:bldLst>
+  </p:timing>
+</p:sld>
+</file>
+
+<file path=ppt/slides/slide14.xml><?xml version="1.0" encoding="utf-8"?>
+<p:sld xmlns:a="http://schemas.openxmlformats.org/drawingml/2006/main" xmlns:r="http://schemas.openxmlformats.org/officeDocument/2006/relationships" xmlns:p="http://schemas.openxmlformats.org/presentationml/2006/main">
+  <p:cSld>
+    <p:spTree>
+      <p:nvGrpSpPr>
+        <p:cNvPr id="1" name=""/>
+        <p:cNvGrpSpPr/>
+        <p:nvPr/>
+      </p:nvGrpSpPr>
+      <p:grpSpPr>
+        <a:xfrm>
+          <a:off x="0" y="0"/>
+          <a:ext cx="0" cy="0"/>
+          <a:chOff x="0" y="0"/>
+          <a:chExt cx="0" cy="0"/>
+        </a:xfrm>
+      </p:grpSpPr>
+      <p:sp>
+        <p:nvSpPr>
+          <p:cNvPr id="2" name="標題 1">
+            <a:extLst>
+              <a:ext uri="{FF2B5EF4-FFF2-40B4-BE49-F238E27FC236}">
+                <a16:creationId xmlns:a16="http://schemas.microsoft.com/office/drawing/2014/main" id="{C49CAA6D-630F-47A0-A1A6-AC33A4DCE342}"/>
+              </a:ext>
+            </a:extLst>
+          </p:cNvPr>
+          <p:cNvSpPr>
+            <a:spLocks noGrp="1"/>
+          </p:cNvSpPr>
+          <p:nvPr>
+            <p:ph type="title"/>
+          </p:nvPr>
+        </p:nvSpPr>
+        <p:spPr/>
+        <p:txBody>
+          <a:bodyPr>
+            <a:normAutofit/>
+          </a:bodyPr>
+          <a:lstStyle/>
+          <a:p>
+            <a:r>
+              <a:rPr lang="zh-TW" altLang="en-US" sz="4400" dirty="0">
+                <a:latin typeface="+mj-ea"/>
+              </a:rPr>
+              <a:t>循序圖</a:t>
+            </a:r>
+            <a:r>
+              <a:rPr lang="en-US" altLang="zh-TW" sz="4400" dirty="0">
+                <a:latin typeface="+mj-ea"/>
+              </a:rPr>
+              <a:t>—</a:t>
+            </a:r>
+            <a:r>
+              <a:rPr lang="zh-TW" altLang="en-US" sz="4400" dirty="0">
+                <a:latin typeface="+mj-ea"/>
+              </a:rPr>
+              <a:t>攻擊</a:t>
+            </a:r>
+          </a:p>
+        </p:txBody>
+      </p:sp>
+      <p:pic>
+        <p:nvPicPr>
+          <p:cNvPr id="4" name="內容版面配置區 3">
+            <a:extLst>
+              <a:ext uri="{FF2B5EF4-FFF2-40B4-BE49-F238E27FC236}">
+                <a16:creationId xmlns:a16="http://schemas.microsoft.com/office/drawing/2014/main" id="{7DCDEAFE-8462-4533-85E3-D047C00487CA}"/>
+              </a:ext>
+            </a:extLst>
+          </p:cNvPr>
+          <p:cNvPicPr>
+            <a:picLocks noGrp="1"/>
+          </p:cNvPicPr>
+          <p:nvPr>
+            <p:ph idx="1"/>
+          </p:nvPr>
+        </p:nvPicPr>
+        <p:blipFill>
+          <a:blip r:embed="rId2">
+            <a:extLst>
+              <a:ext uri="{28A0092B-C50C-407E-A947-70E740481C1C}">
+                <a14:useLocalDpi xmlns:a14="http://schemas.microsoft.com/office/drawing/2010/main" val="0"/>
+              </a:ext>
+            </a:extLst>
+          </a:blip>
+          <a:srcRect/>
+          <a:stretch>
+            <a:fillRect/>
+          </a:stretch>
+        </p:blipFill>
+        <p:spPr bwMode="auto">
+          <a:xfrm>
+            <a:off x="6331593" y="624110"/>
+            <a:ext cx="5173019" cy="5811838"/>
+          </a:xfrm>
+          <a:prstGeom prst="rect">
+            <a:avLst/>
+          </a:prstGeom>
+          <a:noFill/>
+          <a:ln>
+            <a:noFill/>
+          </a:ln>
+        </p:spPr>
+      </p:pic>
+      <p:sp>
+        <p:nvSpPr>
+          <p:cNvPr id="5" name="矩形 4">
+            <a:extLst>
+              <a:ext uri="{FF2B5EF4-FFF2-40B4-BE49-F238E27FC236}">
+                <a16:creationId xmlns:a16="http://schemas.microsoft.com/office/drawing/2014/main" id="{7A244986-0C97-41D0-95BF-322ABACA34DB}"/>
+              </a:ext>
+            </a:extLst>
+          </p:cNvPr>
+          <p:cNvSpPr/>
+          <p:nvPr/>
+        </p:nvSpPr>
+        <p:spPr>
+          <a:xfrm>
+            <a:off x="6331592" y="2862668"/>
+            <a:ext cx="5173019" cy="2090333"/>
+          </a:xfrm>
+          <a:prstGeom prst="rect">
+            <a:avLst/>
+          </a:prstGeom>
+        </p:spPr>
+        <p:style>
+          <a:lnRef idx="2">
+            <a:schemeClr val="dk1">
+              <a:shade val="50000"/>
+            </a:schemeClr>
+          </a:lnRef>
+          <a:fillRef idx="1">
+            <a:schemeClr val="dk1"/>
+          </a:fillRef>
+          <a:effectRef idx="0">
+            <a:schemeClr val="dk1"/>
+          </a:effectRef>
+          <a:fontRef idx="minor">
+            <a:schemeClr val="lt1"/>
+          </a:fontRef>
+        </p:style>
+        <p:txBody>
+          <a:bodyPr rtlCol="0" anchor="ctr"/>
+          <a:lstStyle/>
+          <a:p>
+            <a:pPr algn="ctr"/>
+            <a:endParaRPr lang="zh-TW" altLang="en-US"/>
+          </a:p>
+        </p:txBody>
+      </p:sp>
+      <p:sp>
+        <p:nvSpPr>
+          <p:cNvPr id="9" name="文字方塊 8">
+            <a:extLst>
+              <a:ext uri="{FF2B5EF4-FFF2-40B4-BE49-F238E27FC236}">
+                <a16:creationId xmlns:a16="http://schemas.microsoft.com/office/drawing/2014/main" id="{FDFB1EB8-409C-4D61-93DE-FC976658E8F0}"/>
+              </a:ext>
+            </a:extLst>
+          </p:cNvPr>
+          <p:cNvSpPr txBox="1"/>
+          <p:nvPr/>
+        </p:nvSpPr>
+        <p:spPr>
+          <a:xfrm>
+            <a:off x="4275574" y="1949380"/>
+            <a:ext cx="1738364" cy="369332"/>
+          </a:xfrm>
+          <a:prstGeom prst="rect">
+            <a:avLst/>
+          </a:prstGeom>
+          <a:noFill/>
+        </p:spPr>
+        <p:txBody>
+          <a:bodyPr wrap="square" rtlCol="0">
+            <a:spAutoFit/>
+          </a:bodyPr>
+          <a:lstStyle/>
+          <a:p>
+            <a:pPr algn="r"/>
+            <a:r>
+              <a:rPr lang="zh-TW" altLang="en-US" dirty="0"/>
+              <a:t>前端背景執行</a:t>
+            </a:r>
+          </a:p>
+        </p:txBody>
+      </p:sp>
+      <p:sp>
+        <p:nvSpPr>
+          <p:cNvPr id="10" name="文字方塊 9">
+            <a:extLst>
+              <a:ext uri="{FF2B5EF4-FFF2-40B4-BE49-F238E27FC236}">
+                <a16:creationId xmlns:a16="http://schemas.microsoft.com/office/drawing/2014/main" id="{7FBBAE8A-3156-4714-933F-D249DE0CB3A2}"/>
+              </a:ext>
+            </a:extLst>
+          </p:cNvPr>
+          <p:cNvSpPr txBox="1"/>
+          <p:nvPr/>
+        </p:nvSpPr>
+        <p:spPr>
+          <a:xfrm>
+            <a:off x="4632290" y="3588662"/>
+            <a:ext cx="1381648" cy="369332"/>
+          </a:xfrm>
+          <a:prstGeom prst="rect">
+            <a:avLst/>
+          </a:prstGeom>
+          <a:noFill/>
+        </p:spPr>
+        <p:txBody>
+          <a:bodyPr wrap="square" rtlCol="0">
+            <a:spAutoFit/>
+          </a:bodyPr>
+          <a:lstStyle/>
+          <a:p>
+            <a:pPr algn="r"/>
+            <a:r>
+              <a:rPr lang="zh-TW" altLang="en-US" dirty="0"/>
+              <a:t>使用者操作</a:t>
+            </a:r>
+          </a:p>
+        </p:txBody>
+      </p:sp>
+      <p:pic>
+        <p:nvPicPr>
+          <p:cNvPr id="14" name="內容版面配置區 3">
+            <a:extLst>
+              <a:ext uri="{FF2B5EF4-FFF2-40B4-BE49-F238E27FC236}">
+                <a16:creationId xmlns:a16="http://schemas.microsoft.com/office/drawing/2014/main" id="{3DFE9236-F2DA-4771-83AD-353656490F6B}"/>
+              </a:ext>
+            </a:extLst>
+          </p:cNvPr>
+          <p:cNvPicPr>
+            <a:picLocks/>
+          </p:cNvPicPr>
+          <p:nvPr/>
+        </p:nvPicPr>
+        <p:blipFill rotWithShape="1">
+          <a:blip r:embed="rId2">
+            <a:extLst>
+              <a:ext uri="{28A0092B-C50C-407E-A947-70E740481C1C}">
+                <a14:useLocalDpi xmlns:a14="http://schemas.microsoft.com/office/drawing/2010/main" val="0"/>
+              </a:ext>
+            </a:extLst>
+          </a:blip>
+          <a:srcRect b="62474"/>
+          <a:stretch/>
+        </p:blipFill>
+        <p:spPr bwMode="auto">
+          <a:xfrm>
+            <a:off x="1521162" y="1677883"/>
+            <a:ext cx="9303206" cy="4371859"/>
+          </a:xfrm>
+          <a:prstGeom prst="rect">
+            <a:avLst/>
+          </a:prstGeom>
+          <a:noFill/>
+          <a:ln>
+            <a:noFill/>
+          </a:ln>
+        </p:spPr>
+      </p:pic>
+      <p:sp>
+        <p:nvSpPr>
+          <p:cNvPr id="11" name="矩形 10">
+            <a:extLst>
+              <a:ext uri="{FF2B5EF4-FFF2-40B4-BE49-F238E27FC236}">
+                <a16:creationId xmlns:a16="http://schemas.microsoft.com/office/drawing/2014/main" id="{14D18219-D829-49E6-81A6-BF9B565BCE28}"/>
+              </a:ext>
+            </a:extLst>
+          </p:cNvPr>
+          <p:cNvSpPr/>
+          <p:nvPr/>
+        </p:nvSpPr>
+        <p:spPr>
+          <a:xfrm>
+            <a:off x="2953097" y="3194434"/>
+            <a:ext cx="6750166" cy="638629"/>
+          </a:xfrm>
+          <a:prstGeom prst="rect">
+            <a:avLst/>
+          </a:prstGeom>
+          <a:noFill/>
+          <a:ln w="38100">
+            <a:solidFill>
+              <a:srgbClr val="FF0000"/>
+            </a:solidFill>
+          </a:ln>
+        </p:spPr>
+        <p:style>
+          <a:lnRef idx="2">
+            <a:schemeClr val="accent1">
+              <a:shade val="50000"/>
+            </a:schemeClr>
+          </a:lnRef>
+          <a:fillRef idx="1">
+            <a:schemeClr val="accent1"/>
+          </a:fillRef>
+          <a:effectRef idx="0">
+            <a:schemeClr val="accent1"/>
+          </a:effectRef>
+          <a:fontRef idx="minor">
+            <a:schemeClr val="lt1"/>
+          </a:fontRef>
+        </p:style>
+        <p:txBody>
+          <a:bodyPr rtlCol="0" anchor="ctr"/>
+          <a:lstStyle/>
+          <a:p>
+            <a:pPr algn="ctr"/>
+            <a:endParaRPr lang="zh-TW" altLang="en-US"/>
+          </a:p>
+        </p:txBody>
+      </p:sp>
+      <p:sp>
+        <p:nvSpPr>
+          <p:cNvPr id="12" name="矩形 11">
+            <a:extLst>
+              <a:ext uri="{FF2B5EF4-FFF2-40B4-BE49-F238E27FC236}">
+                <a16:creationId xmlns:a16="http://schemas.microsoft.com/office/drawing/2014/main" id="{B1C117C3-1F1D-4059-BA9C-41E1321EEE28}"/>
+              </a:ext>
+            </a:extLst>
+          </p:cNvPr>
+          <p:cNvSpPr/>
+          <p:nvPr/>
+        </p:nvSpPr>
+        <p:spPr>
+          <a:xfrm>
+            <a:off x="2472203" y="3907109"/>
+            <a:ext cx="7638935" cy="1652018"/>
+          </a:xfrm>
+          <a:prstGeom prst="rect">
+            <a:avLst/>
+          </a:prstGeom>
+          <a:noFill/>
+          <a:ln w="38100">
+            <a:solidFill>
+              <a:srgbClr val="FF0000"/>
+            </a:solidFill>
+          </a:ln>
+        </p:spPr>
+        <p:style>
+          <a:lnRef idx="2">
+            <a:schemeClr val="accent1">
+              <a:shade val="50000"/>
+            </a:schemeClr>
+          </a:lnRef>
+          <a:fillRef idx="1">
+            <a:schemeClr val="accent1"/>
+          </a:fillRef>
+          <a:effectRef idx="0">
+            <a:schemeClr val="accent1"/>
+          </a:effectRef>
+          <a:fontRef idx="minor">
+            <a:schemeClr val="lt1"/>
+          </a:fontRef>
+        </p:style>
+        <p:txBody>
+          <a:bodyPr rtlCol="0" anchor="ctr"/>
+          <a:lstStyle/>
+          <a:p>
+            <a:pPr algn="ctr"/>
+            <a:endParaRPr lang="zh-TW" altLang="en-US"/>
+          </a:p>
+        </p:txBody>
+      </p:sp>
+    </p:spTree>
+    <p:extLst>
+      <p:ext uri="{BB962C8B-B14F-4D97-AF65-F5344CB8AC3E}">
+        <p14:creationId xmlns:p14="http://schemas.microsoft.com/office/powerpoint/2010/main" val="2652298769"/>
+      </p:ext>
+    </p:extLst>
+  </p:cSld>
+  <p:clrMapOvr>
+    <a:masterClrMapping/>
+  </p:clrMapOvr>
+  <mc:AlternateContent xmlns:mc="http://schemas.openxmlformats.org/markup-compatibility/2006">
+    <mc:Choice xmlns:p14="http://schemas.microsoft.com/office/powerpoint/2010/main" Requires="p14">
+      <p:transition spd="med" p14:dur="700">
+        <p:fade/>
+      </p:transition>
+    </mc:Choice>
+    <mc:Fallback>
+      <p:transition spd="med">
+        <p:fade/>
+      </p:transition>
+    </mc:Fallback>
+  </mc:AlternateContent>
+  <p:timing>
+    <p:tnLst>
+      <p:par>
+        <p:cTn id="1" dur="indefinite" restart="never" nodeType="tmRoot">
+          <p:childTnLst>
+            <p:seq concurrent="1" nextAc="seek">
+              <p:cTn id="2" dur="indefinite" nodeType="mainSeq">
+                <p:childTnLst>
+                  <p:par>
+                    <p:cTn id="3" fill="hold">
+                      <p:stCondLst>
+                        <p:cond delay="indefinite"/>
+                        <p:cond evt="onBegin" delay="0">
+                          <p:tn val="2"/>
+                        </p:cond>
+                      </p:stCondLst>
+                      <p:childTnLst>
+                        <p:par>
+                          <p:cTn id="4" fill="hold">
+                            <p:stCondLst>
+                              <p:cond delay="0"/>
+                            </p:stCondLst>
+                            <p:childTnLst>
+                              <p:par>
+                                <p:cTn id="5" presetID="10" presetClass="entr" presetSubtype="0" fill="hold" grpId="0" nodeType="afterEffect">
                                   <p:stCondLst>
                                     <p:cond delay="0"/>
                                   </p:stCondLst>
                                   <p:childTnLst>
                                     <p:set>
                                       <p:cBhvr>
-                                        <p:cTn id="41" dur="1" fill="hold">
+                                        <p:cTn id="6" dur="1" fill="hold">
+                                          <p:stCondLst>
+                                            <p:cond delay="0"/>
+                                          </p:stCondLst>
+                                        </p:cTn>
+                                        <p:tgtEl>
+                                          <p:spTgt spid="5"/>
+                                        </p:tgtEl>
+                                        <p:attrNameLst>
+                                          <p:attrName>style.visibility</p:attrName>
+                                        </p:attrNameLst>
+                                      </p:cBhvr>
+                                      <p:to>
+                                        <p:strVal val="visible"/>
+                                      </p:to>
+                                    </p:set>
+                                    <p:animEffect transition="in" filter="fade">
+                                      <p:cBhvr>
+                                        <p:cTn id="7" dur="500"/>
+                                        <p:tgtEl>
+                                          <p:spTgt spid="5"/>
+                                        </p:tgtEl>
+                                      </p:cBhvr>
+                                    </p:animEffect>
+                                  </p:childTnLst>
+                                </p:cTn>
+                              </p:par>
+                            </p:childTnLst>
+                          </p:cTn>
+                        </p:par>
+                      </p:childTnLst>
+                    </p:cTn>
+                  </p:par>
+                  <p:par>
+                    <p:cTn id="8" fill="hold">
+                      <p:stCondLst>
+                        <p:cond delay="indefinite"/>
+                      </p:stCondLst>
+                      <p:childTnLst>
+                        <p:par>
+                          <p:cTn id="9" fill="hold">
+                            <p:stCondLst>
+                              <p:cond delay="0"/>
+                            </p:stCondLst>
+                            <p:childTnLst>
+                              <p:par>
+                                <p:cTn id="10" presetID="10" presetClass="entr" presetSubtype="0" fill="hold" nodeType="clickEffect">
+                                  <p:stCondLst>
+                                    <p:cond delay="0"/>
+                                  </p:stCondLst>
+                                  <p:childTnLst>
+                                    <p:set>
+                                      <p:cBhvr>
+                                        <p:cTn id="11" dur="1" fill="hold">
+                                          <p:stCondLst>
+                                            <p:cond delay="0"/>
+                                          </p:stCondLst>
+                                        </p:cTn>
+                                        <p:tgtEl>
+                                          <p:spTgt spid="14"/>
+                                        </p:tgtEl>
+                                        <p:attrNameLst>
+                                          <p:attrName>style.visibility</p:attrName>
+                                        </p:attrNameLst>
+                                      </p:cBhvr>
+                                      <p:to>
+                                        <p:strVal val="visible"/>
+                                      </p:to>
+                                    </p:set>
+                                    <p:animEffect transition="in" filter="fade">
+                                      <p:cBhvr>
+                                        <p:cTn id="12" dur="500"/>
+                                        <p:tgtEl>
+                                          <p:spTgt spid="14"/>
+                                        </p:tgtEl>
+                                      </p:cBhvr>
+                                    </p:animEffect>
+                                  </p:childTnLst>
+                                </p:cTn>
+                              </p:par>
+                            </p:childTnLst>
+                          </p:cTn>
+                        </p:par>
+                      </p:childTnLst>
+                    </p:cTn>
+                  </p:par>
+                  <p:par>
+                    <p:cTn id="13" fill="hold">
+                      <p:stCondLst>
+                        <p:cond delay="indefinite"/>
+                      </p:stCondLst>
+                      <p:childTnLst>
+                        <p:par>
+                          <p:cTn id="14" fill="hold">
+                            <p:stCondLst>
+                              <p:cond delay="0"/>
+                            </p:stCondLst>
+                            <p:childTnLst>
+                              <p:par>
+                                <p:cTn id="15" presetID="10" presetClass="entr" presetSubtype="0" fill="hold" grpId="0" nodeType="clickEffect">
+                                  <p:stCondLst>
+                                    <p:cond delay="0"/>
+                                  </p:stCondLst>
+                                  <p:childTnLst>
+                                    <p:set>
+                                      <p:cBhvr>
+                                        <p:cTn id="16" dur="1" fill="hold">
                                           <p:stCondLst>
                                             <p:cond delay="0"/>
                                           </p:stCondLst>
@@ -9805,7 +12158,7 @@
                                     </p:set>
                                     <p:animEffect transition="in" filter="fade">
                                       <p:cBhvr>
-                                        <p:cTn id="42" dur="500"/>
+                                        <p:cTn id="17" dur="500"/>
                                         <p:tgtEl>
                                           <p:spTgt spid="11"/>
                                         </p:tgtEl>
@@ -9821,26 +12174,26 @@
                     </p:cTn>
                   </p:par>
                   <p:par>
-                    <p:cTn id="43" fill="hold">
+                    <p:cTn id="18" fill="hold">
                       <p:stCondLst>
                         <p:cond delay="indefinite"/>
                       </p:stCondLst>
                       <p:childTnLst>
                         <p:par>
-                          <p:cTn id="44" fill="hold">
+                          <p:cTn id="19" fill="hold">
                             <p:stCondLst>
                               <p:cond delay="0"/>
                             </p:stCondLst>
                             <p:childTnLst>
                               <p:par>
-                                <p:cTn id="45" presetID="10" presetClass="entr" presetSubtype="0" fill="hold" grpId="0" nodeType="clickEffect">
+                                <p:cTn id="20" presetID="10" presetClass="entr" presetSubtype="0" fill="hold" grpId="0" nodeType="clickEffect">
                                   <p:stCondLst>
                                     <p:cond delay="0"/>
                                   </p:stCondLst>
                                   <p:childTnLst>
                                     <p:set>
                                       <p:cBhvr>
-                                        <p:cTn id="46" dur="1" fill="hold">
+                                        <p:cTn id="21" dur="1" fill="hold">
                                           <p:stCondLst>
                                             <p:cond delay="0"/>
                                           </p:stCondLst>
@@ -9858,7 +12211,7 @@
                                     </p:set>
                                     <p:animEffect transition="in" filter="fade">
                                       <p:cBhvr>
-                                        <p:cTn id="47" dur="500"/>
+                                        <p:cTn id="22" dur="500"/>
                                         <p:tgtEl>
                                           <p:spTgt spid="12"/>
                                         </p:tgtEl>
@@ -9896,12 +12249,6 @@
     </p:tnLst>
     <p:bldLst>
       <p:bldP spid="5" grpId="0" animBg="1"/>
-      <p:bldP spid="5" grpId="1" animBg="1"/>
-      <p:bldP spid="6" grpId="0"/>
-      <p:bldP spid="7" grpId="0" animBg="1"/>
-      <p:bldP spid="8" grpId="0" animBg="1"/>
-      <p:bldP spid="9" grpId="0"/>
-      <p:bldP spid="10" grpId="0"/>
       <p:bldP spid="11" grpId="0" animBg="1"/>
       <p:bldP spid="12" grpId="0" animBg="1"/>
     </p:bldLst>
@@ -9909,7 +12256,7 @@
 </p:sld>
 </file>
 
-<file path=ppt/slides/slide14.xml><?xml version="1.0" encoding="utf-8"?>
+<file path=ppt/slides/slide15.xml><?xml version="1.0" encoding="utf-8"?>
 <p:sld xmlns:a="http://schemas.openxmlformats.org/drawingml/2006/main" xmlns:r="http://schemas.openxmlformats.org/officeDocument/2006/relationships" xmlns:p="http://schemas.openxmlformats.org/presentationml/2006/main">
   <p:cSld>
     <p:spTree>
@@ -35529,13 +37876,13 @@
           <p:nvPr/>
         </p:nvPicPr>
         <p:blipFill>
-          <a:blip r:embed="rId2">
+          <a:blip r:embed="rId3">
             <a:extLst>
               <a:ext uri="{28A0092B-C50C-407E-A947-70E740481C1C}">
                 <a14:useLocalDpi xmlns:a14="http://schemas.microsoft.com/office/drawing/2010/main" val="0"/>
               </a:ext>
               <a:ext uri="{96DAC541-7B7A-43D3-8B79-37D633B846F1}">
-                <asvg:svgBlip xmlns:asvg="http://schemas.microsoft.com/office/drawing/2016/SVG/main" r:embed="rId3"/>
+                <asvg:svgBlip xmlns:asvg="http://schemas.microsoft.com/office/drawing/2016/SVG/main" r:embed="rId4"/>
               </a:ext>
             </a:extLst>
           </a:blip>
@@ -35568,13 +37915,13 @@
           <p:nvPr/>
         </p:nvPicPr>
         <p:blipFill>
-          <a:blip r:embed="rId4">
+          <a:blip r:embed="rId5">
             <a:extLst>
               <a:ext uri="{28A0092B-C50C-407E-A947-70E740481C1C}">
                 <a14:useLocalDpi xmlns:a14="http://schemas.microsoft.com/office/drawing/2010/main" val="0"/>
               </a:ext>
               <a:ext uri="{96DAC541-7B7A-43D3-8B79-37D633B846F1}">
-                <asvg:svgBlip xmlns:asvg="http://schemas.microsoft.com/office/drawing/2016/SVG/main" r:embed="rId5"/>
+                <asvg:svgBlip xmlns:asvg="http://schemas.microsoft.com/office/drawing/2016/SVG/main" r:embed="rId6"/>
               </a:ext>
             </a:extLst>
           </a:blip>
@@ -35998,143 +38345,221 @@
           </a:p>
         </p:txBody>
       </p:sp>
-      <p:sp>
-        <p:nvSpPr>
-          <p:cNvPr id="3" name="內容版面配置區 2">
+      <p:pic>
+        <p:nvPicPr>
+          <p:cNvPr id="12" name="圖形 11" descr="使用者">
             <a:extLst>
               <a:ext uri="{FF2B5EF4-FFF2-40B4-BE49-F238E27FC236}">
-                <a16:creationId xmlns:a16="http://schemas.microsoft.com/office/drawing/2014/main" id="{DCC02480-8ECD-4EC6-B457-3C84B1DD218B}"/>
+                <a16:creationId xmlns:a16="http://schemas.microsoft.com/office/drawing/2014/main" id="{E6AEBCB1-8228-4D0C-A1AB-0C7755759315}"/>
               </a:ext>
             </a:extLst>
           </p:cNvPr>
-          <p:cNvSpPr>
-            <a:spLocks noGrp="1"/>
-          </p:cNvSpPr>
-          <p:nvPr>
-            <p:ph idx="1"/>
-          </p:nvPr>
+          <p:cNvPicPr>
+            <a:picLocks noChangeAspect="1"/>
+          </p:cNvPicPr>
+          <p:nvPr/>
+        </p:nvPicPr>
+        <p:blipFill>
+          <a:blip r:embed="rId3">
+            <a:extLst>
+              <a:ext uri="{28A0092B-C50C-407E-A947-70E740481C1C}">
+                <a14:useLocalDpi xmlns:a14="http://schemas.microsoft.com/office/drawing/2010/main" val="0"/>
+              </a:ext>
+              <a:ext uri="{96DAC541-7B7A-43D3-8B79-37D633B846F1}">
+                <asvg:svgBlip xmlns:asvg="http://schemas.microsoft.com/office/drawing/2016/SVG/main" r:embed="rId4"/>
+              </a:ext>
+            </a:extLst>
+          </a:blip>
+          <a:stretch>
+            <a:fillRect/>
+          </a:stretch>
+        </p:blipFill>
+        <p:spPr>
+          <a:xfrm>
+            <a:off x="2367724" y="2810436"/>
+            <a:ext cx="1670262" cy="1670262"/>
+          </a:xfrm>
+          <a:prstGeom prst="rect">
+            <a:avLst/>
+          </a:prstGeom>
+        </p:spPr>
+      </p:pic>
+      <p:pic>
+        <p:nvPicPr>
+          <p:cNvPr id="13" name="圖形 12" descr="電腦">
+            <a:extLst>
+              <a:ext uri="{FF2B5EF4-FFF2-40B4-BE49-F238E27FC236}">
+                <a16:creationId xmlns:a16="http://schemas.microsoft.com/office/drawing/2014/main" id="{91945928-59E6-45F1-B07A-E1274F322D78}"/>
+              </a:ext>
+            </a:extLst>
+          </p:cNvPr>
+          <p:cNvPicPr>
+            <a:picLocks noChangeAspect="1"/>
+          </p:cNvPicPr>
+          <p:nvPr/>
+        </p:nvPicPr>
+        <p:blipFill>
+          <a:blip r:embed="rId5">
+            <a:extLst>
+              <a:ext uri="{28A0092B-C50C-407E-A947-70E740481C1C}">
+                <a14:useLocalDpi xmlns:a14="http://schemas.microsoft.com/office/drawing/2010/main" val="0"/>
+              </a:ext>
+              <a:ext uri="{96DAC541-7B7A-43D3-8B79-37D633B846F1}">
+                <asvg:svgBlip xmlns:asvg="http://schemas.microsoft.com/office/drawing/2016/SVG/main" r:embed="rId6"/>
+              </a:ext>
+            </a:extLst>
+          </a:blip>
+          <a:stretch>
+            <a:fillRect/>
+          </a:stretch>
+        </p:blipFill>
+        <p:spPr>
+          <a:xfrm>
+            <a:off x="8027427" y="2810436"/>
+            <a:ext cx="1670263" cy="1670263"/>
+          </a:xfrm>
+          <a:prstGeom prst="rect">
+            <a:avLst/>
+          </a:prstGeom>
+        </p:spPr>
+      </p:pic>
+      <p:sp>
+        <p:nvSpPr>
+          <p:cNvPr id="14" name="箭號: 向右 13">
+            <a:extLst>
+              <a:ext uri="{FF2B5EF4-FFF2-40B4-BE49-F238E27FC236}">
+                <a16:creationId xmlns:a16="http://schemas.microsoft.com/office/drawing/2014/main" id="{D4203224-73CF-46B6-A061-D7829E661E17}"/>
+              </a:ext>
+            </a:extLst>
+          </p:cNvPr>
+          <p:cNvSpPr/>
+          <p:nvPr/>
         </p:nvSpPr>
-        <p:spPr/>
+        <p:spPr>
+          <a:xfrm rot="10800000">
+            <a:off x="4037984" y="3695299"/>
+            <a:ext cx="3560566" cy="506673"/>
+          </a:xfrm>
+          <a:prstGeom prst="rightArrow">
+            <a:avLst>
+              <a:gd name="adj1" fmla="val 37467"/>
+              <a:gd name="adj2" fmla="val 50000"/>
+            </a:avLst>
+          </a:prstGeom>
+        </p:spPr>
+        <p:style>
+          <a:lnRef idx="2">
+            <a:schemeClr val="dk1">
+              <a:shade val="50000"/>
+            </a:schemeClr>
+          </a:lnRef>
+          <a:fillRef idx="1">
+            <a:schemeClr val="dk1"/>
+          </a:fillRef>
+          <a:effectRef idx="0">
+            <a:schemeClr val="dk1"/>
+          </a:effectRef>
+          <a:fontRef idx="minor">
+            <a:schemeClr val="lt1"/>
+          </a:fontRef>
+        </p:style>
         <p:txBody>
-          <a:bodyPr>
-            <a:normAutofit/>
-          </a:bodyPr>
+          <a:bodyPr rtlCol="0" anchor="ctr"/>
           <a:lstStyle/>
           <a:p>
-            <a:pPr marL="0" indent="0">
-              <a:buNone/>
-            </a:pPr>
-            <a:r>
-              <a:rPr lang="en-US" altLang="zh-TW" sz="2400" dirty="0">
-                <a:latin typeface="Times New Roman" panose="02020603050405020304" pitchFamily="18" charset="0"/>
-                <a:cs typeface="Times New Roman" panose="02020603050405020304" pitchFamily="18" charset="0"/>
-              </a:rPr>
-              <a:t>Q.</a:t>
-            </a:r>
-            <a:r>
-              <a:rPr lang="en-US" altLang="zh-TW" sz="2400" dirty="0">
-                <a:latin typeface="+mn-ea"/>
-              </a:rPr>
-              <a:t> </a:t>
-            </a:r>
-            <a:r>
-              <a:rPr lang="zh-TW" altLang="en-US" sz="2400" dirty="0">
-                <a:latin typeface="+mn-ea"/>
-              </a:rPr>
-              <a:t>無法主動傳送訊息</a:t>
-            </a:r>
-            <a:endParaRPr lang="en-US" altLang="zh-TW" sz="2400" dirty="0">
-              <a:latin typeface="+mn-ea"/>
-            </a:endParaRPr>
-          </a:p>
-          <a:p>
-            <a:pPr marL="0" indent="0">
-              <a:buNone/>
-            </a:pPr>
-            <a:r>
-              <a:rPr lang="en-US" altLang="zh-TW" sz="2400" dirty="0">
-                <a:latin typeface="Times New Roman" panose="02020603050405020304" pitchFamily="18" charset="0"/>
-                <a:cs typeface="Times New Roman" panose="02020603050405020304" pitchFamily="18" charset="0"/>
-              </a:rPr>
-              <a:t>Ans.</a:t>
-            </a:r>
-            <a:r>
-              <a:rPr lang="en-US" altLang="zh-TW" sz="2400" dirty="0">
-                <a:latin typeface="+mn-ea"/>
-              </a:rPr>
-              <a:t> </a:t>
-            </a:r>
-            <a:r>
-              <a:rPr lang="zh-TW" altLang="en-US" sz="2400" dirty="0">
-                <a:latin typeface="+mn-ea"/>
-              </a:rPr>
-              <a:t>由客戶端提出獲取訊息要求</a:t>
-            </a:r>
-            <a:endParaRPr lang="en-US" altLang="zh-TW" sz="2400" dirty="0">
-              <a:latin typeface="+mn-ea"/>
-            </a:endParaRPr>
-          </a:p>
-          <a:p>
-            <a:pPr marL="0" indent="0">
-              <a:buNone/>
-            </a:pPr>
-            <a:endParaRPr lang="en-US" altLang="zh-TW" sz="2400" dirty="0">
-              <a:latin typeface="+mn-ea"/>
-            </a:endParaRPr>
-          </a:p>
-          <a:p>
-            <a:pPr marL="0" indent="0">
-              <a:buNone/>
-            </a:pPr>
-            <a:r>
-              <a:rPr lang="en-US" altLang="zh-TW" sz="2400" dirty="0">
-                <a:latin typeface="Times New Roman" panose="02020603050405020304" pitchFamily="18" charset="0"/>
-                <a:cs typeface="Times New Roman" panose="02020603050405020304" pitchFamily="18" charset="0"/>
-              </a:rPr>
-              <a:t>Q.</a:t>
-            </a:r>
-            <a:r>
-              <a:rPr lang="en-US" altLang="zh-TW" sz="2400" dirty="0">
-                <a:latin typeface="+mn-ea"/>
-              </a:rPr>
-              <a:t> </a:t>
-            </a:r>
-            <a:r>
-              <a:rPr lang="zh-TW" altLang="en-US" sz="2400" dirty="0">
-                <a:latin typeface="+mn-ea"/>
-              </a:rPr>
-              <a:t>無法確認客戶端狀態</a:t>
-            </a:r>
-            <a:endParaRPr lang="en-US" altLang="zh-TW" sz="2400" dirty="0">
-              <a:latin typeface="+mn-ea"/>
-            </a:endParaRPr>
-          </a:p>
-          <a:p>
-            <a:pPr marL="0" indent="0">
-              <a:buNone/>
-            </a:pPr>
-            <a:r>
-              <a:rPr lang="en-US" altLang="zh-TW" sz="2400" dirty="0">
-                <a:latin typeface="Times New Roman" panose="02020603050405020304" pitchFamily="18" charset="0"/>
-                <a:cs typeface="Times New Roman" panose="02020603050405020304" pitchFamily="18" charset="0"/>
-              </a:rPr>
-              <a:t>Ans.</a:t>
-            </a:r>
-            <a:r>
-              <a:rPr lang="en-US" altLang="zh-TW" sz="2400" dirty="0">
-                <a:latin typeface="+mn-ea"/>
-              </a:rPr>
-              <a:t> </a:t>
-            </a:r>
-            <a:r>
-              <a:rPr lang="zh-TW" altLang="en-US" sz="2400" dirty="0">
-                <a:latin typeface="+mn-ea"/>
-              </a:rPr>
-              <a:t>客戶端定時發送信號，伺服器端定時檢查與刷新</a:t>
-            </a:r>
+            <a:pPr algn="ctr"/>
+            <a:endParaRPr lang="zh-TW" altLang="en-US" dirty="0"/>
           </a:p>
         </p:txBody>
       </p:sp>
+      <p:sp>
+        <p:nvSpPr>
+          <p:cNvPr id="17" name="箭號: 向右 16">
+            <a:extLst>
+              <a:ext uri="{FF2B5EF4-FFF2-40B4-BE49-F238E27FC236}">
+                <a16:creationId xmlns:a16="http://schemas.microsoft.com/office/drawing/2014/main" id="{010BF89E-5179-42B3-B4DB-689617D44F36}"/>
+              </a:ext>
+            </a:extLst>
+          </p:cNvPr>
+          <p:cNvSpPr/>
+          <p:nvPr/>
+        </p:nvSpPr>
+        <p:spPr>
+          <a:xfrm>
+            <a:off x="4037984" y="3188626"/>
+            <a:ext cx="3560566" cy="506673"/>
+          </a:xfrm>
+          <a:prstGeom prst="rightArrow">
+            <a:avLst>
+              <a:gd name="adj1" fmla="val 37467"/>
+              <a:gd name="adj2" fmla="val 50000"/>
+            </a:avLst>
+          </a:prstGeom>
+        </p:spPr>
+        <p:style>
+          <a:lnRef idx="2">
+            <a:schemeClr val="dk1">
+              <a:shade val="50000"/>
+            </a:schemeClr>
+          </a:lnRef>
+          <a:fillRef idx="1">
+            <a:schemeClr val="dk1"/>
+          </a:fillRef>
+          <a:effectRef idx="0">
+            <a:schemeClr val="dk1"/>
+          </a:effectRef>
+          <a:fontRef idx="minor">
+            <a:schemeClr val="lt1"/>
+          </a:fontRef>
+        </p:style>
+        <p:txBody>
+          <a:bodyPr rtlCol="0" anchor="ctr"/>
+          <a:lstStyle/>
+          <a:p>
+            <a:pPr algn="ctr"/>
+            <a:endParaRPr lang="zh-TW" altLang="en-US"/>
+          </a:p>
+        </p:txBody>
+      </p:sp>
+      <p:pic>
+        <p:nvPicPr>
+          <p:cNvPr id="19" name="圖形 18" descr="碼錶">
+            <a:extLst>
+              <a:ext uri="{FF2B5EF4-FFF2-40B4-BE49-F238E27FC236}">
+                <a16:creationId xmlns:a16="http://schemas.microsoft.com/office/drawing/2014/main" id="{5A7059C9-D7B5-467D-9C7F-28CCA492130A}"/>
+              </a:ext>
+            </a:extLst>
+          </p:cNvPr>
+          <p:cNvPicPr>
+            <a:picLocks noChangeAspect="1"/>
+          </p:cNvPicPr>
+          <p:nvPr/>
+        </p:nvPicPr>
+        <p:blipFill>
+          <a:blip r:embed="rId7">
+            <a:extLst>
+              <a:ext uri="{28A0092B-C50C-407E-A947-70E740481C1C}">
+                <a14:useLocalDpi xmlns:a14="http://schemas.microsoft.com/office/drawing/2010/main" val="0"/>
+              </a:ext>
+              <a:ext uri="{96DAC541-7B7A-43D3-8B79-37D633B846F1}">
+                <asvg:svgBlip xmlns:asvg="http://schemas.microsoft.com/office/drawing/2016/SVG/main" r:embed="rId8"/>
+              </a:ext>
+            </a:extLst>
+          </a:blip>
+          <a:stretch>
+            <a:fillRect/>
+          </a:stretch>
+        </p:blipFill>
+        <p:spPr>
+          <a:xfrm>
+            <a:off x="5113853" y="2941154"/>
+            <a:ext cx="1408826" cy="1408826"/>
+          </a:xfrm>
+          <a:prstGeom prst="rect">
+            <a:avLst/>
+          </a:prstGeom>
+        </p:spPr>
+      </p:pic>
     </p:spTree>
     <p:extLst>
       <p:ext uri="{BB962C8B-B14F-4D97-AF65-F5344CB8AC3E}">
@@ -36145,6 +38570,199 @@
   <p:clrMapOvr>
     <a:masterClrMapping/>
   </p:clrMapOvr>
+  <p:timing>
+    <p:tnLst>
+      <p:par>
+        <p:cTn id="1" dur="indefinite" restart="never" nodeType="tmRoot">
+          <p:childTnLst>
+            <p:seq concurrent="1" nextAc="seek">
+              <p:cTn id="2" dur="indefinite" nodeType="mainSeq">
+                <p:childTnLst>
+                  <p:par>
+                    <p:cTn id="3" fill="hold">
+                      <p:stCondLst>
+                        <p:cond delay="indefinite"/>
+                      </p:stCondLst>
+                      <p:childTnLst>
+                        <p:par>
+                          <p:cTn id="4" fill="hold">
+                            <p:stCondLst>
+                              <p:cond delay="0"/>
+                            </p:stCondLst>
+                            <p:childTnLst>
+                              <p:par>
+                                <p:cTn id="5" presetID="10" presetClass="entr" presetSubtype="0" fill="hold" grpId="0" nodeType="clickEffect">
+                                  <p:stCondLst>
+                                    <p:cond delay="0"/>
+                                  </p:stCondLst>
+                                  <p:childTnLst>
+                                    <p:set>
+                                      <p:cBhvr>
+                                        <p:cTn id="6" dur="1" fill="hold">
+                                          <p:stCondLst>
+                                            <p:cond delay="0"/>
+                                          </p:stCondLst>
+                                        </p:cTn>
+                                        <p:tgtEl>
+                                          <p:spTgt spid="17"/>
+                                        </p:tgtEl>
+                                        <p:attrNameLst>
+                                          <p:attrName>style.visibility</p:attrName>
+                                        </p:attrNameLst>
+                                      </p:cBhvr>
+                                      <p:to>
+                                        <p:strVal val="visible"/>
+                                      </p:to>
+                                    </p:set>
+                                    <p:animEffect transition="in" filter="fade">
+                                      <p:cBhvr>
+                                        <p:cTn id="7" dur="500"/>
+                                        <p:tgtEl>
+                                          <p:spTgt spid="17"/>
+                                        </p:tgtEl>
+                                      </p:cBhvr>
+                                    </p:animEffect>
+                                  </p:childTnLst>
+                                </p:cTn>
+                              </p:par>
+                            </p:childTnLst>
+                          </p:cTn>
+                        </p:par>
+                      </p:childTnLst>
+                    </p:cTn>
+                  </p:par>
+                  <p:par>
+                    <p:cTn id="8" fill="hold">
+                      <p:stCondLst>
+                        <p:cond delay="indefinite"/>
+                      </p:stCondLst>
+                      <p:childTnLst>
+                        <p:par>
+                          <p:cTn id="9" fill="hold">
+                            <p:stCondLst>
+                              <p:cond delay="0"/>
+                            </p:stCondLst>
+                            <p:childTnLst>
+                              <p:par>
+                                <p:cTn id="10" presetID="10" presetClass="entr" presetSubtype="0" fill="hold" grpId="0" nodeType="clickEffect">
+                                  <p:stCondLst>
+                                    <p:cond delay="0"/>
+                                  </p:stCondLst>
+                                  <p:childTnLst>
+                                    <p:set>
+                                      <p:cBhvr>
+                                        <p:cTn id="11" dur="1" fill="hold">
+                                          <p:stCondLst>
+                                            <p:cond delay="0"/>
+                                          </p:stCondLst>
+                                        </p:cTn>
+                                        <p:tgtEl>
+                                          <p:spTgt spid="14"/>
+                                        </p:tgtEl>
+                                        <p:attrNameLst>
+                                          <p:attrName>style.visibility</p:attrName>
+                                        </p:attrNameLst>
+                                      </p:cBhvr>
+                                      <p:to>
+                                        <p:strVal val="visible"/>
+                                      </p:to>
+                                    </p:set>
+                                    <p:animEffect transition="in" filter="fade">
+                                      <p:cBhvr>
+                                        <p:cTn id="12" dur="500"/>
+                                        <p:tgtEl>
+                                          <p:spTgt spid="14"/>
+                                        </p:tgtEl>
+                                      </p:cBhvr>
+                                    </p:animEffect>
+                                  </p:childTnLst>
+                                </p:cTn>
+                              </p:par>
+                            </p:childTnLst>
+                          </p:cTn>
+                        </p:par>
+                      </p:childTnLst>
+                    </p:cTn>
+                  </p:par>
+                  <p:par>
+                    <p:cTn id="13" fill="hold">
+                      <p:stCondLst>
+                        <p:cond delay="indefinite"/>
+                      </p:stCondLst>
+                      <p:childTnLst>
+                        <p:par>
+                          <p:cTn id="14" fill="hold">
+                            <p:stCondLst>
+                              <p:cond delay="0"/>
+                            </p:stCondLst>
+                            <p:childTnLst>
+                              <p:par>
+                                <p:cTn id="15" presetID="10" presetClass="entr" presetSubtype="0" fill="hold" nodeType="clickEffect">
+                                  <p:stCondLst>
+                                    <p:cond delay="0"/>
+                                  </p:stCondLst>
+                                  <p:childTnLst>
+                                    <p:set>
+                                      <p:cBhvr>
+                                        <p:cTn id="16" dur="1" fill="hold">
+                                          <p:stCondLst>
+                                            <p:cond delay="0"/>
+                                          </p:stCondLst>
+                                        </p:cTn>
+                                        <p:tgtEl>
+                                          <p:spTgt spid="19"/>
+                                        </p:tgtEl>
+                                        <p:attrNameLst>
+                                          <p:attrName>style.visibility</p:attrName>
+                                        </p:attrNameLst>
+                                      </p:cBhvr>
+                                      <p:to>
+                                        <p:strVal val="visible"/>
+                                      </p:to>
+                                    </p:set>
+                                    <p:animEffect transition="in" filter="fade">
+                                      <p:cBhvr>
+                                        <p:cTn id="17" dur="500"/>
+                                        <p:tgtEl>
+                                          <p:spTgt spid="19"/>
+                                        </p:tgtEl>
+                                      </p:cBhvr>
+                                    </p:animEffect>
+                                  </p:childTnLst>
+                                </p:cTn>
+                              </p:par>
+                            </p:childTnLst>
+                          </p:cTn>
+                        </p:par>
+                      </p:childTnLst>
+                    </p:cTn>
+                  </p:par>
+                </p:childTnLst>
+              </p:cTn>
+              <p:prevCondLst>
+                <p:cond evt="onPrev" delay="0">
+                  <p:tgtEl>
+                    <p:sldTgt/>
+                  </p:tgtEl>
+                </p:cond>
+              </p:prevCondLst>
+              <p:nextCondLst>
+                <p:cond evt="onNext" delay="0">
+                  <p:tgtEl>
+                    <p:sldTgt/>
+                  </p:tgtEl>
+                </p:cond>
+              </p:nextCondLst>
+            </p:seq>
+          </p:childTnLst>
+        </p:cTn>
+      </p:par>
+    </p:tnLst>
+    <p:bldLst>
+      <p:bldP spid="14" grpId="0" animBg="1"/>
+      <p:bldP spid="17" grpId="0" animBg="1"/>
+    </p:bldLst>
+  </p:timing>
 </p:sld>
 </file>
 
@@ -36389,4 +39007,299 @@
     </a:ext>
   </a:extLst>
 </a:theme>
+</file>
+
+<file path=ppt/theme/theme2.xml><?xml version="1.0" encoding="utf-8"?>
+<a:theme xmlns:a="http://schemas.openxmlformats.org/drawingml/2006/main" name="Office 佈景主題">
+  <a:themeElements>
+    <a:clrScheme name="Office">
+      <a:dk1>
+        <a:sysClr val="windowText" lastClr="000000"/>
+      </a:dk1>
+      <a:lt1>
+        <a:sysClr val="window" lastClr="FFFFFF"/>
+      </a:lt1>
+      <a:dk2>
+        <a:srgbClr val="44546A"/>
+      </a:dk2>
+      <a:lt2>
+        <a:srgbClr val="E7E6E6"/>
+      </a:lt2>
+      <a:accent1>
+        <a:srgbClr val="4472C4"/>
+      </a:accent1>
+      <a:accent2>
+        <a:srgbClr val="ED7D31"/>
+      </a:accent2>
+      <a:accent3>
+        <a:srgbClr val="A5A5A5"/>
+      </a:accent3>
+      <a:accent4>
+        <a:srgbClr val="FFC000"/>
+      </a:accent4>
+      <a:accent5>
+        <a:srgbClr val="5B9BD5"/>
+      </a:accent5>
+      <a:accent6>
+        <a:srgbClr val="70AD47"/>
+      </a:accent6>
+      <a:hlink>
+        <a:srgbClr val="0563C1"/>
+      </a:hlink>
+      <a:folHlink>
+        <a:srgbClr val="954F72"/>
+      </a:folHlink>
+    </a:clrScheme>
+    <a:fontScheme name="Office">
+      <a:majorFont>
+        <a:latin typeface="Calibri Light" panose="020F0302020204030204"/>
+        <a:ea typeface=""/>
+        <a:cs typeface=""/>
+        <a:font script="Jpan" typeface="游ゴシック Light"/>
+        <a:font script="Hang" typeface="맑은 고딕"/>
+        <a:font script="Hans" typeface="等线 Light"/>
+        <a:font script="Hant" typeface="新細明體"/>
+        <a:font script="Arab" typeface="Times New Roman"/>
+        <a:font script="Hebr" typeface="Times New Roman"/>
+        <a:font script="Thai" typeface="Angsana New"/>
+        <a:font script="Ethi" typeface="Nyala"/>
+        <a:font script="Beng" typeface="Vrinda"/>
+        <a:font script="Gujr" typeface="Shruti"/>
+        <a:font script="Khmr" typeface="MoolBoran"/>
+        <a:font script="Knda" typeface="Tunga"/>
+        <a:font script="Guru" typeface="Raavi"/>
+        <a:font script="Cans" typeface="Euphemia"/>
+        <a:font script="Cher" typeface="Plantagenet Cherokee"/>
+        <a:font script="Yiii" typeface="Microsoft Yi Baiti"/>
+        <a:font script="Tibt" typeface="Microsoft Himalaya"/>
+        <a:font script="Thaa" typeface="MV Boli"/>
+        <a:font script="Deva" typeface="Mangal"/>
+        <a:font script="Telu" typeface="Gautami"/>
+        <a:font script="Taml" typeface="Latha"/>
+        <a:font script="Syrc" typeface="Estrangelo Edessa"/>
+        <a:font script="Orya" typeface="Kalinga"/>
+        <a:font script="Mlym" typeface="Kartika"/>
+        <a:font script="Laoo" typeface="DokChampa"/>
+        <a:font script="Sinh" typeface="Iskoola Pota"/>
+        <a:font script="Mong" typeface="Mongolian Baiti"/>
+        <a:font script="Viet" typeface="Times New Roman"/>
+        <a:font script="Uigh" typeface="Microsoft Uighur"/>
+        <a:font script="Geor" typeface="Sylfaen"/>
+        <a:font script="Armn" typeface="Arial"/>
+        <a:font script="Bugi" typeface="Leelawadee UI"/>
+        <a:font script="Bopo" typeface="Microsoft JhengHei"/>
+        <a:font script="Java" typeface="Javanese Text"/>
+        <a:font script="Lisu" typeface="Segoe UI"/>
+        <a:font script="Mymr" typeface="Myanmar Text"/>
+        <a:font script="Nkoo" typeface="Ebrima"/>
+        <a:font script="Olck" typeface="Nirmala UI"/>
+        <a:font script="Osma" typeface="Ebrima"/>
+        <a:font script="Phag" typeface="Phagspa"/>
+        <a:font script="Syrn" typeface="Estrangelo Edessa"/>
+        <a:font script="Syrj" typeface="Estrangelo Edessa"/>
+        <a:font script="Syre" typeface="Estrangelo Edessa"/>
+        <a:font script="Sora" typeface="Nirmala UI"/>
+        <a:font script="Tale" typeface="Microsoft Tai Le"/>
+        <a:font script="Talu" typeface="Microsoft New Tai Lue"/>
+        <a:font script="Tfng" typeface="Ebrima"/>
+      </a:majorFont>
+      <a:minorFont>
+        <a:latin typeface="Calibri" panose="020F0502020204030204"/>
+        <a:ea typeface=""/>
+        <a:cs typeface=""/>
+        <a:font script="Jpan" typeface="游ゴシック"/>
+        <a:font script="Hang" typeface="맑은 고딕"/>
+        <a:font script="Hans" typeface="等线"/>
+        <a:font script="Hant" typeface="新細明體"/>
+        <a:font script="Arab" typeface="Arial"/>
+        <a:font script="Hebr" typeface="Arial"/>
+        <a:font script="Thai" typeface="Cordia New"/>
+        <a:font script="Ethi" typeface="Nyala"/>
+        <a:font script="Beng" typeface="Vrinda"/>
+        <a:font script="Gujr" typeface="Shruti"/>
+        <a:font script="Khmr" typeface="DaunPenh"/>
+        <a:font script="Knda" typeface="Tunga"/>
+        <a:font script="Guru" typeface="Raavi"/>
+        <a:font script="Cans" typeface="Euphemia"/>
+        <a:font script="Cher" typeface="Plantagenet Cherokee"/>
+        <a:font script="Yiii" typeface="Microsoft Yi Baiti"/>
+        <a:font script="Tibt" typeface="Microsoft Himalaya"/>
+        <a:font script="Thaa" typeface="MV Boli"/>
+        <a:font script="Deva" typeface="Mangal"/>
+        <a:font script="Telu" typeface="Gautami"/>
+        <a:font script="Taml" typeface="Latha"/>
+        <a:font script="Syrc" typeface="Estrangelo Edessa"/>
+        <a:font script="Orya" typeface="Kalinga"/>
+        <a:font script="Mlym" typeface="Kartika"/>
+        <a:font script="Laoo" typeface="DokChampa"/>
+        <a:font script="Sinh" typeface="Iskoola Pota"/>
+        <a:font script="Mong" typeface="Mongolian Baiti"/>
+        <a:font script="Viet" typeface="Arial"/>
+        <a:font script="Uigh" typeface="Microsoft Uighur"/>
+        <a:font script="Geor" typeface="Sylfaen"/>
+        <a:font script="Armn" typeface="Arial"/>
+        <a:font script="Bugi" typeface="Leelawadee UI"/>
+        <a:font script="Bopo" typeface="Microsoft JhengHei"/>
+        <a:font script="Java" typeface="Javanese Text"/>
+        <a:font script="Lisu" typeface="Segoe UI"/>
+        <a:font script="Mymr" typeface="Myanmar Text"/>
+        <a:font script="Nkoo" typeface="Ebrima"/>
+        <a:font script="Olck" typeface="Nirmala UI"/>
+        <a:font script="Osma" typeface="Ebrima"/>
+        <a:font script="Phag" typeface="Phagspa"/>
+        <a:font script="Syrn" typeface="Estrangelo Edessa"/>
+        <a:font script="Syrj" typeface="Estrangelo Edessa"/>
+        <a:font script="Syre" typeface="Estrangelo Edessa"/>
+        <a:font script="Sora" typeface="Nirmala UI"/>
+        <a:font script="Tale" typeface="Microsoft Tai Le"/>
+        <a:font script="Talu" typeface="Microsoft New Tai Lue"/>
+        <a:font script="Tfng" typeface="Ebrima"/>
+      </a:minorFont>
+    </a:fontScheme>
+    <a:fmtScheme name="Office">
+      <a:fillStyleLst>
+        <a:solidFill>
+          <a:schemeClr val="phClr"/>
+        </a:solidFill>
+        <a:gradFill rotWithShape="1">
+          <a:gsLst>
+            <a:gs pos="0">
+              <a:schemeClr val="phClr">
+                <a:lumMod val="110000"/>
+                <a:satMod val="105000"/>
+                <a:tint val="67000"/>
+              </a:schemeClr>
+            </a:gs>
+            <a:gs pos="50000">
+              <a:schemeClr val="phClr">
+                <a:lumMod val="105000"/>
+                <a:satMod val="103000"/>
+                <a:tint val="73000"/>
+              </a:schemeClr>
+            </a:gs>
+            <a:gs pos="100000">
+              <a:schemeClr val="phClr">
+                <a:lumMod val="105000"/>
+                <a:satMod val="109000"/>
+                <a:tint val="81000"/>
+              </a:schemeClr>
+            </a:gs>
+          </a:gsLst>
+          <a:lin ang="5400000" scaled="0"/>
+        </a:gradFill>
+        <a:gradFill rotWithShape="1">
+          <a:gsLst>
+            <a:gs pos="0">
+              <a:schemeClr val="phClr">
+                <a:satMod val="103000"/>
+                <a:lumMod val="102000"/>
+                <a:tint val="94000"/>
+              </a:schemeClr>
+            </a:gs>
+            <a:gs pos="50000">
+              <a:schemeClr val="phClr">
+                <a:satMod val="110000"/>
+                <a:lumMod val="100000"/>
+                <a:shade val="100000"/>
+              </a:schemeClr>
+            </a:gs>
+            <a:gs pos="100000">
+              <a:schemeClr val="phClr">
+                <a:lumMod val="99000"/>
+                <a:satMod val="120000"/>
+                <a:shade val="78000"/>
+              </a:schemeClr>
+            </a:gs>
+          </a:gsLst>
+          <a:lin ang="5400000" scaled="0"/>
+        </a:gradFill>
+      </a:fillStyleLst>
+      <a:lnStyleLst>
+        <a:ln w="6350" cap="flat" cmpd="sng" algn="ctr">
+          <a:solidFill>
+            <a:schemeClr val="phClr"/>
+          </a:solidFill>
+          <a:prstDash val="solid"/>
+          <a:miter lim="800000"/>
+        </a:ln>
+        <a:ln w="12700" cap="flat" cmpd="sng" algn="ctr">
+          <a:solidFill>
+            <a:schemeClr val="phClr"/>
+          </a:solidFill>
+          <a:prstDash val="solid"/>
+          <a:miter lim="800000"/>
+        </a:ln>
+        <a:ln w="19050" cap="flat" cmpd="sng" algn="ctr">
+          <a:solidFill>
+            <a:schemeClr val="phClr"/>
+          </a:solidFill>
+          <a:prstDash val="solid"/>
+          <a:miter lim="800000"/>
+        </a:ln>
+      </a:lnStyleLst>
+      <a:effectStyleLst>
+        <a:effectStyle>
+          <a:effectLst/>
+        </a:effectStyle>
+        <a:effectStyle>
+          <a:effectLst/>
+        </a:effectStyle>
+        <a:effectStyle>
+          <a:effectLst>
+            <a:outerShdw blurRad="57150" dist="19050" dir="5400000" algn="ctr" rotWithShape="0">
+              <a:srgbClr val="000000">
+                <a:alpha val="63000"/>
+              </a:srgbClr>
+            </a:outerShdw>
+          </a:effectLst>
+        </a:effectStyle>
+      </a:effectStyleLst>
+      <a:bgFillStyleLst>
+        <a:solidFill>
+          <a:schemeClr val="phClr"/>
+        </a:solidFill>
+        <a:solidFill>
+          <a:schemeClr val="phClr">
+            <a:tint val="95000"/>
+            <a:satMod val="170000"/>
+          </a:schemeClr>
+        </a:solidFill>
+        <a:gradFill rotWithShape="1">
+          <a:gsLst>
+            <a:gs pos="0">
+              <a:schemeClr val="phClr">
+                <a:tint val="93000"/>
+                <a:satMod val="150000"/>
+                <a:shade val="98000"/>
+                <a:lumMod val="102000"/>
+              </a:schemeClr>
+            </a:gs>
+            <a:gs pos="50000">
+              <a:schemeClr val="phClr">
+                <a:tint val="98000"/>
+                <a:satMod val="130000"/>
+                <a:shade val="90000"/>
+                <a:lumMod val="103000"/>
+              </a:schemeClr>
+            </a:gs>
+            <a:gs pos="100000">
+              <a:schemeClr val="phClr">
+                <a:shade val="63000"/>
+                <a:satMod val="120000"/>
+              </a:schemeClr>
+            </a:gs>
+          </a:gsLst>
+          <a:lin ang="5400000" scaled="0"/>
+        </a:gradFill>
+      </a:bgFillStyleLst>
+    </a:fmtScheme>
+  </a:themeElements>
+  <a:objectDefaults/>
+  <a:extraClrSchemeLst/>
+  <a:extLst>
+    <a:ext uri="{05A4C25C-085E-4340-85A3-A5531E510DB2}">
+      <thm15:themeFamily xmlns:thm15="http://schemas.microsoft.com/office/thememl/2012/main" name="Office Theme" id="{62F939B6-93AF-4DB8-9C6B-D6C7DFDC589F}" vid="{4A3C46E8-61CC-4603-A589-7422A47A8E4A}"/>
+    </a:ext>
+  </a:extLst>
+</a:theme>
 </file>
--- a/doc/網路程式設計報告.pptx
+++ b/doc/網路程式設計報告.pptx
@@ -11991,13 +11991,13 @@
   <p:clrMapOvr>
     <a:masterClrMapping/>
   </p:clrMapOvr>
-  <mc:AlternateContent xmlns:mc="http://schemas.openxmlformats.org/markup-compatibility/2006">
-    <mc:Choice xmlns:p14="http://schemas.microsoft.com/office/powerpoint/2010/main" Requires="p14">
+  <mc:AlternateContent xmlns:mc="http://schemas.openxmlformats.org/markup-compatibility/2006" xmlns:p14="http://schemas.microsoft.com/office/powerpoint/2010/main">
+    <mc:Choice Requires="p14">
       <p:transition spd="med" p14:dur="700">
         <p:fade/>
       </p:transition>
     </mc:Choice>
-    <mc:Fallback>
+    <mc:Fallback xmlns="">
       <p:transition spd="med">
         <p:fade/>
       </p:transition>
@@ -38156,33 +38156,15 @@
                                   </p:childTnLst>
                                 </p:cTn>
                               </p:par>
-                            </p:childTnLst>
-                          </p:cTn>
-                        </p:par>
-                      </p:childTnLst>
-                    </p:cTn>
-                  </p:par>
-                  <p:par>
-                    <p:cTn id="8" fill="hold">
-                      <p:stCondLst>
-                        <p:cond delay="indefinite"/>
-                      </p:stCondLst>
-                      <p:childTnLst>
-                        <p:par>
-                          <p:cTn id="9" fill="hold">
-                            <p:stCondLst>
-                              <p:cond delay="0"/>
-                            </p:stCondLst>
-                            <p:childTnLst>
                               <p:par>
-                                <p:cTn id="10" presetID="10" presetClass="entr" presetSubtype="0" fill="hold" grpId="0" nodeType="clickEffect">
+                                <p:cTn id="8" presetID="10" presetClass="entr" presetSubtype="0" fill="hold" grpId="0" nodeType="withEffect">
                                   <p:stCondLst>
                                     <p:cond delay="0"/>
                                   </p:stCondLst>
                                   <p:childTnLst>
                                     <p:set>
                                       <p:cBhvr>
-                                        <p:cTn id="11" dur="1" fill="hold">
+                                        <p:cTn id="9" dur="1" fill="hold">
                                           <p:stCondLst>
                                             <p:cond delay="0"/>
                                           </p:stCondLst>
@@ -38200,7 +38182,7 @@
                                     </p:set>
                                     <p:animEffect transition="in" filter="fade">
                                       <p:cBhvr>
-                                        <p:cTn id="12" dur="500"/>
+                                        <p:cTn id="10" dur="500"/>
                                         <p:tgtEl>
                                           <p:spTgt spid="9"/>
                                         </p:tgtEl>
@@ -38216,26 +38198,26 @@
                     </p:cTn>
                   </p:par>
                   <p:par>
-                    <p:cTn id="13" fill="hold">
+                    <p:cTn id="11" fill="hold">
                       <p:stCondLst>
                         <p:cond delay="indefinite"/>
                       </p:stCondLst>
                       <p:childTnLst>
                         <p:par>
-                          <p:cTn id="14" fill="hold">
+                          <p:cTn id="12" fill="hold">
                             <p:stCondLst>
                               <p:cond delay="0"/>
                             </p:stCondLst>
                             <p:childTnLst>
                               <p:par>
-                                <p:cTn id="15" presetID="10" presetClass="entr" presetSubtype="0" fill="hold" grpId="0" nodeType="clickEffect">
+                                <p:cTn id="13" presetID="10" presetClass="entr" presetSubtype="0" fill="hold" grpId="0" nodeType="clickEffect">
                                   <p:stCondLst>
                                     <p:cond delay="0"/>
                                   </p:stCondLst>
                                   <p:childTnLst>
                                     <p:set>
                                       <p:cBhvr>
-                                        <p:cTn id="16" dur="1" fill="hold">
+                                        <p:cTn id="14" dur="1" fill="hold">
                                           <p:stCondLst>
                                             <p:cond delay="0"/>
                                           </p:stCondLst>
@@ -38253,7 +38235,7 @@
                                     </p:set>
                                     <p:animEffect transition="in" filter="fade">
                                       <p:cBhvr>
-                                        <p:cTn id="17" dur="500"/>
+                                        <p:cTn id="15" dur="500"/>
                                         <p:tgtEl>
                                           <p:spTgt spid="11"/>
                                         </p:tgtEl>
